--- a/Presentation.pptx
+++ b/Presentation.pptx
@@ -16,6 +16,9 @@
     <p:sldId id="263" r:id="rId10"/>
     <p:sldId id="265" r:id="rId11"/>
     <p:sldId id="266" r:id="rId12"/>
+    <p:sldId id="267" r:id="rId13"/>
+    <p:sldId id="268" r:id="rId14"/>
+    <p:sldId id="269" r:id="rId15"/>
   </p:sldIdLst>
   <p:sldSz cx="12192000" cy="6858000"/>
   <p:notesSz cx="6858000" cy="9144000"/>
@@ -114,6 +117,11 @@
       </a:defRPr>
     </a:lvl9pPr>
   </p:defaultTextStyle>
+  <p:extLst>
+    <p:ext uri="{EFAFB233-063F-42B5-8137-9DF3F51BA10A}">
+      <p15:sldGuideLst xmlns:p15="http://schemas.microsoft.com/office/powerpoint/2012/main"/>
+    </p:ext>
+  </p:extLst>
 </p:presentation>
 </file>
 
@@ -11103,6 +11111,1394 @@
 </p:sld>
 </file>
 
+<file path=ppt/slides/slide12.xml><?xml version="1.0" encoding="utf-8"?>
+<p:sld xmlns:a="http://schemas.openxmlformats.org/drawingml/2006/main" xmlns:r="http://schemas.openxmlformats.org/officeDocument/2006/relationships" xmlns:p="http://schemas.openxmlformats.org/presentationml/2006/main">
+  <p:cSld>
+    <p:bg>
+      <p:bgPr>
+        <a:solidFill>
+          <a:schemeClr val="bg1"/>
+        </a:solidFill>
+        <a:effectLst/>
+      </p:bgPr>
+    </p:bg>
+    <p:spTree>
+      <p:nvGrpSpPr>
+        <p:cNvPr id="1" name=""/>
+        <p:cNvGrpSpPr/>
+        <p:nvPr/>
+      </p:nvGrpSpPr>
+      <p:grpSpPr>
+        <a:xfrm>
+          <a:off x="0" y="0"/>
+          <a:ext cx="0" cy="0"/>
+          <a:chOff x="0" y="0"/>
+          <a:chExt cx="0" cy="0"/>
+        </a:xfrm>
+      </p:grpSpPr>
+      <p:sp useBgFill="1">
+        <p:nvSpPr>
+          <p:cNvPr id="9" name="Rectangle 8">
+            <a:extLst>
+              <a:ext uri="{FF2B5EF4-FFF2-40B4-BE49-F238E27FC236}">
+                <a16:creationId xmlns:a16="http://schemas.microsoft.com/office/drawing/2014/main" id="{0E30439A-8A5B-46EC-8283-9B6B031D40D0}"/>
+              </a:ext>
+              <a:ext uri="{C183D7F6-B498-43B3-948B-1728B52AA6E4}">
+                <adec:decorative xmlns:adec="http://schemas.microsoft.com/office/drawing/2017/decorative" val="1"/>
+              </a:ext>
+            </a:extLst>
+          </p:cNvPr>
+          <p:cNvSpPr>
+            <a:spLocks noGrp="1" noRot="1" noChangeAspect="1" noMove="1" noResize="1" noEditPoints="1" noAdjustHandles="1" noChangeArrowheads="1" noChangeShapeType="1" noTextEdit="1"/>
+          </p:cNvSpPr>
+          <p:nvPr>
+            <p:extLst>
+              <p:ext uri="{386F3935-93C4-4BCD-93E2-E3B085C9AB24}">
+                <p16:designElem xmlns:p16="http://schemas.microsoft.com/office/powerpoint/2015/main" val="1"/>
+              </p:ext>
+            </p:extLst>
+          </p:nvPr>
+        </p:nvSpPr>
+        <p:spPr>
+          <a:xfrm>
+            <a:off x="0" y="0"/>
+            <a:ext cx="12192000" cy="6858000"/>
+          </a:xfrm>
+          <a:prstGeom prst="rect">
+            <a:avLst/>
+          </a:prstGeom>
+          <a:ln w="12700" cap="flat" cmpd="sng" algn="ctr">
+            <a:noFill/>
+            <a:prstDash val="solid"/>
+            <a:miter lim="800000"/>
+          </a:ln>
+          <a:effectLst/>
+          <a:extLst>
+            <a:ext uri="{91240B29-F687-4F45-9708-019B960494DF}">
+              <a14:hiddenLine xmlns:a14="http://schemas.microsoft.com/office/drawing/2010/main" w="12700" cap="flat" cmpd="sng" algn="ctr">
+                <a:solidFill>
+                  <a:schemeClr val="accent1">
+                    <a:shade val="50000"/>
+                  </a:schemeClr>
+                </a:solidFill>
+                <a:prstDash val="solid"/>
+                <a:miter lim="800000"/>
+              </a14:hiddenLine>
+            </a:ext>
+          </a:extLst>
+        </p:spPr>
+        <p:style>
+          <a:lnRef idx="2">
+            <a:schemeClr val="accent1">
+              <a:shade val="50000"/>
+            </a:schemeClr>
+          </a:lnRef>
+          <a:fillRef idx="1">
+            <a:schemeClr val="accent1"/>
+          </a:fillRef>
+          <a:effectRef idx="0">
+            <a:schemeClr val="accent1"/>
+          </a:effectRef>
+          <a:fontRef idx="minor">
+            <a:schemeClr val="lt1"/>
+          </a:fontRef>
+        </p:style>
+        <p:txBody>
+          <a:bodyPr rtlCol="0" anchor="ctr"/>
+          <a:lstStyle/>
+          <a:p>
+            <a:pPr algn="ctr"/>
+            <a:endParaRPr lang="en-US"/>
+          </a:p>
+        </p:txBody>
+      </p:sp>
+      <p:sp>
+        <p:nvSpPr>
+          <p:cNvPr id="11" name="Rectangle 10">
+            <a:extLst>
+              <a:ext uri="{FF2B5EF4-FFF2-40B4-BE49-F238E27FC236}">
+                <a16:creationId xmlns:a16="http://schemas.microsoft.com/office/drawing/2014/main" id="{5CEAD642-85CF-4750-8432-7C80C901F001}"/>
+              </a:ext>
+              <a:ext uri="{C183D7F6-B498-43B3-948B-1728B52AA6E4}">
+                <adec:decorative xmlns:adec="http://schemas.microsoft.com/office/drawing/2017/decorative" val="1"/>
+              </a:ext>
+            </a:extLst>
+          </p:cNvPr>
+          <p:cNvSpPr>
+            <a:spLocks noGrp="1" noRot="1" noChangeAspect="1" noMove="1" noResize="1" noEditPoints="1" noAdjustHandles="1" noChangeArrowheads="1" noChangeShapeType="1" noTextEdit="1"/>
+          </p:cNvSpPr>
+          <p:nvPr>
+            <p:extLst>
+              <p:ext uri="{386F3935-93C4-4BCD-93E2-E3B085C9AB24}">
+                <p16:designElem xmlns:p16="http://schemas.microsoft.com/office/powerpoint/2015/main" val="1"/>
+              </p:ext>
+            </p:extLst>
+          </p:nvPr>
+        </p:nvSpPr>
+        <p:spPr>
+          <a:xfrm>
+            <a:off x="0" y="-427"/>
+            <a:ext cx="12192001" cy="6858000"/>
+          </a:xfrm>
+          <a:prstGeom prst="rect">
+            <a:avLst/>
+          </a:prstGeom>
+          <a:gradFill>
+            <a:gsLst>
+              <a:gs pos="0">
+                <a:srgbClr val="000000"/>
+              </a:gs>
+              <a:gs pos="100000">
+                <a:schemeClr val="accent1">
+                  <a:lumMod val="75000"/>
+                </a:schemeClr>
+              </a:gs>
+            </a:gsLst>
+            <a:lin ang="15000000" scaled="0"/>
+          </a:gradFill>
+          <a:ln>
+            <a:noFill/>
+          </a:ln>
+        </p:spPr>
+        <p:style>
+          <a:lnRef idx="2">
+            <a:schemeClr val="accent1">
+              <a:shade val="50000"/>
+            </a:schemeClr>
+          </a:lnRef>
+          <a:fillRef idx="1">
+            <a:schemeClr val="accent1"/>
+          </a:fillRef>
+          <a:effectRef idx="0">
+            <a:schemeClr val="accent1"/>
+          </a:effectRef>
+          <a:fontRef idx="minor">
+            <a:schemeClr val="lt1"/>
+          </a:fontRef>
+        </p:style>
+        <p:txBody>
+          <a:bodyPr rtlCol="0" anchor="ctr"/>
+          <a:lstStyle/>
+          <a:p>
+            <a:pPr algn="ctr"/>
+            <a:endParaRPr lang="en-US"/>
+          </a:p>
+        </p:txBody>
+      </p:sp>
+      <p:sp>
+        <p:nvSpPr>
+          <p:cNvPr id="13" name="Rectangle 12">
+            <a:extLst>
+              <a:ext uri="{FF2B5EF4-FFF2-40B4-BE49-F238E27FC236}">
+                <a16:creationId xmlns:a16="http://schemas.microsoft.com/office/drawing/2014/main" id="{FA33EEAE-15D5-4119-8C1E-89D943F911EF}"/>
+              </a:ext>
+              <a:ext uri="{C183D7F6-B498-43B3-948B-1728B52AA6E4}">
+                <adec:decorative xmlns:adec="http://schemas.microsoft.com/office/drawing/2017/decorative" val="1"/>
+              </a:ext>
+            </a:extLst>
+          </p:cNvPr>
+          <p:cNvSpPr>
+            <a:spLocks noGrp="1" noRot="1" noChangeAspect="1" noMove="1" noResize="1" noEditPoints="1" noAdjustHandles="1" noChangeArrowheads="1" noChangeShapeType="1" noTextEdit="1"/>
+          </p:cNvSpPr>
+          <p:nvPr>
+            <p:extLst>
+              <p:ext uri="{386F3935-93C4-4BCD-93E2-E3B085C9AB24}">
+                <p16:designElem xmlns:p16="http://schemas.microsoft.com/office/powerpoint/2015/main" val="1"/>
+              </p:ext>
+            </p:extLst>
+          </p:nvPr>
+        </p:nvSpPr>
+        <p:spPr>
+          <a:xfrm rot="10800000" flipH="1">
+            <a:off x="455521" y="-1720"/>
+            <a:ext cx="11750040" cy="6840685"/>
+          </a:xfrm>
+          <a:prstGeom prst="rect">
+            <a:avLst/>
+          </a:prstGeom>
+          <a:gradFill>
+            <a:gsLst>
+              <a:gs pos="21000">
+                <a:schemeClr val="accent1">
+                  <a:lumMod val="50000"/>
+                  <a:alpha val="61000"/>
+                </a:schemeClr>
+              </a:gs>
+              <a:gs pos="100000">
+                <a:schemeClr val="accent1">
+                  <a:alpha val="0"/>
+                </a:schemeClr>
+              </a:gs>
+            </a:gsLst>
+            <a:lin ang="21594000" scaled="0"/>
+          </a:gradFill>
+          <a:ln>
+            <a:noFill/>
+          </a:ln>
+        </p:spPr>
+        <p:style>
+          <a:lnRef idx="2">
+            <a:schemeClr val="accent1">
+              <a:shade val="50000"/>
+            </a:schemeClr>
+          </a:lnRef>
+          <a:fillRef idx="1">
+            <a:schemeClr val="accent1"/>
+          </a:fillRef>
+          <a:effectRef idx="0">
+            <a:schemeClr val="accent1"/>
+          </a:effectRef>
+          <a:fontRef idx="minor">
+            <a:schemeClr val="lt1"/>
+          </a:fontRef>
+        </p:style>
+        <p:txBody>
+          <a:bodyPr rtlCol="0" anchor="ctr"/>
+          <a:lstStyle/>
+          <a:p>
+            <a:pPr algn="ctr"/>
+            <a:endParaRPr lang="en-US"/>
+          </a:p>
+        </p:txBody>
+      </p:sp>
+      <p:sp>
+        <p:nvSpPr>
+          <p:cNvPr id="15" name="Rectangle 14">
+            <a:extLst>
+              <a:ext uri="{FF2B5EF4-FFF2-40B4-BE49-F238E27FC236}">
+                <a16:creationId xmlns:a16="http://schemas.microsoft.com/office/drawing/2014/main" id="{730D8B3B-9B80-4025-B934-26DC7D7CD231}"/>
+              </a:ext>
+              <a:ext uri="{C183D7F6-B498-43B3-948B-1728B52AA6E4}">
+                <adec:decorative xmlns:adec="http://schemas.microsoft.com/office/drawing/2017/decorative" val="1"/>
+              </a:ext>
+            </a:extLst>
+          </p:cNvPr>
+          <p:cNvSpPr>
+            <a:spLocks noGrp="1" noRot="1" noChangeAspect="1" noMove="1" noResize="1" noEditPoints="1" noAdjustHandles="1" noChangeArrowheads="1" noChangeShapeType="1" noTextEdit="1"/>
+          </p:cNvSpPr>
+          <p:nvPr>
+            <p:extLst>
+              <p:ext uri="{386F3935-93C4-4BCD-93E2-E3B085C9AB24}">
+                <p16:designElem xmlns:p16="http://schemas.microsoft.com/office/powerpoint/2015/main" val="1"/>
+              </p:ext>
+            </p:extLst>
+          </p:nvPr>
+        </p:nvSpPr>
+        <p:spPr>
+          <a:xfrm>
+            <a:off x="8606054" y="-1291"/>
+            <a:ext cx="3608179" cy="6858864"/>
+          </a:xfrm>
+          <a:prstGeom prst="rect">
+            <a:avLst/>
+          </a:prstGeom>
+          <a:gradFill>
+            <a:gsLst>
+              <a:gs pos="0">
+                <a:schemeClr val="accent1">
+                  <a:lumMod val="75000"/>
+                  <a:alpha val="0"/>
+                </a:schemeClr>
+              </a:gs>
+              <a:gs pos="99000">
+                <a:srgbClr val="000000">
+                  <a:alpha val="41000"/>
+                </a:srgbClr>
+              </a:gs>
+            </a:gsLst>
+            <a:lin ang="16200000" scaled="0"/>
+          </a:gradFill>
+          <a:ln>
+            <a:noFill/>
+          </a:ln>
+        </p:spPr>
+        <p:style>
+          <a:lnRef idx="2">
+            <a:schemeClr val="accent1">
+              <a:shade val="50000"/>
+            </a:schemeClr>
+          </a:lnRef>
+          <a:fillRef idx="1">
+            <a:schemeClr val="accent1"/>
+          </a:fillRef>
+          <a:effectRef idx="0">
+            <a:schemeClr val="accent1"/>
+          </a:effectRef>
+          <a:fontRef idx="minor">
+            <a:schemeClr val="lt1"/>
+          </a:fontRef>
+        </p:style>
+        <p:txBody>
+          <a:bodyPr rtlCol="0" anchor="ctr"/>
+          <a:lstStyle/>
+          <a:p>
+            <a:pPr algn="ctr"/>
+            <a:endParaRPr lang="en-US"/>
+          </a:p>
+        </p:txBody>
+      </p:sp>
+      <p:sp>
+        <p:nvSpPr>
+          <p:cNvPr id="17" name="Oval 16">
+            <a:extLst>
+              <a:ext uri="{FF2B5EF4-FFF2-40B4-BE49-F238E27FC236}">
+                <a16:creationId xmlns:a16="http://schemas.microsoft.com/office/drawing/2014/main" id="{B5A1B09C-1565-46F8-B70F-621C5EB48A09}"/>
+              </a:ext>
+              <a:ext uri="{C183D7F6-B498-43B3-948B-1728B52AA6E4}">
+                <adec:decorative xmlns:adec="http://schemas.microsoft.com/office/drawing/2017/decorative" val="1"/>
+              </a:ext>
+            </a:extLst>
+          </p:cNvPr>
+          <p:cNvSpPr>
+            <a:spLocks noGrp="1" noRot="1" noChangeAspect="1" noMove="1" noResize="1" noEditPoints="1" noAdjustHandles="1" noChangeArrowheads="1" noChangeShapeType="1" noTextEdit="1"/>
+          </p:cNvSpPr>
+          <p:nvPr>
+            <p:extLst>
+              <p:ext uri="{386F3935-93C4-4BCD-93E2-E3B085C9AB24}">
+                <p16:designElem xmlns:p16="http://schemas.microsoft.com/office/powerpoint/2015/main" val="1"/>
+              </p:ext>
+            </p:extLst>
+          </p:nvPr>
+        </p:nvSpPr>
+        <p:spPr>
+          <a:xfrm rot="15274173">
+            <a:off x="6059728" y="779270"/>
+            <a:ext cx="4967533" cy="4988390"/>
+          </a:xfrm>
+          <a:prstGeom prst="ellipse">
+            <a:avLst/>
+          </a:prstGeom>
+          <a:gradFill>
+            <a:gsLst>
+              <a:gs pos="0">
+                <a:schemeClr val="accent1">
+                  <a:alpha val="24000"/>
+                </a:schemeClr>
+              </a:gs>
+              <a:gs pos="79000">
+                <a:schemeClr val="accent1">
+                  <a:lumMod val="60000"/>
+                  <a:lumOff val="40000"/>
+                  <a:alpha val="0"/>
+                </a:schemeClr>
+              </a:gs>
+            </a:gsLst>
+            <a:lin ang="14400000" scaled="0"/>
+          </a:gradFill>
+          <a:ln>
+            <a:noFill/>
+          </a:ln>
+        </p:spPr>
+        <p:style>
+          <a:lnRef idx="2">
+            <a:schemeClr val="accent1">
+              <a:shade val="50000"/>
+            </a:schemeClr>
+          </a:lnRef>
+          <a:fillRef idx="1">
+            <a:schemeClr val="accent1"/>
+          </a:fillRef>
+          <a:effectRef idx="0">
+            <a:schemeClr val="accent1"/>
+          </a:effectRef>
+          <a:fontRef idx="minor">
+            <a:schemeClr val="lt1"/>
+          </a:fontRef>
+        </p:style>
+        <p:txBody>
+          <a:bodyPr rtlCol="0" anchor="ctr"/>
+          <a:lstStyle/>
+          <a:p>
+            <a:pPr algn="ctr"/>
+            <a:endParaRPr lang="en-US" dirty="0"/>
+          </a:p>
+        </p:txBody>
+      </p:sp>
+      <p:sp>
+        <p:nvSpPr>
+          <p:cNvPr id="4" name="Title 3">
+            <a:extLst>
+              <a:ext uri="{FF2B5EF4-FFF2-40B4-BE49-F238E27FC236}">
+                <a16:creationId xmlns:a16="http://schemas.microsoft.com/office/drawing/2014/main" id="{61794808-84A9-40F0-9D30-7CF765EDB6DF}"/>
+              </a:ext>
+            </a:extLst>
+          </p:cNvPr>
+          <p:cNvSpPr>
+            <a:spLocks noGrp="1"/>
+          </p:cNvSpPr>
+          <p:nvPr>
+            <p:ph type="title"/>
+          </p:nvPr>
+        </p:nvSpPr>
+        <p:spPr>
+          <a:xfrm>
+            <a:off x="2563026" y="1793881"/>
+            <a:ext cx="7535029" cy="3268520"/>
+          </a:xfrm>
+        </p:spPr>
+        <p:txBody>
+          <a:bodyPr vert="horz" lIns="91440" tIns="45720" rIns="91440" bIns="45720" rtlCol="0" anchor="ctr">
+            <a:normAutofit/>
+          </a:bodyPr>
+          <a:lstStyle/>
+          <a:p>
+            <a:pPr algn="ctr"/>
+            <a:r>
+              <a:rPr lang="en-US" sz="4800" kern="1200" dirty="0" err="1">
+                <a:solidFill>
+                  <a:srgbClr val="FFFFFF"/>
+                </a:solidFill>
+                <a:latin typeface="+mj-lt"/>
+                <a:ea typeface="+mj-ea"/>
+                <a:cs typeface="+mj-cs"/>
+              </a:rPr>
+              <a:t>Proiectare</a:t>
+            </a:r>
+            <a:r>
+              <a:rPr lang="en-US" sz="4800" kern="1200" dirty="0">
+                <a:solidFill>
+                  <a:srgbClr val="FFFFFF"/>
+                </a:solidFill>
+                <a:latin typeface="+mj-lt"/>
+                <a:ea typeface="+mj-ea"/>
+                <a:cs typeface="+mj-cs"/>
+              </a:rPr>
+              <a:t> </a:t>
+            </a:r>
+            <a:r>
+              <a:rPr lang="en-US" sz="4800" kern="1200" dirty="0" err="1">
+                <a:solidFill>
+                  <a:srgbClr val="FFFFFF"/>
+                </a:solidFill>
+                <a:latin typeface="+mj-lt"/>
+                <a:ea typeface="+mj-ea"/>
+                <a:cs typeface="+mj-cs"/>
+              </a:rPr>
+              <a:t>și</a:t>
+            </a:r>
+            <a:r>
+              <a:rPr lang="en-US" sz="4800" kern="1200" dirty="0">
+                <a:solidFill>
+                  <a:srgbClr val="FFFFFF"/>
+                </a:solidFill>
+                <a:latin typeface="+mj-lt"/>
+                <a:ea typeface="+mj-ea"/>
+                <a:cs typeface="+mj-cs"/>
+              </a:rPr>
+              <a:t> </a:t>
+            </a:r>
+            <a:r>
+              <a:rPr lang="en-US" sz="4800" kern="1200" dirty="0" err="1">
+                <a:solidFill>
+                  <a:srgbClr val="FFFFFF"/>
+                </a:solidFill>
+                <a:latin typeface="+mj-lt"/>
+                <a:ea typeface="+mj-ea"/>
+                <a:cs typeface="+mj-cs"/>
+              </a:rPr>
+              <a:t>implementare</a:t>
+            </a:r>
+            <a:endParaRPr lang="en-US" sz="4800" kern="1200" dirty="0">
+              <a:solidFill>
+                <a:srgbClr val="FFFFFF"/>
+              </a:solidFill>
+              <a:latin typeface="+mj-lt"/>
+              <a:ea typeface="+mj-ea"/>
+              <a:cs typeface="+mj-cs"/>
+            </a:endParaRPr>
+          </a:p>
+        </p:txBody>
+      </p:sp>
+      <p:sp>
+        <p:nvSpPr>
+          <p:cNvPr id="19" name="Rectangle 18">
+            <a:extLst>
+              <a:ext uri="{FF2B5EF4-FFF2-40B4-BE49-F238E27FC236}">
+                <a16:creationId xmlns:a16="http://schemas.microsoft.com/office/drawing/2014/main" id="{8C516CC8-80AC-446C-A56E-9F54B7210402}"/>
+              </a:ext>
+              <a:ext uri="{C183D7F6-B498-43B3-948B-1728B52AA6E4}">
+                <adec:decorative xmlns:adec="http://schemas.microsoft.com/office/drawing/2017/decorative" val="1"/>
+              </a:ext>
+            </a:extLst>
+          </p:cNvPr>
+          <p:cNvSpPr>
+            <a:spLocks noGrp="1" noRot="1" noChangeAspect="1" noMove="1" noResize="1" noEditPoints="1" noAdjustHandles="1" noChangeArrowheads="1" noChangeShapeType="1" noTextEdit="1"/>
+          </p:cNvSpPr>
+          <p:nvPr>
+            <p:extLst>
+              <p:ext uri="{386F3935-93C4-4BCD-93E2-E3B085C9AB24}">
+                <p16:designElem xmlns:p16="http://schemas.microsoft.com/office/powerpoint/2015/main" val="1"/>
+              </p:ext>
+            </p:extLst>
+          </p:nvPr>
+        </p:nvSpPr>
+        <p:spPr>
+          <a:xfrm rot="10800000" flipH="1">
+            <a:off x="6314" y="4480038"/>
+            <a:ext cx="12179371" cy="2377962"/>
+          </a:xfrm>
+          <a:prstGeom prst="rect">
+            <a:avLst/>
+          </a:prstGeom>
+          <a:gradFill>
+            <a:gsLst>
+              <a:gs pos="0">
+                <a:schemeClr val="accent1">
+                  <a:lumMod val="75000"/>
+                  <a:alpha val="50000"/>
+                </a:schemeClr>
+              </a:gs>
+              <a:gs pos="99000">
+                <a:srgbClr val="000000">
+                  <a:alpha val="34000"/>
+                </a:srgbClr>
+              </a:gs>
+            </a:gsLst>
+            <a:lin ang="17400000" scaled="0"/>
+          </a:gradFill>
+          <a:ln>
+            <a:noFill/>
+          </a:ln>
+        </p:spPr>
+        <p:style>
+          <a:lnRef idx="2">
+            <a:schemeClr val="accent1">
+              <a:shade val="50000"/>
+            </a:schemeClr>
+          </a:lnRef>
+          <a:fillRef idx="1">
+            <a:schemeClr val="accent1"/>
+          </a:fillRef>
+          <a:effectRef idx="0">
+            <a:schemeClr val="accent1"/>
+          </a:effectRef>
+          <a:fontRef idx="minor">
+            <a:schemeClr val="lt1"/>
+          </a:fontRef>
+        </p:style>
+        <p:txBody>
+          <a:bodyPr rtlCol="0" anchor="ctr"/>
+          <a:lstStyle/>
+          <a:p>
+            <a:pPr algn="ctr"/>
+            <a:endParaRPr lang="en-US"/>
+          </a:p>
+        </p:txBody>
+      </p:sp>
+      <p:sp>
+        <p:nvSpPr>
+          <p:cNvPr id="21" name="Rectangle 20">
+            <a:extLst>
+              <a:ext uri="{FF2B5EF4-FFF2-40B4-BE49-F238E27FC236}">
+                <a16:creationId xmlns:a16="http://schemas.microsoft.com/office/drawing/2014/main" id="{53947E58-F088-49F1-A3D1-DEA690192E84}"/>
+              </a:ext>
+              <a:ext uri="{C183D7F6-B498-43B3-948B-1728B52AA6E4}">
+                <adec:decorative xmlns:adec="http://schemas.microsoft.com/office/drawing/2017/decorative" val="1"/>
+              </a:ext>
+            </a:extLst>
+          </p:cNvPr>
+          <p:cNvSpPr>
+            <a:spLocks noGrp="1" noRot="1" noChangeAspect="1" noMove="1" noResize="1" noEditPoints="1" noAdjustHandles="1" noChangeArrowheads="1" noChangeShapeType="1" noTextEdit="1"/>
+          </p:cNvSpPr>
+          <p:nvPr>
+            <p:extLst>
+              <p:ext uri="{386F3935-93C4-4BCD-93E2-E3B085C9AB24}">
+                <p16:designElem xmlns:p16="http://schemas.microsoft.com/office/powerpoint/2015/main" val="1"/>
+              </p:ext>
+            </p:extLst>
+          </p:nvPr>
+        </p:nvSpPr>
+        <p:spPr>
+          <a:xfrm rot="16200000" flipH="1">
+            <a:off x="6967085" y="1632660"/>
+            <a:ext cx="6857572" cy="3592258"/>
+          </a:xfrm>
+          <a:prstGeom prst="rect">
+            <a:avLst/>
+          </a:prstGeom>
+          <a:gradFill>
+            <a:gsLst>
+              <a:gs pos="0">
+                <a:schemeClr val="accent1">
+                  <a:lumMod val="75000"/>
+                  <a:alpha val="50000"/>
+                </a:schemeClr>
+              </a:gs>
+              <a:gs pos="99000">
+                <a:srgbClr val="000000">
+                  <a:alpha val="0"/>
+                </a:srgbClr>
+              </a:gs>
+            </a:gsLst>
+            <a:lin ang="15600000" scaled="0"/>
+          </a:gradFill>
+          <a:ln>
+            <a:noFill/>
+          </a:ln>
+        </p:spPr>
+        <p:style>
+          <a:lnRef idx="2">
+            <a:schemeClr val="accent1">
+              <a:shade val="50000"/>
+            </a:schemeClr>
+          </a:lnRef>
+          <a:fillRef idx="1">
+            <a:schemeClr val="accent1"/>
+          </a:fillRef>
+          <a:effectRef idx="0">
+            <a:schemeClr val="accent1"/>
+          </a:effectRef>
+          <a:fontRef idx="minor">
+            <a:schemeClr val="lt1"/>
+          </a:fontRef>
+        </p:style>
+        <p:txBody>
+          <a:bodyPr rtlCol="0" anchor="ctr"/>
+          <a:lstStyle/>
+          <a:p>
+            <a:pPr algn="ctr"/>
+            <a:endParaRPr lang="en-US"/>
+          </a:p>
+        </p:txBody>
+      </p:sp>
+    </p:spTree>
+    <p:extLst>
+      <p:ext uri="{BB962C8B-B14F-4D97-AF65-F5344CB8AC3E}">
+        <p14:creationId xmlns:p14="http://schemas.microsoft.com/office/powerpoint/2010/main" val="3275714999"/>
+      </p:ext>
+    </p:extLst>
+  </p:cSld>
+  <p:clrMapOvr>
+    <a:masterClrMapping/>
+  </p:clrMapOvr>
+</p:sld>
+</file>
+
+<file path=ppt/slides/slide13.xml><?xml version="1.0" encoding="utf-8"?>
+<p:sld xmlns:a="http://schemas.openxmlformats.org/drawingml/2006/main" xmlns:r="http://schemas.openxmlformats.org/officeDocument/2006/relationships" xmlns:p="http://schemas.openxmlformats.org/presentationml/2006/main">
+  <p:cSld>
+    <p:bg>
+      <p:bgPr>
+        <a:solidFill>
+          <a:schemeClr val="bg1"/>
+        </a:solidFill>
+        <a:effectLst/>
+      </p:bgPr>
+    </p:bg>
+    <p:spTree>
+      <p:nvGrpSpPr>
+        <p:cNvPr id="1" name=""/>
+        <p:cNvGrpSpPr/>
+        <p:nvPr/>
+      </p:nvGrpSpPr>
+      <p:grpSpPr>
+        <a:xfrm>
+          <a:off x="0" y="0"/>
+          <a:ext cx="0" cy="0"/>
+          <a:chOff x="0" y="0"/>
+          <a:chExt cx="0" cy="0"/>
+        </a:xfrm>
+      </p:grpSpPr>
+      <p:cxnSp>
+        <p:nvCxnSpPr>
+          <p:cNvPr id="10" name="Straight Connector 9">
+            <a:extLst>
+              <a:ext uri="{FF2B5EF4-FFF2-40B4-BE49-F238E27FC236}">
+                <a16:creationId xmlns:a16="http://schemas.microsoft.com/office/drawing/2014/main" id="{D2E961F1-4A28-4A5F-BBD4-6E400E5E6C75}"/>
+              </a:ext>
+              <a:ext uri="{C183D7F6-B498-43B3-948B-1728B52AA6E4}">
+                <adec:decorative xmlns:adec="http://schemas.microsoft.com/office/drawing/2017/decorative" val="1"/>
+              </a:ext>
+            </a:extLst>
+          </p:cNvPr>
+          <p:cNvCxnSpPr>
+            <a:cxnSpLocks noGrp="1" noRot="1" noChangeAspect="1" noMove="1" noResize="1" noEditPoints="1" noAdjustHandles="1" noChangeArrowheads="1" noChangeShapeType="1"/>
+          </p:cNvCxnSpPr>
+          <p:nvPr>
+            <p:extLst>
+              <p:ext uri="{386F3935-93C4-4BCD-93E2-E3B085C9AB24}">
+                <p16:designElem xmlns:p16="http://schemas.microsoft.com/office/powerpoint/2015/main" val="1"/>
+              </p:ext>
+            </p:extLst>
+          </p:nvPr>
+        </p:nvCxnSpPr>
+        <p:spPr bwMode="white">
+          <a:xfrm>
+            <a:off x="0" y="272357"/>
+            <a:ext cx="12188824" cy="0"/>
+          </a:xfrm>
+          <a:prstGeom prst="line">
+            <a:avLst/>
+          </a:prstGeom>
+          <a:ln w="50800">
+            <a:solidFill>
+              <a:schemeClr val="tx1">
+                <a:lumMod val="75000"/>
+                <a:lumOff val="25000"/>
+              </a:schemeClr>
+            </a:solidFill>
+          </a:ln>
+        </p:spPr>
+        <p:style>
+          <a:lnRef idx="1">
+            <a:schemeClr val="accent1"/>
+          </a:lnRef>
+          <a:fillRef idx="0">
+            <a:schemeClr val="accent1"/>
+          </a:fillRef>
+          <a:effectRef idx="0">
+            <a:schemeClr val="accent1"/>
+          </a:effectRef>
+          <a:fontRef idx="minor">
+            <a:schemeClr val="tx1"/>
+          </a:fontRef>
+        </p:style>
+      </p:cxnSp>
+      <p:sp>
+        <p:nvSpPr>
+          <p:cNvPr id="12" name="Rectangle 11">
+            <a:extLst>
+              <a:ext uri="{FF2B5EF4-FFF2-40B4-BE49-F238E27FC236}">
+                <a16:creationId xmlns:a16="http://schemas.microsoft.com/office/drawing/2014/main" id="{7F57BEA8-497D-4AA8-8A18-BDCD696B25FE}"/>
+              </a:ext>
+              <a:ext uri="{C183D7F6-B498-43B3-948B-1728B52AA6E4}">
+                <adec:decorative xmlns:adec="http://schemas.microsoft.com/office/drawing/2017/decorative" val="1"/>
+              </a:ext>
+            </a:extLst>
+          </p:cNvPr>
+          <p:cNvSpPr>
+            <a:spLocks noGrp="1" noRot="1" noChangeAspect="1" noMove="1" noResize="1" noEditPoints="1" noAdjustHandles="1" noChangeArrowheads="1" noChangeShapeType="1" noTextEdit="1"/>
+          </p:cNvSpPr>
+          <p:nvPr>
+            <p:extLst>
+              <p:ext uri="{386F3935-93C4-4BCD-93E2-E3B085C9AB24}">
+                <p16:designElem xmlns:p16="http://schemas.microsoft.com/office/powerpoint/2015/main" val="1"/>
+              </p:ext>
+            </p:extLst>
+          </p:nvPr>
+        </p:nvSpPr>
+        <p:spPr>
+          <a:xfrm>
+            <a:off x="0" y="368596"/>
+            <a:ext cx="12192000" cy="1735555"/>
+          </a:xfrm>
+          <a:prstGeom prst="rect">
+            <a:avLst/>
+          </a:prstGeom>
+          <a:solidFill>
+            <a:schemeClr val="tx1">
+              <a:lumMod val="75000"/>
+              <a:lumOff val="25000"/>
+            </a:schemeClr>
+          </a:solidFill>
+          <a:ln>
+            <a:noFill/>
+          </a:ln>
+        </p:spPr>
+        <p:style>
+          <a:lnRef idx="2">
+            <a:schemeClr val="accent1">
+              <a:shade val="50000"/>
+            </a:schemeClr>
+          </a:lnRef>
+          <a:fillRef idx="1">
+            <a:schemeClr val="accent1"/>
+          </a:fillRef>
+          <a:effectRef idx="0">
+            <a:schemeClr val="accent1"/>
+          </a:effectRef>
+          <a:fontRef idx="minor">
+            <a:schemeClr val="lt1"/>
+          </a:fontRef>
+        </p:style>
+        <p:txBody>
+          <a:bodyPr rtlCol="0" anchor="ctr"/>
+          <a:lstStyle/>
+          <a:p>
+            <a:pPr algn="ctr"/>
+            <a:endParaRPr lang="en-US"/>
+          </a:p>
+        </p:txBody>
+      </p:sp>
+      <p:sp>
+        <p:nvSpPr>
+          <p:cNvPr id="3" name="Title 2">
+            <a:extLst>
+              <a:ext uri="{FF2B5EF4-FFF2-40B4-BE49-F238E27FC236}">
+                <a16:creationId xmlns:a16="http://schemas.microsoft.com/office/drawing/2014/main" id="{23941482-9173-4467-A1AB-3C1465822500}"/>
+              </a:ext>
+            </a:extLst>
+          </p:cNvPr>
+          <p:cNvSpPr>
+            <a:spLocks noGrp="1"/>
+          </p:cNvSpPr>
+          <p:nvPr>
+            <p:ph type="title"/>
+          </p:nvPr>
+        </p:nvSpPr>
+        <p:spPr>
+          <a:xfrm>
+            <a:off x="526073" y="489439"/>
+            <a:ext cx="11139854" cy="930447"/>
+          </a:xfrm>
+        </p:spPr>
+        <p:txBody>
+          <a:bodyPr vert="horz" lIns="91440" tIns="45720" rIns="91440" bIns="45720" rtlCol="0" anchor="b">
+            <a:normAutofit/>
+          </a:bodyPr>
+          <a:lstStyle/>
+          <a:p>
+            <a:pPr algn="ctr"/>
+            <a:r>
+              <a:rPr lang="ro-RO" sz="5400" b="1" dirty="0">
+                <a:solidFill>
+                  <a:schemeClr val="bg1"/>
+                </a:solidFill>
+              </a:rPr>
+              <a:t>Schema bloc</a:t>
+            </a:r>
+            <a:endParaRPr lang="en-US" sz="5400" b="1" kern="1200" dirty="0">
+              <a:solidFill>
+                <a:schemeClr val="bg1"/>
+              </a:solidFill>
+              <a:latin typeface="+mj-lt"/>
+              <a:ea typeface="+mj-ea"/>
+              <a:cs typeface="+mj-cs"/>
+            </a:endParaRPr>
+          </a:p>
+        </p:txBody>
+      </p:sp>
+      <p:cxnSp>
+        <p:nvCxnSpPr>
+          <p:cNvPr id="14" name="Straight Connector 13">
+            <a:extLst>
+              <a:ext uri="{FF2B5EF4-FFF2-40B4-BE49-F238E27FC236}">
+                <a16:creationId xmlns:a16="http://schemas.microsoft.com/office/drawing/2014/main" id="{A82415D3-DDE5-4D63-8CB3-23A5EC581B27}"/>
+              </a:ext>
+              <a:ext uri="{C183D7F6-B498-43B3-948B-1728B52AA6E4}">
+                <adec:decorative xmlns:adec="http://schemas.microsoft.com/office/drawing/2017/decorative" val="1"/>
+              </a:ext>
+            </a:extLst>
+          </p:cNvPr>
+          <p:cNvCxnSpPr>
+            <a:cxnSpLocks noGrp="1" noRot="1" noChangeAspect="1" noMove="1" noResize="1" noEditPoints="1" noAdjustHandles="1" noChangeArrowheads="1" noChangeShapeType="1"/>
+          </p:cNvCxnSpPr>
+          <p:nvPr>
+            <p:extLst>
+              <p:ext uri="{386F3935-93C4-4BCD-93E2-E3B085C9AB24}">
+                <p16:designElem xmlns:p16="http://schemas.microsoft.com/office/powerpoint/2015/main" val="1"/>
+              </p:ext>
+            </p:extLst>
+          </p:nvPr>
+        </p:nvCxnSpPr>
+        <p:spPr>
+          <a:xfrm>
+            <a:off x="4724400" y="1479733"/>
+            <a:ext cx="2743200" cy="0"/>
+          </a:xfrm>
+          <a:prstGeom prst="line">
+            <a:avLst/>
+          </a:prstGeom>
+          <a:ln w="19050">
+            <a:solidFill>
+              <a:schemeClr val="bg1">
+                <a:alpha val="75000"/>
+              </a:schemeClr>
+            </a:solidFill>
+          </a:ln>
+        </p:spPr>
+        <p:style>
+          <a:lnRef idx="1">
+            <a:schemeClr val="accent1"/>
+          </a:lnRef>
+          <a:fillRef idx="0">
+            <a:schemeClr val="accent1"/>
+          </a:fillRef>
+          <a:effectRef idx="0">
+            <a:schemeClr val="accent1"/>
+          </a:effectRef>
+          <a:fontRef idx="minor">
+            <a:schemeClr val="tx1"/>
+          </a:fontRef>
+        </p:style>
+      </p:cxnSp>
+      <p:cxnSp>
+        <p:nvCxnSpPr>
+          <p:cNvPr id="16" name="Straight Connector 15">
+            <a:extLst>
+              <a:ext uri="{FF2B5EF4-FFF2-40B4-BE49-F238E27FC236}">
+                <a16:creationId xmlns:a16="http://schemas.microsoft.com/office/drawing/2014/main" id="{AD7193FB-6AE6-4B3B-8F89-56B55DD63B4D}"/>
+              </a:ext>
+              <a:ext uri="{C183D7F6-B498-43B3-948B-1728B52AA6E4}">
+                <adec:decorative xmlns:adec="http://schemas.microsoft.com/office/drawing/2017/decorative" val="1"/>
+              </a:ext>
+            </a:extLst>
+          </p:cNvPr>
+          <p:cNvCxnSpPr>
+            <a:cxnSpLocks noGrp="1" noRot="1" noChangeAspect="1" noMove="1" noResize="1" noEditPoints="1" noAdjustHandles="1" noChangeArrowheads="1" noChangeShapeType="1"/>
+          </p:cNvCxnSpPr>
+          <p:nvPr>
+            <p:extLst>
+              <p:ext uri="{386F3935-93C4-4BCD-93E2-E3B085C9AB24}">
+                <p16:designElem xmlns:p16="http://schemas.microsoft.com/office/powerpoint/2015/main" val="1"/>
+              </p:ext>
+            </p:extLst>
+          </p:nvPr>
+        </p:nvCxnSpPr>
+        <p:spPr bwMode="white">
+          <a:xfrm>
+            <a:off x="0" y="2201402"/>
+            <a:ext cx="12188824" cy="0"/>
+          </a:xfrm>
+          <a:prstGeom prst="line">
+            <a:avLst/>
+          </a:prstGeom>
+          <a:ln w="50800">
+            <a:solidFill>
+              <a:schemeClr val="tx1">
+                <a:lumMod val="75000"/>
+                <a:lumOff val="25000"/>
+              </a:schemeClr>
+            </a:solidFill>
+          </a:ln>
+        </p:spPr>
+        <p:style>
+          <a:lnRef idx="1">
+            <a:schemeClr val="accent1"/>
+          </a:lnRef>
+          <a:fillRef idx="0">
+            <a:schemeClr val="accent1"/>
+          </a:fillRef>
+          <a:effectRef idx="0">
+            <a:schemeClr val="accent1"/>
+          </a:effectRef>
+          <a:fontRef idx="minor">
+            <a:schemeClr val="tx1"/>
+          </a:fontRef>
+        </p:style>
+      </p:cxnSp>
+      <p:pic>
+        <p:nvPicPr>
+          <p:cNvPr id="5" name="Content Placeholder 4" descr="A picture containing text, indoor, screenshot&#10;&#10;Description automatically generated">
+            <a:extLst>
+              <a:ext uri="{FF2B5EF4-FFF2-40B4-BE49-F238E27FC236}">
+                <a16:creationId xmlns:a16="http://schemas.microsoft.com/office/drawing/2014/main" id="{9AC0500F-DDC3-4885-8F93-1A60A6DBD9BE}"/>
+              </a:ext>
+            </a:extLst>
+          </p:cNvPr>
+          <p:cNvPicPr>
+            <a:picLocks noGrp="1" noChangeAspect="1"/>
+          </p:cNvPicPr>
+          <p:nvPr>
+            <p:ph idx="1"/>
+          </p:nvPr>
+        </p:nvPicPr>
+        <p:blipFill>
+          <a:blip r:embed="rId2"/>
+          <a:stretch>
+            <a:fillRect/>
+          </a:stretch>
+        </p:blipFill>
+        <p:spPr>
+          <a:xfrm>
+            <a:off x="1050134" y="3429000"/>
+            <a:ext cx="10088556" cy="2496918"/>
+          </a:xfrm>
+          <a:prstGeom prst="rect">
+            <a:avLst/>
+          </a:prstGeom>
+        </p:spPr>
+      </p:pic>
+    </p:spTree>
+    <p:extLst>
+      <p:ext uri="{BB962C8B-B14F-4D97-AF65-F5344CB8AC3E}">
+        <p14:creationId xmlns:p14="http://schemas.microsoft.com/office/powerpoint/2010/main" val="780418661"/>
+      </p:ext>
+    </p:extLst>
+  </p:cSld>
+  <p:clrMapOvr>
+    <a:masterClrMapping/>
+  </p:clrMapOvr>
+</p:sld>
+</file>
+
+<file path=ppt/slides/slide14.xml><?xml version="1.0" encoding="utf-8"?>
+<p:sld xmlns:a="http://schemas.openxmlformats.org/drawingml/2006/main" xmlns:r="http://schemas.openxmlformats.org/officeDocument/2006/relationships" xmlns:p="http://schemas.openxmlformats.org/presentationml/2006/main">
+  <p:cSld>
+    <p:bg>
+      <p:bgPr>
+        <a:solidFill>
+          <a:schemeClr val="bg1"/>
+        </a:solidFill>
+        <a:effectLst/>
+      </p:bgPr>
+    </p:bg>
+    <p:spTree>
+      <p:nvGrpSpPr>
+        <p:cNvPr id="1" name=""/>
+        <p:cNvGrpSpPr/>
+        <p:nvPr/>
+      </p:nvGrpSpPr>
+      <p:grpSpPr>
+        <a:xfrm>
+          <a:off x="0" y="0"/>
+          <a:ext cx="0" cy="0"/>
+          <a:chOff x="0" y="0"/>
+          <a:chExt cx="0" cy="0"/>
+        </a:xfrm>
+      </p:grpSpPr>
+      <p:cxnSp>
+        <p:nvCxnSpPr>
+          <p:cNvPr id="10" name="Straight Connector 9">
+            <a:extLst>
+              <a:ext uri="{FF2B5EF4-FFF2-40B4-BE49-F238E27FC236}">
+                <a16:creationId xmlns:a16="http://schemas.microsoft.com/office/drawing/2014/main" id="{D2E961F1-4A28-4A5F-BBD4-6E400E5E6C75}"/>
+              </a:ext>
+              <a:ext uri="{C183D7F6-B498-43B3-948B-1728B52AA6E4}">
+                <adec:decorative xmlns:adec="http://schemas.microsoft.com/office/drawing/2017/decorative" val="1"/>
+              </a:ext>
+            </a:extLst>
+          </p:cNvPr>
+          <p:cNvCxnSpPr>
+            <a:cxnSpLocks noGrp="1" noRot="1" noChangeAspect="1" noMove="1" noResize="1" noEditPoints="1" noAdjustHandles="1" noChangeArrowheads="1" noChangeShapeType="1"/>
+          </p:cNvCxnSpPr>
+          <p:nvPr>
+            <p:extLst>
+              <p:ext uri="{386F3935-93C4-4BCD-93E2-E3B085C9AB24}">
+                <p16:designElem xmlns:p16="http://schemas.microsoft.com/office/powerpoint/2015/main" val="1"/>
+              </p:ext>
+            </p:extLst>
+          </p:nvPr>
+        </p:nvCxnSpPr>
+        <p:spPr bwMode="white">
+          <a:xfrm>
+            <a:off x="0" y="272357"/>
+            <a:ext cx="12188824" cy="0"/>
+          </a:xfrm>
+          <a:prstGeom prst="line">
+            <a:avLst/>
+          </a:prstGeom>
+          <a:ln w="50800">
+            <a:solidFill>
+              <a:schemeClr val="tx1">
+                <a:lumMod val="75000"/>
+                <a:lumOff val="25000"/>
+              </a:schemeClr>
+            </a:solidFill>
+          </a:ln>
+        </p:spPr>
+        <p:style>
+          <a:lnRef idx="1">
+            <a:schemeClr val="accent1"/>
+          </a:lnRef>
+          <a:fillRef idx="0">
+            <a:schemeClr val="accent1"/>
+          </a:fillRef>
+          <a:effectRef idx="0">
+            <a:schemeClr val="accent1"/>
+          </a:effectRef>
+          <a:fontRef idx="minor">
+            <a:schemeClr val="tx1"/>
+          </a:fontRef>
+        </p:style>
+      </p:cxnSp>
+      <p:sp>
+        <p:nvSpPr>
+          <p:cNvPr id="12" name="Rectangle 11">
+            <a:extLst>
+              <a:ext uri="{FF2B5EF4-FFF2-40B4-BE49-F238E27FC236}">
+                <a16:creationId xmlns:a16="http://schemas.microsoft.com/office/drawing/2014/main" id="{7F57BEA8-497D-4AA8-8A18-BDCD696B25FE}"/>
+              </a:ext>
+              <a:ext uri="{C183D7F6-B498-43B3-948B-1728B52AA6E4}">
+                <adec:decorative xmlns:adec="http://schemas.microsoft.com/office/drawing/2017/decorative" val="1"/>
+              </a:ext>
+            </a:extLst>
+          </p:cNvPr>
+          <p:cNvSpPr>
+            <a:spLocks noGrp="1" noRot="1" noChangeAspect="1" noMove="1" noResize="1" noEditPoints="1" noAdjustHandles="1" noChangeArrowheads="1" noChangeShapeType="1" noTextEdit="1"/>
+          </p:cNvSpPr>
+          <p:nvPr>
+            <p:extLst>
+              <p:ext uri="{386F3935-93C4-4BCD-93E2-E3B085C9AB24}">
+                <p16:designElem xmlns:p16="http://schemas.microsoft.com/office/powerpoint/2015/main" val="1"/>
+              </p:ext>
+            </p:extLst>
+          </p:nvPr>
+        </p:nvSpPr>
+        <p:spPr>
+          <a:xfrm>
+            <a:off x="0" y="368596"/>
+            <a:ext cx="12192000" cy="1735555"/>
+          </a:xfrm>
+          <a:prstGeom prst="rect">
+            <a:avLst/>
+          </a:prstGeom>
+          <a:solidFill>
+            <a:schemeClr val="tx1">
+              <a:lumMod val="75000"/>
+              <a:lumOff val="25000"/>
+            </a:schemeClr>
+          </a:solidFill>
+          <a:ln>
+            <a:noFill/>
+          </a:ln>
+        </p:spPr>
+        <p:style>
+          <a:lnRef idx="2">
+            <a:schemeClr val="accent1">
+              <a:shade val="50000"/>
+            </a:schemeClr>
+          </a:lnRef>
+          <a:fillRef idx="1">
+            <a:schemeClr val="accent1"/>
+          </a:fillRef>
+          <a:effectRef idx="0">
+            <a:schemeClr val="accent1"/>
+          </a:effectRef>
+          <a:fontRef idx="minor">
+            <a:schemeClr val="lt1"/>
+          </a:fontRef>
+        </p:style>
+        <p:txBody>
+          <a:bodyPr rtlCol="0" anchor="ctr"/>
+          <a:lstStyle/>
+          <a:p>
+            <a:pPr marL="0" marR="0" lvl="0" indent="0" algn="ctr" defTabSz="914400" rtl="0" eaLnBrk="1" fontAlgn="auto" latinLnBrk="0" hangingPunct="1">
+              <a:lnSpc>
+                <a:spcPct val="100000"/>
+              </a:lnSpc>
+              <a:spcBef>
+                <a:spcPts val="0"/>
+              </a:spcBef>
+              <a:spcAft>
+                <a:spcPts val="0"/>
+              </a:spcAft>
+              <a:buClrTx/>
+              <a:buSzTx/>
+              <a:buFontTx/>
+              <a:buNone/>
+              <a:tabLst/>
+              <a:defRPr/>
+            </a:pPr>
+            <a:endParaRPr kumimoji="0" lang="en-US" sz="1800" b="0" i="0" u="none" strike="noStrike" kern="1200" cap="none" spc="0" normalizeH="0" baseline="0" noProof="0">
+              <a:ln>
+                <a:noFill/>
+              </a:ln>
+              <a:solidFill>
+                <a:prstClr val="white"/>
+              </a:solidFill>
+              <a:effectLst/>
+              <a:uLnTx/>
+              <a:uFillTx/>
+              <a:latin typeface="Calibri" panose="020F0502020204030204"/>
+              <a:ea typeface="+mn-ea"/>
+              <a:cs typeface="+mn-cs"/>
+            </a:endParaRPr>
+          </a:p>
+        </p:txBody>
+      </p:sp>
+      <p:sp>
+        <p:nvSpPr>
+          <p:cNvPr id="3" name="Title 2">
+            <a:extLst>
+              <a:ext uri="{FF2B5EF4-FFF2-40B4-BE49-F238E27FC236}">
+                <a16:creationId xmlns:a16="http://schemas.microsoft.com/office/drawing/2014/main" id="{23941482-9173-4467-A1AB-3C1465822500}"/>
+              </a:ext>
+            </a:extLst>
+          </p:cNvPr>
+          <p:cNvSpPr>
+            <a:spLocks noGrp="1"/>
+          </p:cNvSpPr>
+          <p:nvPr>
+            <p:ph type="title"/>
+          </p:nvPr>
+        </p:nvSpPr>
+        <p:spPr>
+          <a:xfrm>
+            <a:off x="526073" y="489439"/>
+            <a:ext cx="11139854" cy="930447"/>
+          </a:xfrm>
+        </p:spPr>
+        <p:txBody>
+          <a:bodyPr vert="horz" lIns="91440" tIns="45720" rIns="91440" bIns="45720" rtlCol="0" anchor="b">
+            <a:normAutofit/>
+          </a:bodyPr>
+          <a:lstStyle/>
+          <a:p>
+            <a:pPr algn="ctr"/>
+            <a:r>
+              <a:rPr lang="ro-RO" sz="5400" b="1" dirty="0">
+                <a:solidFill>
+                  <a:schemeClr val="bg1"/>
+                </a:solidFill>
+              </a:rPr>
+              <a:t>Schema bloc</a:t>
+            </a:r>
+            <a:endParaRPr lang="en-US" sz="5400" b="1" kern="1200" dirty="0">
+              <a:solidFill>
+                <a:schemeClr val="bg1"/>
+              </a:solidFill>
+              <a:latin typeface="+mj-lt"/>
+              <a:ea typeface="+mj-ea"/>
+              <a:cs typeface="+mj-cs"/>
+            </a:endParaRPr>
+          </a:p>
+        </p:txBody>
+      </p:sp>
+      <p:cxnSp>
+        <p:nvCxnSpPr>
+          <p:cNvPr id="14" name="Straight Connector 13">
+            <a:extLst>
+              <a:ext uri="{FF2B5EF4-FFF2-40B4-BE49-F238E27FC236}">
+                <a16:creationId xmlns:a16="http://schemas.microsoft.com/office/drawing/2014/main" id="{A82415D3-DDE5-4D63-8CB3-23A5EC581B27}"/>
+              </a:ext>
+              <a:ext uri="{C183D7F6-B498-43B3-948B-1728B52AA6E4}">
+                <adec:decorative xmlns:adec="http://schemas.microsoft.com/office/drawing/2017/decorative" val="1"/>
+              </a:ext>
+            </a:extLst>
+          </p:cNvPr>
+          <p:cNvCxnSpPr>
+            <a:cxnSpLocks noGrp="1" noRot="1" noChangeAspect="1" noMove="1" noResize="1" noEditPoints="1" noAdjustHandles="1" noChangeArrowheads="1" noChangeShapeType="1"/>
+          </p:cNvCxnSpPr>
+          <p:nvPr>
+            <p:extLst>
+              <p:ext uri="{386F3935-93C4-4BCD-93E2-E3B085C9AB24}">
+                <p16:designElem xmlns:p16="http://schemas.microsoft.com/office/powerpoint/2015/main" val="1"/>
+              </p:ext>
+            </p:extLst>
+          </p:nvPr>
+        </p:nvCxnSpPr>
+        <p:spPr>
+          <a:xfrm>
+            <a:off x="4724400" y="1479733"/>
+            <a:ext cx="2743200" cy="0"/>
+          </a:xfrm>
+          <a:prstGeom prst="line">
+            <a:avLst/>
+          </a:prstGeom>
+          <a:ln w="19050">
+            <a:solidFill>
+              <a:schemeClr val="bg1">
+                <a:alpha val="75000"/>
+              </a:schemeClr>
+            </a:solidFill>
+          </a:ln>
+        </p:spPr>
+        <p:style>
+          <a:lnRef idx="1">
+            <a:schemeClr val="accent1"/>
+          </a:lnRef>
+          <a:fillRef idx="0">
+            <a:schemeClr val="accent1"/>
+          </a:fillRef>
+          <a:effectRef idx="0">
+            <a:schemeClr val="accent1"/>
+          </a:effectRef>
+          <a:fontRef idx="minor">
+            <a:schemeClr val="tx1"/>
+          </a:fontRef>
+        </p:style>
+      </p:cxnSp>
+      <p:cxnSp>
+        <p:nvCxnSpPr>
+          <p:cNvPr id="16" name="Straight Connector 15">
+            <a:extLst>
+              <a:ext uri="{FF2B5EF4-FFF2-40B4-BE49-F238E27FC236}">
+                <a16:creationId xmlns:a16="http://schemas.microsoft.com/office/drawing/2014/main" id="{AD7193FB-6AE6-4B3B-8F89-56B55DD63B4D}"/>
+              </a:ext>
+              <a:ext uri="{C183D7F6-B498-43B3-948B-1728B52AA6E4}">
+                <adec:decorative xmlns:adec="http://schemas.microsoft.com/office/drawing/2017/decorative" val="1"/>
+              </a:ext>
+            </a:extLst>
+          </p:cNvPr>
+          <p:cNvCxnSpPr>
+            <a:cxnSpLocks noGrp="1" noRot="1" noChangeAspect="1" noMove="1" noResize="1" noEditPoints="1" noAdjustHandles="1" noChangeArrowheads="1" noChangeShapeType="1"/>
+          </p:cNvCxnSpPr>
+          <p:nvPr>
+            <p:extLst>
+              <p:ext uri="{386F3935-93C4-4BCD-93E2-E3B085C9AB24}">
+                <p16:designElem xmlns:p16="http://schemas.microsoft.com/office/powerpoint/2015/main" val="1"/>
+              </p:ext>
+            </p:extLst>
+          </p:nvPr>
+        </p:nvCxnSpPr>
+        <p:spPr bwMode="white">
+          <a:xfrm>
+            <a:off x="0" y="2201402"/>
+            <a:ext cx="12188824" cy="0"/>
+          </a:xfrm>
+          <a:prstGeom prst="line">
+            <a:avLst/>
+          </a:prstGeom>
+          <a:ln w="50800">
+            <a:solidFill>
+              <a:schemeClr val="tx1">
+                <a:lumMod val="75000"/>
+                <a:lumOff val="25000"/>
+              </a:schemeClr>
+            </a:solidFill>
+          </a:ln>
+        </p:spPr>
+        <p:style>
+          <a:lnRef idx="1">
+            <a:schemeClr val="accent1"/>
+          </a:lnRef>
+          <a:fillRef idx="0">
+            <a:schemeClr val="accent1"/>
+          </a:fillRef>
+          <a:effectRef idx="0">
+            <a:schemeClr val="accent1"/>
+          </a:effectRef>
+          <a:fontRef idx="minor">
+            <a:schemeClr val="tx1"/>
+          </a:fontRef>
+        </p:style>
+      </p:cxnSp>
+      <p:pic>
+        <p:nvPicPr>
+          <p:cNvPr id="5" name="Content Placeholder 4" descr="A picture containing text, indoor, screenshot&#10;&#10;Description automatically generated">
+            <a:extLst>
+              <a:ext uri="{FF2B5EF4-FFF2-40B4-BE49-F238E27FC236}">
+                <a16:creationId xmlns:a16="http://schemas.microsoft.com/office/drawing/2014/main" id="{9AC0500F-DDC3-4885-8F93-1A60A6DBD9BE}"/>
+              </a:ext>
+            </a:extLst>
+          </p:cNvPr>
+          <p:cNvPicPr>
+            <a:picLocks noGrp="1" noChangeAspect="1"/>
+          </p:cNvPicPr>
+          <p:nvPr>
+            <p:ph idx="1"/>
+          </p:nvPr>
+        </p:nvPicPr>
+        <p:blipFill>
+          <a:blip r:embed="rId2"/>
+          <a:stretch>
+            <a:fillRect/>
+          </a:stretch>
+        </p:blipFill>
+        <p:spPr>
+          <a:xfrm>
+            <a:off x="1050134" y="3429000"/>
+            <a:ext cx="10088556" cy="2496918"/>
+          </a:xfrm>
+          <a:prstGeom prst="rect">
+            <a:avLst/>
+          </a:prstGeom>
+        </p:spPr>
+      </p:pic>
+    </p:spTree>
+    <p:extLst>
+      <p:ext uri="{BB962C8B-B14F-4D97-AF65-F5344CB8AC3E}">
+        <p14:creationId xmlns:p14="http://schemas.microsoft.com/office/powerpoint/2010/main" val="768507123"/>
+      </p:ext>
+    </p:extLst>
+  </p:cSld>
+  <p:clrMapOvr>
+    <a:masterClrMapping/>
+  </p:clrMapOvr>
+</p:sld>
+</file>
+
 <file path=ppt/slides/slide2.xml><?xml version="1.0" encoding="utf-8"?>
 <p:sld xmlns:a="http://schemas.openxmlformats.org/drawingml/2006/main" xmlns:r="http://schemas.openxmlformats.org/officeDocument/2006/relationships" xmlns:p="http://schemas.openxmlformats.org/presentationml/2006/main">
   <p:cSld>

--- a/Presentation.pptx
+++ b/Presentation.pptx
@@ -19,6 +19,10 @@
     <p:sldId id="267" r:id="rId13"/>
     <p:sldId id="268" r:id="rId14"/>
     <p:sldId id="269" r:id="rId15"/>
+    <p:sldId id="270" r:id="rId16"/>
+    <p:sldId id="271" r:id="rId17"/>
+    <p:sldId id="272" r:id="rId18"/>
+    <p:sldId id="273" r:id="rId19"/>
   </p:sldIdLst>
   <p:sldSz cx="12192000" cy="6858000"/>
   <p:notesSz cx="6858000" cy="9144000"/>
@@ -1691,6 +1695,788 @@
 </dgm:colorsDef>
 </file>
 
+<file path=ppt/diagrams/colors3.xml><?xml version="1.0" encoding="utf-8"?>
+<dgm:colorsDef xmlns:dgm="http://schemas.openxmlformats.org/drawingml/2006/diagram" xmlns:a="http://schemas.openxmlformats.org/drawingml/2006/main" uniqueId="urn:microsoft.com/office/officeart/2005/8/colors/colorful2">
+  <dgm:title val=""/>
+  <dgm:desc val=""/>
+  <dgm:catLst>
+    <dgm:cat type="colorful" pri="10200"/>
+  </dgm:catLst>
+  <dgm:styleLbl name="node0">
+    <dgm:fillClrLst meth="repeat">
+      <a:schemeClr val="accent1"/>
+    </dgm:fillClrLst>
+    <dgm:linClrLst meth="repeat">
+      <a:schemeClr val="lt1"/>
+    </dgm:linClrLst>
+    <dgm:effectClrLst/>
+    <dgm:txLinClrLst/>
+    <dgm:txFillClrLst/>
+    <dgm:txEffectClrLst/>
+  </dgm:styleLbl>
+  <dgm:styleLbl name="node1">
+    <dgm:fillClrLst>
+      <a:schemeClr val="accent2"/>
+      <a:schemeClr val="accent3"/>
+    </dgm:fillClrLst>
+    <dgm:linClrLst meth="repeat">
+      <a:schemeClr val="lt1"/>
+    </dgm:linClrLst>
+    <dgm:effectClrLst/>
+    <dgm:txLinClrLst/>
+    <dgm:txFillClrLst/>
+    <dgm:txEffectClrLst/>
+  </dgm:styleLbl>
+  <dgm:styleLbl name="alignNode1">
+    <dgm:fillClrLst>
+      <a:schemeClr val="accent2"/>
+      <a:schemeClr val="accent3"/>
+    </dgm:fillClrLst>
+    <dgm:linClrLst>
+      <a:schemeClr val="accent2"/>
+      <a:schemeClr val="accent3"/>
+    </dgm:linClrLst>
+    <dgm:effectClrLst/>
+    <dgm:txLinClrLst/>
+    <dgm:txFillClrLst/>
+    <dgm:txEffectClrLst/>
+  </dgm:styleLbl>
+  <dgm:styleLbl name="lnNode1">
+    <dgm:fillClrLst>
+      <a:schemeClr val="accent2"/>
+      <a:schemeClr val="accent3"/>
+    </dgm:fillClrLst>
+    <dgm:linClrLst meth="repeat">
+      <a:schemeClr val="lt1"/>
+    </dgm:linClrLst>
+    <dgm:effectClrLst/>
+    <dgm:txLinClrLst/>
+    <dgm:txFillClrLst/>
+    <dgm:txEffectClrLst/>
+  </dgm:styleLbl>
+  <dgm:styleLbl name="vennNode1">
+    <dgm:fillClrLst>
+      <a:schemeClr val="accent2">
+        <a:alpha val="50000"/>
+      </a:schemeClr>
+      <a:schemeClr val="accent3">
+        <a:alpha val="50000"/>
+      </a:schemeClr>
+    </dgm:fillClrLst>
+    <dgm:linClrLst meth="repeat">
+      <a:schemeClr val="lt1"/>
+    </dgm:linClrLst>
+    <dgm:effectClrLst/>
+    <dgm:txLinClrLst/>
+    <dgm:txFillClrLst/>
+    <dgm:txEffectClrLst/>
+  </dgm:styleLbl>
+  <dgm:styleLbl name="node2">
+    <dgm:fillClrLst>
+      <a:schemeClr val="accent3"/>
+    </dgm:fillClrLst>
+    <dgm:linClrLst meth="repeat">
+      <a:schemeClr val="lt1"/>
+    </dgm:linClrLst>
+    <dgm:effectClrLst/>
+    <dgm:txLinClrLst/>
+    <dgm:txFillClrLst/>
+    <dgm:txEffectClrLst/>
+  </dgm:styleLbl>
+  <dgm:styleLbl name="node3">
+    <dgm:fillClrLst>
+      <a:schemeClr val="accent4"/>
+    </dgm:fillClrLst>
+    <dgm:linClrLst meth="repeat">
+      <a:schemeClr val="lt1"/>
+    </dgm:linClrLst>
+    <dgm:effectClrLst/>
+    <dgm:txLinClrLst/>
+    <dgm:txFillClrLst/>
+    <dgm:txEffectClrLst/>
+  </dgm:styleLbl>
+  <dgm:styleLbl name="node4">
+    <dgm:fillClrLst>
+      <a:schemeClr val="accent5"/>
+    </dgm:fillClrLst>
+    <dgm:linClrLst meth="repeat">
+      <a:schemeClr val="lt1"/>
+    </dgm:linClrLst>
+    <dgm:effectClrLst/>
+    <dgm:txLinClrLst/>
+    <dgm:txFillClrLst/>
+    <dgm:txEffectClrLst/>
+  </dgm:styleLbl>
+  <dgm:styleLbl name="fgImgPlace1">
+    <dgm:fillClrLst>
+      <a:schemeClr val="accent2">
+        <a:tint val="50000"/>
+      </a:schemeClr>
+      <a:schemeClr val="accent3">
+        <a:tint val="50000"/>
+      </a:schemeClr>
+    </dgm:fillClrLst>
+    <dgm:linClrLst meth="repeat">
+      <a:schemeClr val="lt1"/>
+    </dgm:linClrLst>
+    <dgm:effectClrLst/>
+    <dgm:txLinClrLst/>
+    <dgm:txFillClrLst meth="repeat">
+      <a:schemeClr val="lt1"/>
+    </dgm:txFillClrLst>
+    <dgm:txEffectClrLst/>
+  </dgm:styleLbl>
+  <dgm:styleLbl name="alignImgPlace1">
+    <dgm:fillClrLst>
+      <a:schemeClr val="accent2">
+        <a:tint val="50000"/>
+      </a:schemeClr>
+      <a:schemeClr val="accent3">
+        <a:tint val="20000"/>
+      </a:schemeClr>
+    </dgm:fillClrLst>
+    <dgm:linClrLst meth="repeat">
+      <a:schemeClr val="lt1"/>
+    </dgm:linClrLst>
+    <dgm:effectClrLst/>
+    <dgm:txLinClrLst/>
+    <dgm:txFillClrLst meth="repeat">
+      <a:schemeClr val="lt1"/>
+    </dgm:txFillClrLst>
+    <dgm:txEffectClrLst/>
+  </dgm:styleLbl>
+  <dgm:styleLbl name="bgImgPlace1">
+    <dgm:fillClrLst>
+      <a:schemeClr val="accent2">
+        <a:tint val="50000"/>
+      </a:schemeClr>
+      <a:schemeClr val="accent3">
+        <a:tint val="20000"/>
+      </a:schemeClr>
+    </dgm:fillClrLst>
+    <dgm:linClrLst meth="repeat">
+      <a:schemeClr val="lt1"/>
+    </dgm:linClrLst>
+    <dgm:effectClrLst/>
+    <dgm:txLinClrLst/>
+    <dgm:txFillClrLst meth="repeat">
+      <a:schemeClr val="lt1"/>
+    </dgm:txFillClrLst>
+    <dgm:txEffectClrLst/>
+  </dgm:styleLbl>
+  <dgm:styleLbl name="sibTrans2D1">
+    <dgm:fillClrLst>
+      <a:schemeClr val="accent2"/>
+      <a:schemeClr val="accent3"/>
+    </dgm:fillClrLst>
+    <dgm:linClrLst meth="repeat">
+      <a:schemeClr val="lt1"/>
+    </dgm:linClrLst>
+    <dgm:effectClrLst/>
+    <dgm:txLinClrLst/>
+    <dgm:txFillClrLst/>
+    <dgm:txEffectClrLst/>
+  </dgm:styleLbl>
+  <dgm:styleLbl name="fgSibTrans2D1">
+    <dgm:fillClrLst>
+      <a:schemeClr val="accent2"/>
+      <a:schemeClr val="accent3"/>
+    </dgm:fillClrLst>
+    <dgm:linClrLst meth="repeat">
+      <a:schemeClr val="lt1"/>
+    </dgm:linClrLst>
+    <dgm:effectClrLst/>
+    <dgm:txLinClrLst/>
+    <dgm:txFillClrLst meth="repeat">
+      <a:schemeClr val="lt1"/>
+    </dgm:txFillClrLst>
+    <dgm:txEffectClrLst/>
+  </dgm:styleLbl>
+  <dgm:styleLbl name="bgSibTrans2D1">
+    <dgm:fillClrLst>
+      <a:schemeClr val="accent2"/>
+      <a:schemeClr val="accent3"/>
+    </dgm:fillClrLst>
+    <dgm:linClrLst meth="repeat">
+      <a:schemeClr val="lt1"/>
+    </dgm:linClrLst>
+    <dgm:effectClrLst/>
+    <dgm:txLinClrLst/>
+    <dgm:txFillClrLst meth="repeat">
+      <a:schemeClr val="lt1"/>
+    </dgm:txFillClrLst>
+    <dgm:txEffectClrLst/>
+  </dgm:styleLbl>
+  <dgm:styleLbl name="sibTrans1D1">
+    <dgm:fillClrLst/>
+    <dgm:linClrLst>
+      <a:schemeClr val="accent2"/>
+      <a:schemeClr val="accent3"/>
+    </dgm:linClrLst>
+    <dgm:effectClrLst/>
+    <dgm:txLinClrLst/>
+    <dgm:txFillClrLst meth="repeat">
+      <a:schemeClr val="tx1"/>
+    </dgm:txFillClrLst>
+    <dgm:txEffectClrLst/>
+  </dgm:styleLbl>
+  <dgm:styleLbl name="callout">
+    <dgm:fillClrLst meth="repeat">
+      <a:schemeClr val="accent2"/>
+    </dgm:fillClrLst>
+    <dgm:linClrLst meth="repeat">
+      <a:schemeClr val="accent2">
+        <a:tint val="50000"/>
+      </a:schemeClr>
+    </dgm:linClrLst>
+    <dgm:effectClrLst/>
+    <dgm:txLinClrLst/>
+    <dgm:txFillClrLst meth="repeat">
+      <a:schemeClr val="tx1"/>
+    </dgm:txFillClrLst>
+    <dgm:txEffectClrLst/>
+  </dgm:styleLbl>
+  <dgm:styleLbl name="asst0">
+    <dgm:fillClrLst meth="repeat">
+      <a:schemeClr val="accent2"/>
+    </dgm:fillClrLst>
+    <dgm:linClrLst meth="repeat">
+      <a:schemeClr val="lt1">
+        <a:shade val="80000"/>
+      </a:schemeClr>
+    </dgm:linClrLst>
+    <dgm:effectClrLst/>
+    <dgm:txLinClrLst/>
+    <dgm:txFillClrLst/>
+    <dgm:txEffectClrLst/>
+  </dgm:styleLbl>
+  <dgm:styleLbl name="asst1">
+    <dgm:fillClrLst meth="repeat">
+      <a:schemeClr val="accent3"/>
+    </dgm:fillClrLst>
+    <dgm:linClrLst meth="repeat">
+      <a:schemeClr val="lt1">
+        <a:shade val="80000"/>
+      </a:schemeClr>
+    </dgm:linClrLst>
+    <dgm:effectClrLst/>
+    <dgm:txLinClrLst/>
+    <dgm:txFillClrLst/>
+    <dgm:txEffectClrLst/>
+  </dgm:styleLbl>
+  <dgm:styleLbl name="asst2">
+    <dgm:fillClrLst>
+      <a:schemeClr val="accent4"/>
+    </dgm:fillClrLst>
+    <dgm:linClrLst meth="repeat">
+      <a:schemeClr val="lt1"/>
+    </dgm:linClrLst>
+    <dgm:effectClrLst/>
+    <dgm:txLinClrLst/>
+    <dgm:txFillClrLst/>
+    <dgm:txEffectClrLst/>
+  </dgm:styleLbl>
+  <dgm:styleLbl name="asst3">
+    <dgm:fillClrLst>
+      <a:schemeClr val="accent5"/>
+    </dgm:fillClrLst>
+    <dgm:linClrLst meth="repeat">
+      <a:schemeClr val="lt1"/>
+    </dgm:linClrLst>
+    <dgm:effectClrLst/>
+    <dgm:txLinClrLst/>
+    <dgm:txFillClrLst/>
+    <dgm:txEffectClrLst/>
+  </dgm:styleLbl>
+  <dgm:styleLbl name="asst4">
+    <dgm:fillClrLst>
+      <a:schemeClr val="accent6"/>
+    </dgm:fillClrLst>
+    <dgm:linClrLst meth="repeat">
+      <a:schemeClr val="lt1"/>
+    </dgm:linClrLst>
+    <dgm:effectClrLst/>
+    <dgm:txLinClrLst/>
+    <dgm:txFillClrLst/>
+    <dgm:txEffectClrLst/>
+  </dgm:styleLbl>
+  <dgm:styleLbl name="parChTrans2D1">
+    <dgm:fillClrLst meth="repeat">
+      <a:schemeClr val="accent2"/>
+    </dgm:fillClrLst>
+    <dgm:linClrLst meth="repeat">
+      <a:schemeClr val="lt1"/>
+    </dgm:linClrLst>
+    <dgm:effectClrLst/>
+    <dgm:txLinClrLst/>
+    <dgm:txFillClrLst meth="repeat">
+      <a:schemeClr val="lt1"/>
+    </dgm:txFillClrLst>
+    <dgm:txEffectClrLst/>
+  </dgm:styleLbl>
+  <dgm:styleLbl name="parChTrans2D2">
+    <dgm:fillClrLst meth="repeat">
+      <a:schemeClr val="accent3"/>
+    </dgm:fillClrLst>
+    <dgm:linClrLst meth="repeat">
+      <a:schemeClr val="lt1"/>
+    </dgm:linClrLst>
+    <dgm:effectClrLst/>
+    <dgm:txLinClrLst/>
+    <dgm:txFillClrLst/>
+    <dgm:txEffectClrLst/>
+  </dgm:styleLbl>
+  <dgm:styleLbl name="parChTrans2D3">
+    <dgm:fillClrLst meth="repeat">
+      <a:schemeClr val="accent4"/>
+    </dgm:fillClrLst>
+    <dgm:linClrLst meth="repeat">
+      <a:schemeClr val="lt1"/>
+    </dgm:linClrLst>
+    <dgm:effectClrLst/>
+    <dgm:txLinClrLst/>
+    <dgm:txFillClrLst/>
+    <dgm:txEffectClrLst/>
+  </dgm:styleLbl>
+  <dgm:styleLbl name="parChTrans2D4">
+    <dgm:fillClrLst meth="repeat">
+      <a:schemeClr val="accent5"/>
+    </dgm:fillClrLst>
+    <dgm:linClrLst meth="repeat">
+      <a:schemeClr val="lt1"/>
+    </dgm:linClrLst>
+    <dgm:effectClrLst/>
+    <dgm:txLinClrLst/>
+    <dgm:txFillClrLst meth="repeat">
+      <a:schemeClr val="lt1"/>
+    </dgm:txFillClrLst>
+    <dgm:txEffectClrLst/>
+  </dgm:styleLbl>
+  <dgm:styleLbl name="parChTrans1D1">
+    <dgm:fillClrLst meth="repeat">
+      <a:schemeClr val="accent2"/>
+    </dgm:fillClrLst>
+    <dgm:linClrLst meth="repeat">
+      <a:schemeClr val="accent2"/>
+    </dgm:linClrLst>
+    <dgm:effectClrLst/>
+    <dgm:txLinClrLst/>
+    <dgm:txFillClrLst meth="repeat">
+      <a:schemeClr val="tx1"/>
+    </dgm:txFillClrLst>
+    <dgm:txEffectClrLst/>
+  </dgm:styleLbl>
+  <dgm:styleLbl name="parChTrans1D2">
+    <dgm:fillClrLst meth="repeat">
+      <a:schemeClr val="accent2">
+        <a:tint val="90000"/>
+      </a:schemeClr>
+    </dgm:fillClrLst>
+    <dgm:linClrLst meth="repeat">
+      <a:schemeClr val="accent3"/>
+    </dgm:linClrLst>
+    <dgm:effectClrLst/>
+    <dgm:txLinClrLst/>
+    <dgm:txFillClrLst meth="repeat">
+      <a:schemeClr val="tx1"/>
+    </dgm:txFillClrLst>
+    <dgm:txEffectClrLst/>
+  </dgm:styleLbl>
+  <dgm:styleLbl name="parChTrans1D3">
+    <dgm:fillClrLst meth="repeat">
+      <a:schemeClr val="accent2">
+        <a:tint val="70000"/>
+      </a:schemeClr>
+    </dgm:fillClrLst>
+    <dgm:linClrLst meth="repeat">
+      <a:schemeClr val="accent4"/>
+    </dgm:linClrLst>
+    <dgm:effectClrLst/>
+    <dgm:txLinClrLst/>
+    <dgm:txFillClrLst meth="repeat">
+      <a:schemeClr val="tx1"/>
+    </dgm:txFillClrLst>
+    <dgm:txEffectClrLst/>
+  </dgm:styleLbl>
+  <dgm:styleLbl name="parChTrans1D4">
+    <dgm:fillClrLst meth="repeat">
+      <a:schemeClr val="accent2">
+        <a:tint val="50000"/>
+      </a:schemeClr>
+    </dgm:fillClrLst>
+    <dgm:linClrLst meth="repeat">
+      <a:schemeClr val="accent5"/>
+    </dgm:linClrLst>
+    <dgm:effectClrLst/>
+    <dgm:txLinClrLst/>
+    <dgm:txFillClrLst meth="repeat">
+      <a:schemeClr val="tx1"/>
+    </dgm:txFillClrLst>
+    <dgm:txEffectClrLst/>
+  </dgm:styleLbl>
+  <dgm:styleLbl name="fgAcc1">
+    <dgm:fillClrLst meth="repeat">
+      <a:schemeClr val="lt1">
+        <a:alpha val="90000"/>
+      </a:schemeClr>
+    </dgm:fillClrLst>
+    <dgm:linClrLst>
+      <a:schemeClr val="accent2"/>
+      <a:schemeClr val="accent3"/>
+    </dgm:linClrLst>
+    <dgm:effectClrLst/>
+    <dgm:txLinClrLst/>
+    <dgm:txFillClrLst meth="repeat">
+      <a:schemeClr val="dk1"/>
+    </dgm:txFillClrLst>
+    <dgm:txEffectClrLst/>
+  </dgm:styleLbl>
+  <dgm:styleLbl name="conFgAcc1">
+    <dgm:fillClrLst meth="repeat">
+      <a:schemeClr val="lt1">
+        <a:alpha val="90000"/>
+      </a:schemeClr>
+    </dgm:fillClrLst>
+    <dgm:linClrLst>
+      <a:schemeClr val="accent2"/>
+      <a:schemeClr val="accent3"/>
+    </dgm:linClrLst>
+    <dgm:effectClrLst/>
+    <dgm:txLinClrLst/>
+    <dgm:txFillClrLst meth="repeat">
+      <a:schemeClr val="dk1"/>
+    </dgm:txFillClrLst>
+    <dgm:txEffectClrLst/>
+  </dgm:styleLbl>
+  <dgm:styleLbl name="alignAcc1">
+    <dgm:fillClrLst meth="repeat">
+      <a:schemeClr val="lt1">
+        <a:alpha val="90000"/>
+      </a:schemeClr>
+    </dgm:fillClrLst>
+    <dgm:linClrLst>
+      <a:schemeClr val="accent2"/>
+      <a:schemeClr val="accent3"/>
+    </dgm:linClrLst>
+    <dgm:effectClrLst/>
+    <dgm:txLinClrLst/>
+    <dgm:txFillClrLst meth="repeat">
+      <a:schemeClr val="dk1"/>
+    </dgm:txFillClrLst>
+    <dgm:txEffectClrLst/>
+  </dgm:styleLbl>
+  <dgm:styleLbl name="trAlignAcc1">
+    <dgm:fillClrLst meth="repeat">
+      <a:schemeClr val="lt1">
+        <a:alpha val="40000"/>
+      </a:schemeClr>
+    </dgm:fillClrLst>
+    <dgm:linClrLst meth="repeat">
+      <a:schemeClr val="accent2"/>
+    </dgm:linClrLst>
+    <dgm:effectClrLst/>
+    <dgm:txLinClrLst/>
+    <dgm:txFillClrLst meth="repeat">
+      <a:schemeClr val="dk1"/>
+    </dgm:txFillClrLst>
+    <dgm:txEffectClrLst/>
+  </dgm:styleLbl>
+  <dgm:styleLbl name="bgAcc1">
+    <dgm:fillClrLst meth="repeat">
+      <a:schemeClr val="lt1">
+        <a:alpha val="90000"/>
+      </a:schemeClr>
+    </dgm:fillClrLst>
+    <dgm:linClrLst>
+      <a:schemeClr val="accent2"/>
+      <a:schemeClr val="accent3"/>
+    </dgm:linClrLst>
+    <dgm:effectClrLst/>
+    <dgm:txLinClrLst/>
+    <dgm:txFillClrLst meth="repeat">
+      <a:schemeClr val="dk1"/>
+    </dgm:txFillClrLst>
+    <dgm:txEffectClrLst/>
+  </dgm:styleLbl>
+  <dgm:styleLbl name="solidFgAcc1">
+    <dgm:fillClrLst meth="repeat">
+      <a:schemeClr val="lt1"/>
+    </dgm:fillClrLst>
+    <dgm:linClrLst>
+      <a:schemeClr val="accent2"/>
+      <a:schemeClr val="accent3"/>
+    </dgm:linClrLst>
+    <dgm:effectClrLst/>
+    <dgm:txLinClrLst/>
+    <dgm:txFillClrLst meth="repeat">
+      <a:schemeClr val="dk1"/>
+    </dgm:txFillClrLst>
+    <dgm:txEffectClrLst/>
+  </dgm:styleLbl>
+  <dgm:styleLbl name="solidAlignAcc1">
+    <dgm:fillClrLst meth="repeat">
+      <a:schemeClr val="lt1"/>
+    </dgm:fillClrLst>
+    <dgm:linClrLst>
+      <a:schemeClr val="accent2"/>
+      <a:schemeClr val="accent3"/>
+    </dgm:linClrLst>
+    <dgm:effectClrLst/>
+    <dgm:txLinClrLst/>
+    <dgm:txFillClrLst meth="repeat">
+      <a:schemeClr val="dk1"/>
+    </dgm:txFillClrLst>
+    <dgm:txEffectClrLst/>
+  </dgm:styleLbl>
+  <dgm:styleLbl name="solidBgAcc1">
+    <dgm:fillClrLst meth="repeat">
+      <a:schemeClr val="lt1"/>
+    </dgm:fillClrLst>
+    <dgm:linClrLst>
+      <a:schemeClr val="accent2"/>
+      <a:schemeClr val="accent3"/>
+    </dgm:linClrLst>
+    <dgm:effectClrLst/>
+    <dgm:txLinClrLst/>
+    <dgm:txFillClrLst meth="repeat">
+      <a:schemeClr val="dk1"/>
+    </dgm:txFillClrLst>
+    <dgm:txEffectClrLst/>
+  </dgm:styleLbl>
+  <dgm:styleLbl name="fgAccFollowNode1">
+    <dgm:fillClrLst>
+      <a:schemeClr val="accent2">
+        <a:tint val="40000"/>
+        <a:alpha val="90000"/>
+      </a:schemeClr>
+      <a:schemeClr val="accent3">
+        <a:tint val="40000"/>
+        <a:alpha val="90000"/>
+      </a:schemeClr>
+    </dgm:fillClrLst>
+    <dgm:linClrLst>
+      <a:schemeClr val="accent2">
+        <a:tint val="40000"/>
+        <a:alpha val="90000"/>
+      </a:schemeClr>
+      <a:schemeClr val="accent3">
+        <a:tint val="40000"/>
+        <a:alpha val="90000"/>
+      </a:schemeClr>
+    </dgm:linClrLst>
+    <dgm:effectClrLst/>
+    <dgm:txLinClrLst/>
+    <dgm:txFillClrLst meth="repeat">
+      <a:schemeClr val="dk1"/>
+    </dgm:txFillClrLst>
+    <dgm:txEffectClrLst/>
+  </dgm:styleLbl>
+  <dgm:styleLbl name="alignAccFollowNode1">
+    <dgm:fillClrLst>
+      <a:schemeClr val="accent2">
+        <a:tint val="40000"/>
+        <a:alpha val="90000"/>
+      </a:schemeClr>
+      <a:schemeClr val="accent3">
+        <a:tint val="40000"/>
+        <a:alpha val="90000"/>
+      </a:schemeClr>
+    </dgm:fillClrLst>
+    <dgm:linClrLst>
+      <a:schemeClr val="accent2">
+        <a:tint val="40000"/>
+        <a:alpha val="90000"/>
+      </a:schemeClr>
+      <a:schemeClr val="accent3">
+        <a:tint val="40000"/>
+        <a:alpha val="90000"/>
+      </a:schemeClr>
+    </dgm:linClrLst>
+    <dgm:effectClrLst/>
+    <dgm:txLinClrLst/>
+    <dgm:txFillClrLst meth="repeat">
+      <a:schemeClr val="dk1"/>
+    </dgm:txFillClrLst>
+    <dgm:txEffectClrLst/>
+  </dgm:styleLbl>
+  <dgm:styleLbl name="bgAccFollowNode1">
+    <dgm:fillClrLst>
+      <a:schemeClr val="accent2">
+        <a:tint val="40000"/>
+        <a:alpha val="90000"/>
+      </a:schemeClr>
+      <a:schemeClr val="accent3">
+        <a:tint val="40000"/>
+        <a:alpha val="90000"/>
+      </a:schemeClr>
+    </dgm:fillClrLst>
+    <dgm:linClrLst>
+      <a:schemeClr val="accent2">
+        <a:tint val="40000"/>
+        <a:alpha val="90000"/>
+      </a:schemeClr>
+      <a:schemeClr val="accent3">
+        <a:tint val="40000"/>
+        <a:alpha val="90000"/>
+      </a:schemeClr>
+    </dgm:linClrLst>
+    <dgm:effectClrLst/>
+    <dgm:txLinClrLst/>
+    <dgm:txFillClrLst meth="repeat">
+      <a:schemeClr val="dk1"/>
+    </dgm:txFillClrLst>
+    <dgm:txEffectClrLst/>
+  </dgm:styleLbl>
+  <dgm:styleLbl name="fgAcc0">
+    <dgm:fillClrLst meth="repeat">
+      <a:schemeClr val="lt1">
+        <a:alpha val="90000"/>
+      </a:schemeClr>
+    </dgm:fillClrLst>
+    <dgm:linClrLst>
+      <a:schemeClr val="accent1"/>
+    </dgm:linClrLst>
+    <dgm:effectClrLst/>
+    <dgm:txLinClrLst/>
+    <dgm:txFillClrLst meth="repeat">
+      <a:schemeClr val="dk1"/>
+    </dgm:txFillClrLst>
+    <dgm:txEffectClrLst/>
+  </dgm:styleLbl>
+  <dgm:styleLbl name="fgAcc2">
+    <dgm:fillClrLst meth="repeat">
+      <a:schemeClr val="lt1">
+        <a:alpha val="90000"/>
+      </a:schemeClr>
+    </dgm:fillClrLst>
+    <dgm:linClrLst>
+      <a:schemeClr val="accent3"/>
+    </dgm:linClrLst>
+    <dgm:effectClrLst/>
+    <dgm:txLinClrLst/>
+    <dgm:txFillClrLst meth="repeat">
+      <a:schemeClr val="dk1"/>
+    </dgm:txFillClrLst>
+    <dgm:txEffectClrLst/>
+  </dgm:styleLbl>
+  <dgm:styleLbl name="fgAcc3">
+    <dgm:fillClrLst meth="repeat">
+      <a:schemeClr val="lt1">
+        <a:alpha val="90000"/>
+      </a:schemeClr>
+    </dgm:fillClrLst>
+    <dgm:linClrLst>
+      <a:schemeClr val="accent4"/>
+    </dgm:linClrLst>
+    <dgm:effectClrLst/>
+    <dgm:txLinClrLst/>
+    <dgm:txFillClrLst meth="repeat">
+      <a:schemeClr val="dk1"/>
+    </dgm:txFillClrLst>
+    <dgm:txEffectClrLst/>
+  </dgm:styleLbl>
+  <dgm:styleLbl name="fgAcc4">
+    <dgm:fillClrLst meth="repeat">
+      <a:schemeClr val="lt1">
+        <a:alpha val="90000"/>
+      </a:schemeClr>
+    </dgm:fillClrLst>
+    <dgm:linClrLst>
+      <a:schemeClr val="accent5"/>
+    </dgm:linClrLst>
+    <dgm:effectClrLst/>
+    <dgm:txLinClrLst/>
+    <dgm:txFillClrLst meth="repeat">
+      <a:schemeClr val="dk1"/>
+    </dgm:txFillClrLst>
+    <dgm:txEffectClrLst/>
+  </dgm:styleLbl>
+  <dgm:styleLbl name="bgShp">
+    <dgm:fillClrLst meth="repeat">
+      <a:schemeClr val="accent2">
+        <a:tint val="40000"/>
+      </a:schemeClr>
+    </dgm:fillClrLst>
+    <dgm:linClrLst meth="repeat">
+      <a:schemeClr val="dk1"/>
+    </dgm:linClrLst>
+    <dgm:effectClrLst/>
+    <dgm:txLinClrLst/>
+    <dgm:txFillClrLst meth="repeat">
+      <a:schemeClr val="dk1"/>
+    </dgm:txFillClrLst>
+    <dgm:txEffectClrLst/>
+  </dgm:styleLbl>
+  <dgm:styleLbl name="dkBgShp">
+    <dgm:fillClrLst meth="repeat">
+      <a:schemeClr val="accent2">
+        <a:shade val="90000"/>
+      </a:schemeClr>
+    </dgm:fillClrLst>
+    <dgm:linClrLst meth="repeat">
+      <a:schemeClr val="dk1"/>
+    </dgm:linClrLst>
+    <dgm:effectClrLst/>
+    <dgm:txLinClrLst/>
+    <dgm:txFillClrLst meth="repeat">
+      <a:schemeClr val="lt1"/>
+    </dgm:txFillClrLst>
+    <dgm:txEffectClrLst/>
+  </dgm:styleLbl>
+  <dgm:styleLbl name="trBgShp">
+    <dgm:fillClrLst meth="repeat">
+      <a:schemeClr val="accent2">
+        <a:tint val="50000"/>
+        <a:alpha val="40000"/>
+      </a:schemeClr>
+    </dgm:fillClrLst>
+    <dgm:linClrLst meth="repeat">
+      <a:schemeClr val="accent2"/>
+    </dgm:linClrLst>
+    <dgm:effectClrLst/>
+    <dgm:txLinClrLst/>
+    <dgm:txFillClrLst meth="repeat">
+      <a:schemeClr val="lt1"/>
+    </dgm:txFillClrLst>
+    <dgm:txEffectClrLst/>
+  </dgm:styleLbl>
+  <dgm:styleLbl name="fgShp">
+    <dgm:fillClrLst meth="repeat">
+      <a:schemeClr val="accent2">
+        <a:tint val="40000"/>
+      </a:schemeClr>
+    </dgm:fillClrLst>
+    <dgm:linClrLst meth="repeat">
+      <a:schemeClr val="lt1"/>
+    </dgm:linClrLst>
+    <dgm:effectClrLst/>
+    <dgm:txLinClrLst/>
+    <dgm:txFillClrLst meth="repeat">
+      <a:schemeClr val="dk1"/>
+    </dgm:txFillClrLst>
+    <dgm:txEffectClrLst/>
+  </dgm:styleLbl>
+  <dgm:styleLbl name="revTx">
+    <dgm:fillClrLst meth="repeat">
+      <a:schemeClr val="lt1">
+        <a:alpha val="0"/>
+      </a:schemeClr>
+    </dgm:fillClrLst>
+    <dgm:linClrLst meth="repeat">
+      <a:schemeClr val="dk1">
+        <a:alpha val="0"/>
+      </a:schemeClr>
+    </dgm:linClrLst>
+    <dgm:effectClrLst/>
+    <dgm:txLinClrLst/>
+    <dgm:txFillClrLst meth="repeat">
+      <a:schemeClr val="tx1"/>
+    </dgm:txFillClrLst>
+    <dgm:txEffectClrLst/>
+  </dgm:styleLbl>
+</dgm:colorsDef>
+</file>
+
 <file path=ppt/diagrams/data1.xml><?xml version="1.0" encoding="utf-8"?>
 <dgm:dataModel xmlns:dgm="http://schemas.openxmlformats.org/drawingml/2006/diagram" xmlns:a="http://schemas.openxmlformats.org/drawingml/2006/main">
   <dgm:ptLst>
@@ -1716,7 +2502,7 @@
             <a:defRPr b="1"/>
           </a:pPr>
           <a:r>
-            <a:rPr lang="en-US"/>
+            <a:rPr lang="ro-RO" noProof="0" dirty="0"/>
             <a:t>Introducere și obiective</a:t>
           </a:r>
         </a:p>
@@ -1755,7 +2541,7 @@
             <a:defRPr b="1"/>
           </a:pPr>
           <a:r>
-            <a:rPr lang="en-US"/>
+            <a:rPr lang="ro-RO" noProof="0" dirty="0"/>
             <a:t>Parte teoretică</a:t>
           </a:r>
         </a:p>
@@ -1791,7 +2577,7 @@
         <a:lstStyle/>
         <a:p>
           <a:r>
-            <a:rPr lang="en-US"/>
+            <a:rPr lang="en-US" dirty="0"/>
             <a:t>Client</a:t>
           </a:r>
         </a:p>
@@ -1827,7 +2613,7 @@
         <a:lstStyle/>
         <a:p>
           <a:r>
-            <a:rPr lang="en-US"/>
+            <a:rPr lang="en-US" dirty="0"/>
             <a:t>Server</a:t>
           </a:r>
         </a:p>
@@ -1866,7 +2652,7 @@
             <a:defRPr b="1"/>
           </a:pPr>
           <a:r>
-            <a:rPr lang="en-US"/>
+            <a:rPr lang="ro-RO" noProof="0" dirty="0"/>
             <a:t>Proiectare și implementare</a:t>
           </a:r>
         </a:p>
@@ -1902,7 +2688,7 @@
         <a:lstStyle/>
         <a:p>
           <a:r>
-            <a:rPr lang="en-US"/>
+            <a:rPr lang="en-US" dirty="0"/>
             <a:t>Client</a:t>
           </a:r>
         </a:p>
@@ -1938,7 +2724,7 @@
         <a:lstStyle/>
         <a:p>
           <a:r>
-            <a:rPr lang="en-US"/>
+            <a:rPr lang="en-US" dirty="0"/>
             <a:t>Server</a:t>
           </a:r>
         </a:p>
@@ -1974,7 +2760,7 @@
         <a:lstStyle/>
         <a:p>
           <a:r>
-            <a:rPr lang="en-US"/>
+            <a:rPr lang="en-US" dirty="0"/>
             <a:t>API</a:t>
           </a:r>
         </a:p>
@@ -2256,10 +3042,10 @@
         <a:lstStyle/>
         <a:p>
           <a:r>
-            <a:rPr lang="ro-RO"/>
+            <a:rPr lang="ro-RO" dirty="0"/>
             <a:t>Ce este Tinder?</a:t>
           </a:r>
-          <a:endParaRPr lang="en-US"/>
+          <a:endParaRPr lang="en-US" dirty="0"/>
         </a:p>
       </dgm:t>
     </dgm:pt>
@@ -2293,10 +3079,10 @@
         <a:lstStyle/>
         <a:p>
           <a:r>
-            <a:rPr lang="ro-RO"/>
+            <a:rPr lang="ro-RO" dirty="0"/>
             <a:t>Ce este MyTinder?</a:t>
           </a:r>
-          <a:endParaRPr lang="en-US"/>
+          <a:endParaRPr lang="en-US" dirty="0"/>
         </a:p>
       </dgm:t>
     </dgm:pt>
@@ -2330,10 +3116,10 @@
         <a:lstStyle/>
         <a:p>
           <a:r>
-            <a:rPr lang="ro-RO"/>
+            <a:rPr lang="ro-RO" dirty="0"/>
             <a:t>Target-uri</a:t>
           </a:r>
-          <a:endParaRPr lang="en-US"/>
+          <a:endParaRPr lang="en-US" dirty="0"/>
         </a:p>
       </dgm:t>
     </dgm:pt>
@@ -2417,6 +3203,515 @@
     <dgm:cxn modelId="{C765C5D2-A048-4EFD-8C87-218291CF19A9}" type="presParOf" srcId="{E9C37544-388A-4E31-9862-A7CD585EA01A}" destId="{2195C74A-5F2A-4AED-A901-CACB82070BAD}" srcOrd="2" destOrd="0" presId="urn:microsoft.com/office/officeart/2005/8/layout/vList2"/>
     <dgm:cxn modelId="{05B88111-F31B-4DEC-B3A1-8F3F03A5F292}" type="presParOf" srcId="{E9C37544-388A-4E31-9862-A7CD585EA01A}" destId="{FA8010E7-75EA-4A6A-8A58-942E5BB45F81}" srcOrd="3" destOrd="0" presId="urn:microsoft.com/office/officeart/2005/8/layout/vList2"/>
     <dgm:cxn modelId="{F431B6C4-D74B-4CA0-8425-F4B2D648F8A8}" type="presParOf" srcId="{E9C37544-388A-4E31-9862-A7CD585EA01A}" destId="{0E0DC56C-73E9-4517-9CC8-559AC597962B}" srcOrd="4" destOrd="0" presId="urn:microsoft.com/office/officeart/2005/8/layout/vList2"/>
+  </dgm:cxnLst>
+  <dgm:bg/>
+  <dgm:whole/>
+  <dgm:extLst>
+    <a:ext uri="http://schemas.microsoft.com/office/drawing/2008/diagram">
+      <dsp:dataModelExt xmlns:dsp="http://schemas.microsoft.com/office/drawing/2008/diagram" relId="rId6" minVer="http://schemas.openxmlformats.org/drawingml/2006/diagram"/>
+    </a:ext>
+  </dgm:extLst>
+</dgm:dataModel>
+</file>
+
+<file path=ppt/diagrams/data3.xml><?xml version="1.0" encoding="utf-8"?>
+<dgm:dataModel xmlns:dgm="http://schemas.openxmlformats.org/drawingml/2006/diagram" xmlns:a="http://schemas.openxmlformats.org/drawingml/2006/main">
+  <dgm:ptLst>
+    <dgm:pt modelId="{57335797-794D-4C02-AFF5-4BA9AD129054}" type="doc">
+      <dgm:prSet loTypeId="urn:microsoft.com/office/officeart/2005/8/layout/vList2" loCatId="list" qsTypeId="urn:microsoft.com/office/officeart/2005/8/quickstyle/simple4" qsCatId="simple" csTypeId="urn:microsoft.com/office/officeart/2005/8/colors/colorful2" csCatId="colorful"/>
+      <dgm:spPr/>
+      <dgm:t>
+        <a:bodyPr/>
+        <a:lstStyle/>
+        <a:p>
+          <a:endParaRPr lang="en-US"/>
+        </a:p>
+      </dgm:t>
+    </dgm:pt>
+    <dgm:pt modelId="{2E37313A-42A2-441D-94BA-5F0569994DC2}">
+      <dgm:prSet/>
+      <dgm:spPr/>
+      <dgm:t>
+        <a:bodyPr/>
+        <a:lstStyle/>
+        <a:p>
+          <a:r>
+            <a:rPr lang="ro-RO"/>
+            <a:t>PackageHandler</a:t>
+          </a:r>
+          <a:endParaRPr lang="en-US" dirty="0"/>
+        </a:p>
+      </dgm:t>
+    </dgm:pt>
+    <dgm:pt modelId="{55CE43D6-DF53-45CE-9F20-78E448D6A815}" type="parTrans" cxnId="{0E0CEA06-6344-4E14-B31A-87905A158DD8}">
+      <dgm:prSet/>
+      <dgm:spPr/>
+      <dgm:t>
+        <a:bodyPr/>
+        <a:lstStyle/>
+        <a:p>
+          <a:endParaRPr lang="en-US"/>
+        </a:p>
+      </dgm:t>
+    </dgm:pt>
+    <dgm:pt modelId="{B6C1F110-E738-42D8-85AA-A21AE54139E3}" type="sibTrans" cxnId="{0E0CEA06-6344-4E14-B31A-87905A158DD8}">
+      <dgm:prSet/>
+      <dgm:spPr/>
+      <dgm:t>
+        <a:bodyPr/>
+        <a:lstStyle/>
+        <a:p>
+          <a:endParaRPr lang="en-US"/>
+        </a:p>
+      </dgm:t>
+    </dgm:pt>
+    <dgm:pt modelId="{3D1FB430-CF25-47EA-823D-0A96A36F5A53}">
+      <dgm:prSet/>
+      <dgm:spPr/>
+      <dgm:t>
+        <a:bodyPr/>
+        <a:lstStyle/>
+        <a:p>
+          <a:r>
+            <a:rPr lang="ro-RO"/>
+            <a:t>handlePackage()</a:t>
+          </a:r>
+          <a:endParaRPr lang="en-US" dirty="0"/>
+        </a:p>
+      </dgm:t>
+    </dgm:pt>
+    <dgm:pt modelId="{7720322B-2988-42BB-B1D8-3F81A464A737}" type="parTrans" cxnId="{60267D2A-65B9-40DD-B0E1-C30CC6A9E4C1}">
+      <dgm:prSet/>
+      <dgm:spPr/>
+      <dgm:t>
+        <a:bodyPr/>
+        <a:lstStyle/>
+        <a:p>
+          <a:endParaRPr lang="en-US"/>
+        </a:p>
+      </dgm:t>
+    </dgm:pt>
+    <dgm:pt modelId="{03852F70-749E-4CCF-9FF9-34068F7E7B5E}" type="sibTrans" cxnId="{60267D2A-65B9-40DD-B0E1-C30CC6A9E4C1}">
+      <dgm:prSet/>
+      <dgm:spPr/>
+      <dgm:t>
+        <a:bodyPr/>
+        <a:lstStyle/>
+        <a:p>
+          <a:endParaRPr lang="en-US"/>
+        </a:p>
+      </dgm:t>
+    </dgm:pt>
+    <dgm:pt modelId="{859F9B02-A77A-4366-9C05-06284D886685}">
+      <dgm:prSet/>
+      <dgm:spPr/>
+      <dgm:t>
+        <a:bodyPr/>
+        <a:lstStyle/>
+        <a:p>
+          <a:r>
+            <a:rPr lang="ro-RO"/>
+            <a:t>Comenzile... (LoginReq, RegReq, GetPeople, LikeSet, TablePopulate...)</a:t>
+          </a:r>
+          <a:endParaRPr lang="en-US" dirty="0"/>
+        </a:p>
+      </dgm:t>
+    </dgm:pt>
+    <dgm:pt modelId="{D23C1C36-A355-4918-BD5C-E221EB5D08D7}" type="parTrans" cxnId="{BBE42928-D853-4D4A-B7B9-2C93996EE693}">
+      <dgm:prSet/>
+      <dgm:spPr/>
+      <dgm:t>
+        <a:bodyPr/>
+        <a:lstStyle/>
+        <a:p>
+          <a:endParaRPr lang="en-US"/>
+        </a:p>
+      </dgm:t>
+    </dgm:pt>
+    <dgm:pt modelId="{42145908-BAC1-4AA5-BC37-9AF83CBF9C17}" type="sibTrans" cxnId="{BBE42928-D853-4D4A-B7B9-2C93996EE693}">
+      <dgm:prSet/>
+      <dgm:spPr/>
+      <dgm:t>
+        <a:bodyPr/>
+        <a:lstStyle/>
+        <a:p>
+          <a:endParaRPr lang="en-US"/>
+        </a:p>
+      </dgm:t>
+    </dgm:pt>
+    <dgm:pt modelId="{7E3E2E50-B95B-4C94-8068-A5738D1A599F}">
+      <dgm:prSet/>
+      <dgm:spPr/>
+      <dgm:t>
+        <a:bodyPr/>
+        <a:lstStyle/>
+        <a:p>
+          <a:r>
+            <a:rPr lang="ro-RO"/>
+            <a:t>DbHandler</a:t>
+          </a:r>
+          <a:endParaRPr lang="en-US" dirty="0"/>
+        </a:p>
+      </dgm:t>
+    </dgm:pt>
+    <dgm:pt modelId="{44AC8B17-ACDF-4551-85F5-7166F3F3F3D4}" type="parTrans" cxnId="{6E918BEA-7007-4A65-8D72-71A3B43C4E22}">
+      <dgm:prSet/>
+      <dgm:spPr/>
+      <dgm:t>
+        <a:bodyPr/>
+        <a:lstStyle/>
+        <a:p>
+          <a:endParaRPr lang="en-US"/>
+        </a:p>
+      </dgm:t>
+    </dgm:pt>
+    <dgm:pt modelId="{1ECF2E79-98E9-4D86-AD5E-172A967B97ED}" type="sibTrans" cxnId="{6E918BEA-7007-4A65-8D72-71A3B43C4E22}">
+      <dgm:prSet/>
+      <dgm:spPr/>
+      <dgm:t>
+        <a:bodyPr/>
+        <a:lstStyle/>
+        <a:p>
+          <a:endParaRPr lang="en-US"/>
+        </a:p>
+      </dgm:t>
+    </dgm:pt>
+    <dgm:pt modelId="{554DB6C3-9DB9-4C68-AD79-0851CBA746CE}">
+      <dgm:prSet/>
+      <dgm:spPr/>
+      <dgm:t>
+        <a:bodyPr/>
+        <a:lstStyle/>
+        <a:p>
+          <a:r>
+            <a:rPr lang="ro-RO"/>
+            <a:t>Conexiune (ConnectToDB, DisconnectFromDB, isConnectionOpened)</a:t>
+          </a:r>
+          <a:endParaRPr lang="en-US" dirty="0"/>
+        </a:p>
+      </dgm:t>
+    </dgm:pt>
+    <dgm:pt modelId="{79667613-6C52-45F6-B83F-FE8E634DFBF1}" type="parTrans" cxnId="{A7749F8E-D934-4D16-A3C2-0BB5066C6055}">
+      <dgm:prSet/>
+      <dgm:spPr/>
+      <dgm:t>
+        <a:bodyPr/>
+        <a:lstStyle/>
+        <a:p>
+          <a:endParaRPr lang="en-US"/>
+        </a:p>
+      </dgm:t>
+    </dgm:pt>
+    <dgm:pt modelId="{D73906F3-A8C2-4D79-9AFB-18F565D0C2A8}" type="sibTrans" cxnId="{A7749F8E-D934-4D16-A3C2-0BB5066C6055}">
+      <dgm:prSet/>
+      <dgm:spPr/>
+      <dgm:t>
+        <a:bodyPr/>
+        <a:lstStyle/>
+        <a:p>
+          <a:endParaRPr lang="en-US"/>
+        </a:p>
+      </dgm:t>
+    </dgm:pt>
+    <dgm:pt modelId="{A3292B64-0001-443C-87B6-8F8B4326B2B0}">
+      <dgm:prSet/>
+      <dgm:spPr/>
+      <dgm:t>
+        <a:bodyPr/>
+        <a:lstStyle/>
+        <a:p>
+          <a:r>
+            <a:rPr lang="ro-RO"/>
+            <a:t>Operații (getUser, insertUser, insertMultipleUsers, GetUsers, LikeUser...)</a:t>
+          </a:r>
+          <a:endParaRPr lang="en-US" dirty="0"/>
+        </a:p>
+      </dgm:t>
+    </dgm:pt>
+    <dgm:pt modelId="{6055EFC6-FAAE-4439-A787-D3E8AF34E099}" type="parTrans" cxnId="{2AD510F3-A617-46A8-99B8-5FEF3AD20629}">
+      <dgm:prSet/>
+      <dgm:spPr/>
+      <dgm:t>
+        <a:bodyPr/>
+        <a:lstStyle/>
+        <a:p>
+          <a:endParaRPr lang="en-US"/>
+        </a:p>
+      </dgm:t>
+    </dgm:pt>
+    <dgm:pt modelId="{A390A5BD-A8B5-4A7B-87C3-FCC7F3C808FF}" type="sibTrans" cxnId="{2AD510F3-A617-46A8-99B8-5FEF3AD20629}">
+      <dgm:prSet/>
+      <dgm:spPr/>
+      <dgm:t>
+        <a:bodyPr/>
+        <a:lstStyle/>
+        <a:p>
+          <a:endParaRPr lang="en-US"/>
+        </a:p>
+      </dgm:t>
+    </dgm:pt>
+    <dgm:pt modelId="{98FDE3B3-8EBA-4585-A851-F969D14B1B02}">
+      <dgm:prSet/>
+      <dgm:spPr/>
+      <dgm:t>
+        <a:bodyPr/>
+        <a:lstStyle/>
+        <a:p>
+          <a:r>
+            <a:rPr lang="ro-RO"/>
+            <a:t>AccountsGenerator</a:t>
+          </a:r>
+          <a:endParaRPr lang="en-US" dirty="0"/>
+        </a:p>
+      </dgm:t>
+    </dgm:pt>
+    <dgm:pt modelId="{5ED3DC2C-FD0B-416D-8316-5AA6814E240E}" type="parTrans" cxnId="{0B2130C4-0C5E-4E07-855D-94B6C9285B19}">
+      <dgm:prSet/>
+      <dgm:spPr/>
+      <dgm:t>
+        <a:bodyPr/>
+        <a:lstStyle/>
+        <a:p>
+          <a:endParaRPr lang="en-US"/>
+        </a:p>
+      </dgm:t>
+    </dgm:pt>
+    <dgm:pt modelId="{C8672185-8597-4910-8778-FC792F8FBBB9}" type="sibTrans" cxnId="{0B2130C4-0C5E-4E07-855D-94B6C9285B19}">
+      <dgm:prSet/>
+      <dgm:spPr/>
+      <dgm:t>
+        <a:bodyPr/>
+        <a:lstStyle/>
+        <a:p>
+          <a:endParaRPr lang="en-US"/>
+        </a:p>
+      </dgm:t>
+    </dgm:pt>
+    <dgm:pt modelId="{BBE955F4-CDFC-4863-B9E5-460F5191606F}">
+      <dgm:prSet/>
+      <dgm:spPr/>
+      <dgm:t>
+        <a:bodyPr/>
+        <a:lstStyle/>
+        <a:p>
+          <a:r>
+            <a:rPr lang="ro-RO"/>
+            <a:t>generate()</a:t>
+          </a:r>
+          <a:endParaRPr lang="en-US" dirty="0"/>
+        </a:p>
+      </dgm:t>
+    </dgm:pt>
+    <dgm:pt modelId="{9451CC2E-E476-4F6A-A398-9F2C83CFA4D7}" type="parTrans" cxnId="{962AF9E1-D0FD-4B30-83CB-F739C1168FD2}">
+      <dgm:prSet/>
+      <dgm:spPr/>
+      <dgm:t>
+        <a:bodyPr/>
+        <a:lstStyle/>
+        <a:p>
+          <a:endParaRPr lang="en-US"/>
+        </a:p>
+      </dgm:t>
+    </dgm:pt>
+    <dgm:pt modelId="{BE2DF9BC-3AA8-490F-9A53-C2F2367EB1FD}" type="sibTrans" cxnId="{962AF9E1-D0FD-4B30-83CB-F739C1168FD2}">
+      <dgm:prSet/>
+      <dgm:spPr/>
+      <dgm:t>
+        <a:bodyPr/>
+        <a:lstStyle/>
+        <a:p>
+          <a:endParaRPr lang="en-US"/>
+        </a:p>
+      </dgm:t>
+    </dgm:pt>
+    <dgm:pt modelId="{AA5AEC74-8FBA-433B-BF95-6C64B0380C73}">
+      <dgm:prSet/>
+      <dgm:spPr/>
+      <dgm:t>
+        <a:bodyPr/>
+        <a:lstStyle/>
+        <a:p>
+          <a:r>
+            <a:rPr lang="ro-RO"/>
+            <a:t>User (clasa model)</a:t>
+          </a:r>
+          <a:endParaRPr lang="en-US" dirty="0"/>
+        </a:p>
+      </dgm:t>
+    </dgm:pt>
+    <dgm:pt modelId="{E0BACAB6-8902-4B69-87B3-3B1FC44772FF}" type="parTrans" cxnId="{05DEB704-E77A-4108-A4D2-813406B4D3CE}">
+      <dgm:prSet/>
+      <dgm:spPr/>
+      <dgm:t>
+        <a:bodyPr/>
+        <a:lstStyle/>
+        <a:p>
+          <a:endParaRPr lang="en-US"/>
+        </a:p>
+      </dgm:t>
+    </dgm:pt>
+    <dgm:pt modelId="{B4FB01A5-4298-48C0-BB02-CAF481C2D845}" type="sibTrans" cxnId="{05DEB704-E77A-4108-A4D2-813406B4D3CE}">
+      <dgm:prSet/>
+      <dgm:spPr/>
+      <dgm:t>
+        <a:bodyPr/>
+        <a:lstStyle/>
+        <a:p>
+          <a:endParaRPr lang="en-US"/>
+        </a:p>
+      </dgm:t>
+    </dgm:pt>
+    <dgm:pt modelId="{9AA275FD-8EE2-4E71-9E4C-5C36FE4EA8C5}">
+      <dgm:prSet/>
+      <dgm:spPr/>
+      <dgm:t>
+        <a:bodyPr/>
+        <a:lstStyle/>
+        <a:p>
+          <a:r>
+            <a:rPr lang="ro-RO"/>
+            <a:t>Messages (conține toate comenzile)</a:t>
+          </a:r>
+          <a:endParaRPr lang="en-US" dirty="0"/>
+        </a:p>
+      </dgm:t>
+    </dgm:pt>
+    <dgm:pt modelId="{2C132EEE-D910-46DE-8112-5C96F21671D1}" type="parTrans" cxnId="{15409B8E-73FE-418E-A068-3810E12CFE1F}">
+      <dgm:prSet/>
+      <dgm:spPr/>
+      <dgm:t>
+        <a:bodyPr/>
+        <a:lstStyle/>
+        <a:p>
+          <a:endParaRPr lang="en-US"/>
+        </a:p>
+      </dgm:t>
+    </dgm:pt>
+    <dgm:pt modelId="{00C15CB4-3A44-4EDC-ABEF-0CACBF292D65}" type="sibTrans" cxnId="{15409B8E-73FE-418E-A068-3810E12CFE1F}">
+      <dgm:prSet/>
+      <dgm:spPr/>
+      <dgm:t>
+        <a:bodyPr/>
+        <a:lstStyle/>
+        <a:p>
+          <a:endParaRPr lang="en-US"/>
+        </a:p>
+      </dgm:t>
+    </dgm:pt>
+    <dgm:pt modelId="{7E8B5CE7-A242-427D-82F2-A52CD14C17E9}" type="pres">
+      <dgm:prSet presAssocID="{57335797-794D-4C02-AFF5-4BA9AD129054}" presName="linear" presStyleCnt="0">
+        <dgm:presLayoutVars>
+          <dgm:animLvl val="lvl"/>
+          <dgm:resizeHandles val="exact"/>
+        </dgm:presLayoutVars>
+      </dgm:prSet>
+      <dgm:spPr/>
+    </dgm:pt>
+    <dgm:pt modelId="{C9E757A6-05E2-4904-950A-BA6E0A09DD27}" type="pres">
+      <dgm:prSet presAssocID="{2E37313A-42A2-441D-94BA-5F0569994DC2}" presName="parentText" presStyleLbl="node1" presStyleIdx="0" presStyleCnt="5">
+        <dgm:presLayoutVars>
+          <dgm:chMax val="0"/>
+          <dgm:bulletEnabled val="1"/>
+        </dgm:presLayoutVars>
+      </dgm:prSet>
+      <dgm:spPr/>
+    </dgm:pt>
+    <dgm:pt modelId="{F7B69211-3A8F-4C7A-9A0B-EA62170D7ED7}" type="pres">
+      <dgm:prSet presAssocID="{2E37313A-42A2-441D-94BA-5F0569994DC2}" presName="childText" presStyleLbl="revTx" presStyleIdx="0" presStyleCnt="3">
+        <dgm:presLayoutVars>
+          <dgm:bulletEnabled val="1"/>
+        </dgm:presLayoutVars>
+      </dgm:prSet>
+      <dgm:spPr/>
+    </dgm:pt>
+    <dgm:pt modelId="{1FC71D11-1CA8-4CF9-B90A-3D918284CD49}" type="pres">
+      <dgm:prSet presAssocID="{7E3E2E50-B95B-4C94-8068-A5738D1A599F}" presName="parentText" presStyleLbl="node1" presStyleIdx="1" presStyleCnt="5">
+        <dgm:presLayoutVars>
+          <dgm:chMax val="0"/>
+          <dgm:bulletEnabled val="1"/>
+        </dgm:presLayoutVars>
+      </dgm:prSet>
+      <dgm:spPr/>
+    </dgm:pt>
+    <dgm:pt modelId="{E48E2F11-D7D1-47A6-BFAE-298611E0243E}" type="pres">
+      <dgm:prSet presAssocID="{7E3E2E50-B95B-4C94-8068-A5738D1A599F}" presName="childText" presStyleLbl="revTx" presStyleIdx="1" presStyleCnt="3">
+        <dgm:presLayoutVars>
+          <dgm:bulletEnabled val="1"/>
+        </dgm:presLayoutVars>
+      </dgm:prSet>
+      <dgm:spPr/>
+    </dgm:pt>
+    <dgm:pt modelId="{FBC81356-0388-4E70-8EBF-2B44ED59345C}" type="pres">
+      <dgm:prSet presAssocID="{98FDE3B3-8EBA-4585-A851-F969D14B1B02}" presName="parentText" presStyleLbl="node1" presStyleIdx="2" presStyleCnt="5">
+        <dgm:presLayoutVars>
+          <dgm:chMax val="0"/>
+          <dgm:bulletEnabled val="1"/>
+        </dgm:presLayoutVars>
+      </dgm:prSet>
+      <dgm:spPr/>
+    </dgm:pt>
+    <dgm:pt modelId="{0D1D9EE6-E2B6-4DF2-8697-BEF3FCDB17A2}" type="pres">
+      <dgm:prSet presAssocID="{98FDE3B3-8EBA-4585-A851-F969D14B1B02}" presName="childText" presStyleLbl="revTx" presStyleIdx="2" presStyleCnt="3">
+        <dgm:presLayoutVars>
+          <dgm:bulletEnabled val="1"/>
+        </dgm:presLayoutVars>
+      </dgm:prSet>
+      <dgm:spPr/>
+    </dgm:pt>
+    <dgm:pt modelId="{160E5A14-4368-4C1F-97F7-03B8E03732BE}" type="pres">
+      <dgm:prSet presAssocID="{AA5AEC74-8FBA-433B-BF95-6C64B0380C73}" presName="parentText" presStyleLbl="node1" presStyleIdx="3" presStyleCnt="5">
+        <dgm:presLayoutVars>
+          <dgm:chMax val="0"/>
+          <dgm:bulletEnabled val="1"/>
+        </dgm:presLayoutVars>
+      </dgm:prSet>
+      <dgm:spPr/>
+    </dgm:pt>
+    <dgm:pt modelId="{20B1B311-72E8-4ECC-8315-C52112913FCC}" type="pres">
+      <dgm:prSet presAssocID="{B4FB01A5-4298-48C0-BB02-CAF481C2D845}" presName="spacer" presStyleCnt="0"/>
+      <dgm:spPr/>
+    </dgm:pt>
+    <dgm:pt modelId="{E3D225C1-9D8A-4C34-A50B-4684F1C086FD}" type="pres">
+      <dgm:prSet presAssocID="{9AA275FD-8EE2-4E71-9E4C-5C36FE4EA8C5}" presName="parentText" presStyleLbl="node1" presStyleIdx="4" presStyleCnt="5">
+        <dgm:presLayoutVars>
+          <dgm:chMax val="0"/>
+          <dgm:bulletEnabled val="1"/>
+        </dgm:presLayoutVars>
+      </dgm:prSet>
+      <dgm:spPr/>
+    </dgm:pt>
+  </dgm:ptLst>
+  <dgm:cxnLst>
+    <dgm:cxn modelId="{05DEB704-E77A-4108-A4D2-813406B4D3CE}" srcId="{57335797-794D-4C02-AFF5-4BA9AD129054}" destId="{AA5AEC74-8FBA-433B-BF95-6C64B0380C73}" srcOrd="3" destOrd="0" parTransId="{E0BACAB6-8902-4B69-87B3-3B1FC44772FF}" sibTransId="{B4FB01A5-4298-48C0-BB02-CAF481C2D845}"/>
+    <dgm:cxn modelId="{0E0CEA06-6344-4E14-B31A-87905A158DD8}" srcId="{57335797-794D-4C02-AFF5-4BA9AD129054}" destId="{2E37313A-42A2-441D-94BA-5F0569994DC2}" srcOrd="0" destOrd="0" parTransId="{55CE43D6-DF53-45CE-9F20-78E448D6A815}" sibTransId="{B6C1F110-E738-42D8-85AA-A21AE54139E3}"/>
+    <dgm:cxn modelId="{BBE42928-D853-4D4A-B7B9-2C93996EE693}" srcId="{2E37313A-42A2-441D-94BA-5F0569994DC2}" destId="{859F9B02-A77A-4366-9C05-06284D886685}" srcOrd="1" destOrd="0" parTransId="{D23C1C36-A355-4918-BD5C-E221EB5D08D7}" sibTransId="{42145908-BAC1-4AA5-BC37-9AF83CBF9C17}"/>
+    <dgm:cxn modelId="{F290232A-3C79-4019-A35A-1A98365F893D}" type="presOf" srcId="{A3292B64-0001-443C-87B6-8F8B4326B2B0}" destId="{E48E2F11-D7D1-47A6-BFAE-298611E0243E}" srcOrd="0" destOrd="1" presId="urn:microsoft.com/office/officeart/2005/8/layout/vList2"/>
+    <dgm:cxn modelId="{60267D2A-65B9-40DD-B0E1-C30CC6A9E4C1}" srcId="{2E37313A-42A2-441D-94BA-5F0569994DC2}" destId="{3D1FB430-CF25-47EA-823D-0A96A36F5A53}" srcOrd="0" destOrd="0" parTransId="{7720322B-2988-42BB-B1D8-3F81A464A737}" sibTransId="{03852F70-749E-4CCF-9FF9-34068F7E7B5E}"/>
+    <dgm:cxn modelId="{731C3737-34F5-4550-B1E3-360416C1F0D1}" type="presOf" srcId="{98FDE3B3-8EBA-4585-A851-F969D14B1B02}" destId="{FBC81356-0388-4E70-8EBF-2B44ED59345C}" srcOrd="0" destOrd="0" presId="urn:microsoft.com/office/officeart/2005/8/layout/vList2"/>
+    <dgm:cxn modelId="{CAB6F638-2B9A-4C14-8814-1BD4309F4C79}" type="presOf" srcId="{2E37313A-42A2-441D-94BA-5F0569994DC2}" destId="{C9E757A6-05E2-4904-950A-BA6E0A09DD27}" srcOrd="0" destOrd="0" presId="urn:microsoft.com/office/officeart/2005/8/layout/vList2"/>
+    <dgm:cxn modelId="{AEDC0E41-EE67-4956-B39C-A80A7971885E}" type="presOf" srcId="{9AA275FD-8EE2-4E71-9E4C-5C36FE4EA8C5}" destId="{E3D225C1-9D8A-4C34-A50B-4684F1C086FD}" srcOrd="0" destOrd="0" presId="urn:microsoft.com/office/officeart/2005/8/layout/vList2"/>
+    <dgm:cxn modelId="{23090556-4E94-44D8-8CF9-43C0B3BE3F99}" type="presOf" srcId="{BBE955F4-CDFC-4863-B9E5-460F5191606F}" destId="{0D1D9EE6-E2B6-4DF2-8697-BEF3FCDB17A2}" srcOrd="0" destOrd="0" presId="urn:microsoft.com/office/officeart/2005/8/layout/vList2"/>
+    <dgm:cxn modelId="{15409B8E-73FE-418E-A068-3810E12CFE1F}" srcId="{57335797-794D-4C02-AFF5-4BA9AD129054}" destId="{9AA275FD-8EE2-4E71-9E4C-5C36FE4EA8C5}" srcOrd="4" destOrd="0" parTransId="{2C132EEE-D910-46DE-8112-5C96F21671D1}" sibTransId="{00C15CB4-3A44-4EDC-ABEF-0CACBF292D65}"/>
+    <dgm:cxn modelId="{A7749F8E-D934-4D16-A3C2-0BB5066C6055}" srcId="{7E3E2E50-B95B-4C94-8068-A5738D1A599F}" destId="{554DB6C3-9DB9-4C68-AD79-0851CBA746CE}" srcOrd="0" destOrd="0" parTransId="{79667613-6C52-45F6-B83F-FE8E634DFBF1}" sibTransId="{D73906F3-A8C2-4D79-9AFB-18F565D0C2A8}"/>
+    <dgm:cxn modelId="{33CBB3A0-3271-4DCC-9BE9-F53D06B41C38}" type="presOf" srcId="{3D1FB430-CF25-47EA-823D-0A96A36F5A53}" destId="{F7B69211-3A8F-4C7A-9A0B-EA62170D7ED7}" srcOrd="0" destOrd="0" presId="urn:microsoft.com/office/officeart/2005/8/layout/vList2"/>
+    <dgm:cxn modelId="{1C5F64B6-7749-423E-895D-FE043CC9558E}" type="presOf" srcId="{7E3E2E50-B95B-4C94-8068-A5738D1A599F}" destId="{1FC71D11-1CA8-4CF9-B90A-3D918284CD49}" srcOrd="0" destOrd="0" presId="urn:microsoft.com/office/officeart/2005/8/layout/vList2"/>
+    <dgm:cxn modelId="{B66C37BE-C35D-4E7D-BCA7-06D3575CFA77}" type="presOf" srcId="{859F9B02-A77A-4366-9C05-06284D886685}" destId="{F7B69211-3A8F-4C7A-9A0B-EA62170D7ED7}" srcOrd="0" destOrd="1" presId="urn:microsoft.com/office/officeart/2005/8/layout/vList2"/>
+    <dgm:cxn modelId="{0B2130C4-0C5E-4E07-855D-94B6C9285B19}" srcId="{57335797-794D-4C02-AFF5-4BA9AD129054}" destId="{98FDE3B3-8EBA-4585-A851-F969D14B1B02}" srcOrd="2" destOrd="0" parTransId="{5ED3DC2C-FD0B-416D-8316-5AA6814E240E}" sibTransId="{C8672185-8597-4910-8778-FC792F8FBBB9}"/>
+    <dgm:cxn modelId="{90A639CB-087E-48A9-9598-C6C4D8ED123E}" type="presOf" srcId="{AA5AEC74-8FBA-433B-BF95-6C64B0380C73}" destId="{160E5A14-4368-4C1F-97F7-03B8E03732BE}" srcOrd="0" destOrd="0" presId="urn:microsoft.com/office/officeart/2005/8/layout/vList2"/>
+    <dgm:cxn modelId="{3777DACB-2508-49AA-94D0-73BA9BC1170B}" type="presOf" srcId="{554DB6C3-9DB9-4C68-AD79-0851CBA746CE}" destId="{E48E2F11-D7D1-47A6-BFAE-298611E0243E}" srcOrd="0" destOrd="0" presId="urn:microsoft.com/office/officeart/2005/8/layout/vList2"/>
+    <dgm:cxn modelId="{962AF9E1-D0FD-4B30-83CB-F739C1168FD2}" srcId="{98FDE3B3-8EBA-4585-A851-F969D14B1B02}" destId="{BBE955F4-CDFC-4863-B9E5-460F5191606F}" srcOrd="0" destOrd="0" parTransId="{9451CC2E-E476-4F6A-A398-9F2C83CFA4D7}" sibTransId="{BE2DF9BC-3AA8-490F-9A53-C2F2367EB1FD}"/>
+    <dgm:cxn modelId="{6E918BEA-7007-4A65-8D72-71A3B43C4E22}" srcId="{57335797-794D-4C02-AFF5-4BA9AD129054}" destId="{7E3E2E50-B95B-4C94-8068-A5738D1A599F}" srcOrd="1" destOrd="0" parTransId="{44AC8B17-ACDF-4551-85F5-7166F3F3F3D4}" sibTransId="{1ECF2E79-98E9-4D86-AD5E-172A967B97ED}"/>
+    <dgm:cxn modelId="{2AD510F3-A617-46A8-99B8-5FEF3AD20629}" srcId="{7E3E2E50-B95B-4C94-8068-A5738D1A599F}" destId="{A3292B64-0001-443C-87B6-8F8B4326B2B0}" srcOrd="1" destOrd="0" parTransId="{6055EFC6-FAAE-4439-A787-D3E8AF34E099}" sibTransId="{A390A5BD-A8B5-4A7B-87C3-FCC7F3C808FF}"/>
+    <dgm:cxn modelId="{A933F2FD-F808-49BB-B46F-85E80D1CD167}" type="presOf" srcId="{57335797-794D-4C02-AFF5-4BA9AD129054}" destId="{7E8B5CE7-A242-427D-82F2-A52CD14C17E9}" srcOrd="0" destOrd="0" presId="urn:microsoft.com/office/officeart/2005/8/layout/vList2"/>
+    <dgm:cxn modelId="{8F172C59-D20B-4878-AF24-7B508581B12B}" type="presParOf" srcId="{7E8B5CE7-A242-427D-82F2-A52CD14C17E9}" destId="{C9E757A6-05E2-4904-950A-BA6E0A09DD27}" srcOrd="0" destOrd="0" presId="urn:microsoft.com/office/officeart/2005/8/layout/vList2"/>
+    <dgm:cxn modelId="{23409978-B240-4B9E-A0CE-2951FB0D4EB5}" type="presParOf" srcId="{7E8B5CE7-A242-427D-82F2-A52CD14C17E9}" destId="{F7B69211-3A8F-4C7A-9A0B-EA62170D7ED7}" srcOrd="1" destOrd="0" presId="urn:microsoft.com/office/officeart/2005/8/layout/vList2"/>
+    <dgm:cxn modelId="{87667493-EE36-4363-8267-0EAC98CD092C}" type="presParOf" srcId="{7E8B5CE7-A242-427D-82F2-A52CD14C17E9}" destId="{1FC71D11-1CA8-4CF9-B90A-3D918284CD49}" srcOrd="2" destOrd="0" presId="urn:microsoft.com/office/officeart/2005/8/layout/vList2"/>
+    <dgm:cxn modelId="{F6488C52-3D49-471E-891A-6EDFD54F3DDD}" type="presParOf" srcId="{7E8B5CE7-A242-427D-82F2-A52CD14C17E9}" destId="{E48E2F11-D7D1-47A6-BFAE-298611E0243E}" srcOrd="3" destOrd="0" presId="urn:microsoft.com/office/officeart/2005/8/layout/vList2"/>
+    <dgm:cxn modelId="{AB105A28-605F-4F82-A4E2-563C5551DE39}" type="presParOf" srcId="{7E8B5CE7-A242-427D-82F2-A52CD14C17E9}" destId="{FBC81356-0388-4E70-8EBF-2B44ED59345C}" srcOrd="4" destOrd="0" presId="urn:microsoft.com/office/officeart/2005/8/layout/vList2"/>
+    <dgm:cxn modelId="{331B1D7A-E41D-41E1-B08F-6AB49695CA04}" type="presParOf" srcId="{7E8B5CE7-A242-427D-82F2-A52CD14C17E9}" destId="{0D1D9EE6-E2B6-4DF2-8697-BEF3FCDB17A2}" srcOrd="5" destOrd="0" presId="urn:microsoft.com/office/officeart/2005/8/layout/vList2"/>
+    <dgm:cxn modelId="{AAA720DF-2CCA-4207-A935-B5970A9B93BE}" type="presParOf" srcId="{7E8B5CE7-A242-427D-82F2-A52CD14C17E9}" destId="{160E5A14-4368-4C1F-97F7-03B8E03732BE}" srcOrd="6" destOrd="0" presId="urn:microsoft.com/office/officeart/2005/8/layout/vList2"/>
+    <dgm:cxn modelId="{F669228F-6DA2-4C1A-98F7-56B89640550F}" type="presParOf" srcId="{7E8B5CE7-A242-427D-82F2-A52CD14C17E9}" destId="{20B1B311-72E8-4ECC-8315-C52112913FCC}" srcOrd="7" destOrd="0" presId="urn:microsoft.com/office/officeart/2005/8/layout/vList2"/>
+    <dgm:cxn modelId="{A91C00FE-87E3-4C2D-912B-FCD8F32ADDBB}" type="presParOf" srcId="{7E8B5CE7-A242-427D-82F2-A52CD14C17E9}" destId="{E3D225C1-9D8A-4C34-A50B-4684F1C086FD}" srcOrd="8" destOrd="0" presId="urn:microsoft.com/office/officeart/2005/8/layout/vList2"/>
   </dgm:cxnLst>
   <dgm:bg/>
   <dgm:whole/>
@@ -2537,7 +3832,7 @@
             <a:defRPr b="1"/>
           </a:pPr>
           <a:r>
-            <a:rPr lang="en-US" sz="2200" kern="1200"/>
+            <a:rPr lang="ro-RO" sz="2200" kern="1200" noProof="0" dirty="0"/>
             <a:t>Introducere și obiective</a:t>
           </a:r>
         </a:p>
@@ -2680,7 +3975,7 @@
             <a:defRPr b="1"/>
           </a:pPr>
           <a:r>
-            <a:rPr lang="en-US" sz="2200" kern="1200"/>
+            <a:rPr lang="ro-RO" sz="2200" kern="1200" noProof="0" dirty="0"/>
             <a:t>Parte teoretică</a:t>
           </a:r>
         </a:p>
@@ -2740,7 +4035,7 @@
             <a:buNone/>
           </a:pPr>
           <a:r>
-            <a:rPr lang="en-US" sz="1700" kern="1200"/>
+            <a:rPr lang="en-US" sz="1700" kern="1200" dirty="0"/>
             <a:t>Client</a:t>
           </a:r>
         </a:p>
@@ -2758,7 +4053,7 @@
             <a:buNone/>
           </a:pPr>
           <a:r>
-            <a:rPr lang="en-US" sz="1700" kern="1200"/>
+            <a:rPr lang="en-US" sz="1700" kern="1200" dirty="0"/>
             <a:t>Server</a:t>
           </a:r>
         </a:p>
@@ -2869,7 +4164,7 @@
             <a:defRPr b="1"/>
           </a:pPr>
           <a:r>
-            <a:rPr lang="en-US" sz="2200" kern="1200"/>
+            <a:rPr lang="ro-RO" sz="2200" kern="1200" noProof="0" dirty="0"/>
             <a:t>Proiectare și implementare</a:t>
           </a:r>
         </a:p>
@@ -2929,7 +4224,7 @@
             <a:buNone/>
           </a:pPr>
           <a:r>
-            <a:rPr lang="en-US" sz="1700" kern="1200"/>
+            <a:rPr lang="en-US" sz="1700" kern="1200" dirty="0"/>
             <a:t>Client</a:t>
           </a:r>
         </a:p>
@@ -2947,7 +4242,7 @@
             <a:buNone/>
           </a:pPr>
           <a:r>
-            <a:rPr lang="en-US" sz="1700" kern="1200"/>
+            <a:rPr lang="en-US" sz="1700" kern="1200" dirty="0"/>
             <a:t>Server</a:t>
           </a:r>
         </a:p>
@@ -2965,7 +4260,7 @@
             <a:buNone/>
           </a:pPr>
           <a:r>
-            <a:rPr lang="en-US" sz="1700" kern="1200"/>
+            <a:rPr lang="en-US" sz="1700" kern="1200" dirty="0"/>
             <a:t>API</a:t>
           </a:r>
         </a:p>
@@ -3055,10 +4350,10 @@
             <a:buNone/>
           </a:pPr>
           <a:r>
-            <a:rPr lang="ro-RO" sz="5900" kern="1200"/>
+            <a:rPr lang="ro-RO" sz="5900" kern="1200" dirty="0"/>
             <a:t>Ce este Tinder?</a:t>
           </a:r>
-          <a:endParaRPr lang="en-US" sz="5900" kern="1200"/>
+          <a:endParaRPr lang="en-US" sz="5900" kern="1200" dirty="0"/>
         </a:p>
       </dsp:txBody>
       <dsp:txXfrm>
@@ -3134,10 +4429,10 @@
             <a:buNone/>
           </a:pPr>
           <a:r>
-            <a:rPr lang="ro-RO" sz="5900" kern="1200"/>
+            <a:rPr lang="ro-RO" sz="5900" kern="1200" dirty="0"/>
             <a:t>Ce este MyTinder?</a:t>
           </a:r>
-          <a:endParaRPr lang="en-US" sz="5900" kern="1200"/>
+          <a:endParaRPr lang="en-US" sz="5900" kern="1200" dirty="0"/>
         </a:p>
       </dsp:txBody>
       <dsp:txXfrm>
@@ -3213,15 +4508,748 @@
             <a:buNone/>
           </a:pPr>
           <a:r>
-            <a:rPr lang="ro-RO" sz="5900" kern="1200"/>
+            <a:rPr lang="ro-RO" sz="5900" kern="1200" dirty="0"/>
             <a:t>Target-uri</a:t>
           </a:r>
-          <a:endParaRPr lang="en-US" sz="5900" kern="1200"/>
+          <a:endParaRPr lang="en-US" sz="5900" kern="1200" dirty="0"/>
         </a:p>
       </dsp:txBody>
       <dsp:txXfrm>
         <a:off x="69080" y="3698901"/>
         <a:ext cx="6125480" cy="1276954"/>
+      </dsp:txXfrm>
+    </dsp:sp>
+  </dsp:spTree>
+</dsp:drawing>
+</file>
+
+<file path=ppt/diagrams/drawing3.xml><?xml version="1.0" encoding="utf-8"?>
+<dsp:drawing xmlns:dgm="http://schemas.openxmlformats.org/drawingml/2006/diagram" xmlns:dsp="http://schemas.microsoft.com/office/drawing/2008/diagram" xmlns:a="http://schemas.openxmlformats.org/drawingml/2006/main">
+  <dsp:spTree>
+    <dsp:nvGrpSpPr>
+      <dsp:cNvPr id="0" name=""/>
+      <dsp:cNvGrpSpPr/>
+    </dsp:nvGrpSpPr>
+    <dsp:grpSpPr/>
+    <dsp:sp modelId="{C9E757A6-05E2-4904-950A-BA6E0A09DD27}">
+      <dsp:nvSpPr>
+        <dsp:cNvPr id="0" name=""/>
+        <dsp:cNvSpPr/>
+      </dsp:nvSpPr>
+      <dsp:spPr>
+        <a:xfrm>
+          <a:off x="0" y="112549"/>
+          <a:ext cx="6666833" cy="551655"/>
+        </a:xfrm>
+        <a:prstGeom prst="roundRect">
+          <a:avLst/>
+        </a:prstGeom>
+        <a:gradFill rotWithShape="0">
+          <a:gsLst>
+            <a:gs pos="0">
+              <a:schemeClr val="accent2">
+                <a:hueOff val="0"/>
+                <a:satOff val="0"/>
+                <a:lumOff val="0"/>
+                <a:alphaOff val="0"/>
+                <a:satMod val="103000"/>
+                <a:lumMod val="102000"/>
+                <a:tint val="94000"/>
+              </a:schemeClr>
+            </a:gs>
+            <a:gs pos="50000">
+              <a:schemeClr val="accent2">
+                <a:hueOff val="0"/>
+                <a:satOff val="0"/>
+                <a:lumOff val="0"/>
+                <a:alphaOff val="0"/>
+                <a:satMod val="110000"/>
+                <a:lumMod val="100000"/>
+                <a:shade val="100000"/>
+              </a:schemeClr>
+            </a:gs>
+            <a:gs pos="100000">
+              <a:schemeClr val="accent2">
+                <a:hueOff val="0"/>
+                <a:satOff val="0"/>
+                <a:lumOff val="0"/>
+                <a:alphaOff val="0"/>
+                <a:lumMod val="99000"/>
+                <a:satMod val="120000"/>
+                <a:shade val="78000"/>
+              </a:schemeClr>
+            </a:gs>
+          </a:gsLst>
+          <a:lin ang="5400000" scaled="0"/>
+        </a:gradFill>
+        <a:ln>
+          <a:noFill/>
+        </a:ln>
+        <a:effectLst/>
+      </dsp:spPr>
+      <dsp:style>
+        <a:lnRef idx="0">
+          <a:scrgbClr r="0" g="0" b="0"/>
+        </a:lnRef>
+        <a:fillRef idx="3">
+          <a:scrgbClr r="0" g="0" b="0"/>
+        </a:fillRef>
+        <a:effectRef idx="2">
+          <a:scrgbClr r="0" g="0" b="0"/>
+        </a:effectRef>
+        <a:fontRef idx="minor">
+          <a:schemeClr val="lt1"/>
+        </a:fontRef>
+      </dsp:style>
+      <dsp:txBody>
+        <a:bodyPr spcFirstLastPara="0" vert="horz" wrap="square" lIns="87630" tIns="87630" rIns="87630" bIns="87630" numCol="1" spcCol="1270" anchor="ctr" anchorCtr="0">
+          <a:noAutofit/>
+        </a:bodyPr>
+        <a:lstStyle/>
+        <a:p>
+          <a:pPr marL="0" lvl="0" indent="0" algn="l" defTabSz="1022350">
+            <a:lnSpc>
+              <a:spcPct val="90000"/>
+            </a:lnSpc>
+            <a:spcBef>
+              <a:spcPct val="0"/>
+            </a:spcBef>
+            <a:spcAft>
+              <a:spcPct val="35000"/>
+            </a:spcAft>
+            <a:buNone/>
+          </a:pPr>
+          <a:r>
+            <a:rPr lang="ro-RO" sz="2300" kern="1200"/>
+            <a:t>PackageHandler</a:t>
+          </a:r>
+          <a:endParaRPr lang="en-US" sz="2300" kern="1200" dirty="0"/>
+        </a:p>
+      </dsp:txBody>
+      <dsp:txXfrm>
+        <a:off x="26930" y="139479"/>
+        <a:ext cx="6612973" cy="497795"/>
+      </dsp:txXfrm>
+    </dsp:sp>
+    <dsp:sp modelId="{F7B69211-3A8F-4C7A-9A0B-EA62170D7ED7}">
+      <dsp:nvSpPr>
+        <dsp:cNvPr id="0" name=""/>
+        <dsp:cNvSpPr/>
+      </dsp:nvSpPr>
+      <dsp:spPr>
+        <a:xfrm>
+          <a:off x="0" y="664204"/>
+          <a:ext cx="6666833" cy="880785"/>
+        </a:xfrm>
+        <a:prstGeom prst="rect">
+          <a:avLst/>
+        </a:prstGeom>
+        <a:noFill/>
+        <a:ln>
+          <a:noFill/>
+        </a:ln>
+        <a:effectLst/>
+      </dsp:spPr>
+      <dsp:style>
+        <a:lnRef idx="0">
+          <a:scrgbClr r="0" g="0" b="0"/>
+        </a:lnRef>
+        <a:fillRef idx="0">
+          <a:scrgbClr r="0" g="0" b="0"/>
+        </a:fillRef>
+        <a:effectRef idx="0">
+          <a:scrgbClr r="0" g="0" b="0"/>
+        </a:effectRef>
+        <a:fontRef idx="minor"/>
+      </dsp:style>
+      <dsp:txBody>
+        <a:bodyPr spcFirstLastPara="0" vert="horz" wrap="square" lIns="211672" tIns="29210" rIns="163576" bIns="29210" numCol="1" spcCol="1270" anchor="t" anchorCtr="0">
+          <a:noAutofit/>
+        </a:bodyPr>
+        <a:lstStyle/>
+        <a:p>
+          <a:pPr marL="171450" lvl="1" indent="-171450" algn="l" defTabSz="800100">
+            <a:lnSpc>
+              <a:spcPct val="90000"/>
+            </a:lnSpc>
+            <a:spcBef>
+              <a:spcPct val="0"/>
+            </a:spcBef>
+            <a:spcAft>
+              <a:spcPct val="20000"/>
+            </a:spcAft>
+            <a:buChar char="•"/>
+          </a:pPr>
+          <a:r>
+            <a:rPr lang="ro-RO" sz="1800" kern="1200"/>
+            <a:t>handlePackage()</a:t>
+          </a:r>
+          <a:endParaRPr lang="en-US" sz="1800" kern="1200" dirty="0"/>
+        </a:p>
+        <a:p>
+          <a:pPr marL="171450" lvl="1" indent="-171450" algn="l" defTabSz="800100">
+            <a:lnSpc>
+              <a:spcPct val="90000"/>
+            </a:lnSpc>
+            <a:spcBef>
+              <a:spcPct val="0"/>
+            </a:spcBef>
+            <a:spcAft>
+              <a:spcPct val="20000"/>
+            </a:spcAft>
+            <a:buChar char="•"/>
+          </a:pPr>
+          <a:r>
+            <a:rPr lang="ro-RO" sz="1800" kern="1200"/>
+            <a:t>Comenzile... (LoginReq, RegReq, GetPeople, LikeSet, TablePopulate...)</a:t>
+          </a:r>
+          <a:endParaRPr lang="en-US" sz="1800" kern="1200" dirty="0"/>
+        </a:p>
+      </dsp:txBody>
+      <dsp:txXfrm>
+        <a:off x="0" y="664204"/>
+        <a:ext cx="6666833" cy="880785"/>
+      </dsp:txXfrm>
+    </dsp:sp>
+    <dsp:sp modelId="{1FC71D11-1CA8-4CF9-B90A-3D918284CD49}">
+      <dsp:nvSpPr>
+        <dsp:cNvPr id="0" name=""/>
+        <dsp:cNvSpPr/>
+      </dsp:nvSpPr>
+      <dsp:spPr>
+        <a:xfrm>
+          <a:off x="0" y="1544990"/>
+          <a:ext cx="6666833" cy="551655"/>
+        </a:xfrm>
+        <a:prstGeom prst="roundRect">
+          <a:avLst/>
+        </a:prstGeom>
+        <a:gradFill rotWithShape="0">
+          <a:gsLst>
+            <a:gs pos="0">
+              <a:schemeClr val="accent2">
+                <a:hueOff val="-363841"/>
+                <a:satOff val="-20982"/>
+                <a:lumOff val="2157"/>
+                <a:alphaOff val="0"/>
+                <a:satMod val="103000"/>
+                <a:lumMod val="102000"/>
+                <a:tint val="94000"/>
+              </a:schemeClr>
+            </a:gs>
+            <a:gs pos="50000">
+              <a:schemeClr val="accent2">
+                <a:hueOff val="-363841"/>
+                <a:satOff val="-20982"/>
+                <a:lumOff val="2157"/>
+                <a:alphaOff val="0"/>
+                <a:satMod val="110000"/>
+                <a:lumMod val="100000"/>
+                <a:shade val="100000"/>
+              </a:schemeClr>
+            </a:gs>
+            <a:gs pos="100000">
+              <a:schemeClr val="accent2">
+                <a:hueOff val="-363841"/>
+                <a:satOff val="-20982"/>
+                <a:lumOff val="2157"/>
+                <a:alphaOff val="0"/>
+                <a:lumMod val="99000"/>
+                <a:satMod val="120000"/>
+                <a:shade val="78000"/>
+              </a:schemeClr>
+            </a:gs>
+          </a:gsLst>
+          <a:lin ang="5400000" scaled="0"/>
+        </a:gradFill>
+        <a:ln>
+          <a:noFill/>
+        </a:ln>
+        <a:effectLst/>
+      </dsp:spPr>
+      <dsp:style>
+        <a:lnRef idx="0">
+          <a:scrgbClr r="0" g="0" b="0"/>
+        </a:lnRef>
+        <a:fillRef idx="3">
+          <a:scrgbClr r="0" g="0" b="0"/>
+        </a:fillRef>
+        <a:effectRef idx="2">
+          <a:scrgbClr r="0" g="0" b="0"/>
+        </a:effectRef>
+        <a:fontRef idx="minor">
+          <a:schemeClr val="lt1"/>
+        </a:fontRef>
+      </dsp:style>
+      <dsp:txBody>
+        <a:bodyPr spcFirstLastPara="0" vert="horz" wrap="square" lIns="87630" tIns="87630" rIns="87630" bIns="87630" numCol="1" spcCol="1270" anchor="ctr" anchorCtr="0">
+          <a:noAutofit/>
+        </a:bodyPr>
+        <a:lstStyle/>
+        <a:p>
+          <a:pPr marL="0" lvl="0" indent="0" algn="l" defTabSz="1022350">
+            <a:lnSpc>
+              <a:spcPct val="90000"/>
+            </a:lnSpc>
+            <a:spcBef>
+              <a:spcPct val="0"/>
+            </a:spcBef>
+            <a:spcAft>
+              <a:spcPct val="35000"/>
+            </a:spcAft>
+            <a:buNone/>
+          </a:pPr>
+          <a:r>
+            <a:rPr lang="ro-RO" sz="2300" kern="1200"/>
+            <a:t>DbHandler</a:t>
+          </a:r>
+          <a:endParaRPr lang="en-US" sz="2300" kern="1200" dirty="0"/>
+        </a:p>
+      </dsp:txBody>
+      <dsp:txXfrm>
+        <a:off x="26930" y="1571920"/>
+        <a:ext cx="6612973" cy="497795"/>
+      </dsp:txXfrm>
+    </dsp:sp>
+    <dsp:sp modelId="{E48E2F11-D7D1-47A6-BFAE-298611E0243E}">
+      <dsp:nvSpPr>
+        <dsp:cNvPr id="0" name=""/>
+        <dsp:cNvSpPr/>
+      </dsp:nvSpPr>
+      <dsp:spPr>
+        <a:xfrm>
+          <a:off x="0" y="2096645"/>
+          <a:ext cx="6666833" cy="1142640"/>
+        </a:xfrm>
+        <a:prstGeom prst="rect">
+          <a:avLst/>
+        </a:prstGeom>
+        <a:noFill/>
+        <a:ln>
+          <a:noFill/>
+        </a:ln>
+        <a:effectLst/>
+      </dsp:spPr>
+      <dsp:style>
+        <a:lnRef idx="0">
+          <a:scrgbClr r="0" g="0" b="0"/>
+        </a:lnRef>
+        <a:fillRef idx="0">
+          <a:scrgbClr r="0" g="0" b="0"/>
+        </a:fillRef>
+        <a:effectRef idx="0">
+          <a:scrgbClr r="0" g="0" b="0"/>
+        </a:effectRef>
+        <a:fontRef idx="minor"/>
+      </dsp:style>
+      <dsp:txBody>
+        <a:bodyPr spcFirstLastPara="0" vert="horz" wrap="square" lIns="211672" tIns="29210" rIns="163576" bIns="29210" numCol="1" spcCol="1270" anchor="t" anchorCtr="0">
+          <a:noAutofit/>
+        </a:bodyPr>
+        <a:lstStyle/>
+        <a:p>
+          <a:pPr marL="171450" lvl="1" indent="-171450" algn="l" defTabSz="800100">
+            <a:lnSpc>
+              <a:spcPct val="90000"/>
+            </a:lnSpc>
+            <a:spcBef>
+              <a:spcPct val="0"/>
+            </a:spcBef>
+            <a:spcAft>
+              <a:spcPct val="20000"/>
+            </a:spcAft>
+            <a:buChar char="•"/>
+          </a:pPr>
+          <a:r>
+            <a:rPr lang="ro-RO" sz="1800" kern="1200"/>
+            <a:t>Conexiune (ConnectToDB, DisconnectFromDB, isConnectionOpened)</a:t>
+          </a:r>
+          <a:endParaRPr lang="en-US" sz="1800" kern="1200" dirty="0"/>
+        </a:p>
+        <a:p>
+          <a:pPr marL="171450" lvl="1" indent="-171450" algn="l" defTabSz="800100">
+            <a:lnSpc>
+              <a:spcPct val="90000"/>
+            </a:lnSpc>
+            <a:spcBef>
+              <a:spcPct val="0"/>
+            </a:spcBef>
+            <a:spcAft>
+              <a:spcPct val="20000"/>
+            </a:spcAft>
+            <a:buChar char="•"/>
+          </a:pPr>
+          <a:r>
+            <a:rPr lang="ro-RO" sz="1800" kern="1200"/>
+            <a:t>Operații (getUser, insertUser, insertMultipleUsers, GetUsers, LikeUser...)</a:t>
+          </a:r>
+          <a:endParaRPr lang="en-US" sz="1800" kern="1200" dirty="0"/>
+        </a:p>
+      </dsp:txBody>
+      <dsp:txXfrm>
+        <a:off x="0" y="2096645"/>
+        <a:ext cx="6666833" cy="1142640"/>
+      </dsp:txXfrm>
+    </dsp:sp>
+    <dsp:sp modelId="{FBC81356-0388-4E70-8EBF-2B44ED59345C}">
+      <dsp:nvSpPr>
+        <dsp:cNvPr id="0" name=""/>
+        <dsp:cNvSpPr/>
+      </dsp:nvSpPr>
+      <dsp:spPr>
+        <a:xfrm>
+          <a:off x="0" y="3239285"/>
+          <a:ext cx="6666833" cy="551655"/>
+        </a:xfrm>
+        <a:prstGeom prst="roundRect">
+          <a:avLst/>
+        </a:prstGeom>
+        <a:gradFill rotWithShape="0">
+          <a:gsLst>
+            <a:gs pos="0">
+              <a:schemeClr val="accent2">
+                <a:hueOff val="-727682"/>
+                <a:satOff val="-41964"/>
+                <a:lumOff val="4314"/>
+                <a:alphaOff val="0"/>
+                <a:satMod val="103000"/>
+                <a:lumMod val="102000"/>
+                <a:tint val="94000"/>
+              </a:schemeClr>
+            </a:gs>
+            <a:gs pos="50000">
+              <a:schemeClr val="accent2">
+                <a:hueOff val="-727682"/>
+                <a:satOff val="-41964"/>
+                <a:lumOff val="4314"/>
+                <a:alphaOff val="0"/>
+                <a:satMod val="110000"/>
+                <a:lumMod val="100000"/>
+                <a:shade val="100000"/>
+              </a:schemeClr>
+            </a:gs>
+            <a:gs pos="100000">
+              <a:schemeClr val="accent2">
+                <a:hueOff val="-727682"/>
+                <a:satOff val="-41964"/>
+                <a:lumOff val="4314"/>
+                <a:alphaOff val="0"/>
+                <a:lumMod val="99000"/>
+                <a:satMod val="120000"/>
+                <a:shade val="78000"/>
+              </a:schemeClr>
+            </a:gs>
+          </a:gsLst>
+          <a:lin ang="5400000" scaled="0"/>
+        </a:gradFill>
+        <a:ln>
+          <a:noFill/>
+        </a:ln>
+        <a:effectLst/>
+      </dsp:spPr>
+      <dsp:style>
+        <a:lnRef idx="0">
+          <a:scrgbClr r="0" g="0" b="0"/>
+        </a:lnRef>
+        <a:fillRef idx="3">
+          <a:scrgbClr r="0" g="0" b="0"/>
+        </a:fillRef>
+        <a:effectRef idx="2">
+          <a:scrgbClr r="0" g="0" b="0"/>
+        </a:effectRef>
+        <a:fontRef idx="minor">
+          <a:schemeClr val="lt1"/>
+        </a:fontRef>
+      </dsp:style>
+      <dsp:txBody>
+        <a:bodyPr spcFirstLastPara="0" vert="horz" wrap="square" lIns="87630" tIns="87630" rIns="87630" bIns="87630" numCol="1" spcCol="1270" anchor="ctr" anchorCtr="0">
+          <a:noAutofit/>
+        </a:bodyPr>
+        <a:lstStyle/>
+        <a:p>
+          <a:pPr marL="0" lvl="0" indent="0" algn="l" defTabSz="1022350">
+            <a:lnSpc>
+              <a:spcPct val="90000"/>
+            </a:lnSpc>
+            <a:spcBef>
+              <a:spcPct val="0"/>
+            </a:spcBef>
+            <a:spcAft>
+              <a:spcPct val="35000"/>
+            </a:spcAft>
+            <a:buNone/>
+          </a:pPr>
+          <a:r>
+            <a:rPr lang="ro-RO" sz="2300" kern="1200"/>
+            <a:t>AccountsGenerator</a:t>
+          </a:r>
+          <a:endParaRPr lang="en-US" sz="2300" kern="1200" dirty="0"/>
+        </a:p>
+      </dsp:txBody>
+      <dsp:txXfrm>
+        <a:off x="26930" y="3266215"/>
+        <a:ext cx="6612973" cy="497795"/>
+      </dsp:txXfrm>
+    </dsp:sp>
+    <dsp:sp modelId="{0D1D9EE6-E2B6-4DF2-8697-BEF3FCDB17A2}">
+      <dsp:nvSpPr>
+        <dsp:cNvPr id="0" name=""/>
+        <dsp:cNvSpPr/>
+      </dsp:nvSpPr>
+      <dsp:spPr>
+        <a:xfrm>
+          <a:off x="0" y="3790940"/>
+          <a:ext cx="6666833" cy="380880"/>
+        </a:xfrm>
+        <a:prstGeom prst="rect">
+          <a:avLst/>
+        </a:prstGeom>
+        <a:noFill/>
+        <a:ln>
+          <a:noFill/>
+        </a:ln>
+        <a:effectLst/>
+      </dsp:spPr>
+      <dsp:style>
+        <a:lnRef idx="0">
+          <a:scrgbClr r="0" g="0" b="0"/>
+        </a:lnRef>
+        <a:fillRef idx="0">
+          <a:scrgbClr r="0" g="0" b="0"/>
+        </a:fillRef>
+        <a:effectRef idx="0">
+          <a:scrgbClr r="0" g="0" b="0"/>
+        </a:effectRef>
+        <a:fontRef idx="minor"/>
+      </dsp:style>
+      <dsp:txBody>
+        <a:bodyPr spcFirstLastPara="0" vert="horz" wrap="square" lIns="211672" tIns="29210" rIns="163576" bIns="29210" numCol="1" spcCol="1270" anchor="t" anchorCtr="0">
+          <a:noAutofit/>
+        </a:bodyPr>
+        <a:lstStyle/>
+        <a:p>
+          <a:pPr marL="171450" lvl="1" indent="-171450" algn="l" defTabSz="800100">
+            <a:lnSpc>
+              <a:spcPct val="90000"/>
+            </a:lnSpc>
+            <a:spcBef>
+              <a:spcPct val="0"/>
+            </a:spcBef>
+            <a:spcAft>
+              <a:spcPct val="20000"/>
+            </a:spcAft>
+            <a:buChar char="•"/>
+          </a:pPr>
+          <a:r>
+            <a:rPr lang="ro-RO" sz="1800" kern="1200"/>
+            <a:t>generate()</a:t>
+          </a:r>
+          <a:endParaRPr lang="en-US" sz="1800" kern="1200" dirty="0"/>
+        </a:p>
+      </dsp:txBody>
+      <dsp:txXfrm>
+        <a:off x="0" y="3790940"/>
+        <a:ext cx="6666833" cy="380880"/>
+      </dsp:txXfrm>
+    </dsp:sp>
+    <dsp:sp modelId="{160E5A14-4368-4C1F-97F7-03B8E03732BE}">
+      <dsp:nvSpPr>
+        <dsp:cNvPr id="0" name=""/>
+        <dsp:cNvSpPr/>
+      </dsp:nvSpPr>
+      <dsp:spPr>
+        <a:xfrm>
+          <a:off x="0" y="4171820"/>
+          <a:ext cx="6666833" cy="551655"/>
+        </a:xfrm>
+        <a:prstGeom prst="roundRect">
+          <a:avLst/>
+        </a:prstGeom>
+        <a:gradFill rotWithShape="0">
+          <a:gsLst>
+            <a:gs pos="0">
+              <a:schemeClr val="accent2">
+                <a:hueOff val="-1091522"/>
+                <a:satOff val="-62946"/>
+                <a:lumOff val="6471"/>
+                <a:alphaOff val="0"/>
+                <a:satMod val="103000"/>
+                <a:lumMod val="102000"/>
+                <a:tint val="94000"/>
+              </a:schemeClr>
+            </a:gs>
+            <a:gs pos="50000">
+              <a:schemeClr val="accent2">
+                <a:hueOff val="-1091522"/>
+                <a:satOff val="-62946"/>
+                <a:lumOff val="6471"/>
+                <a:alphaOff val="0"/>
+                <a:satMod val="110000"/>
+                <a:lumMod val="100000"/>
+                <a:shade val="100000"/>
+              </a:schemeClr>
+            </a:gs>
+            <a:gs pos="100000">
+              <a:schemeClr val="accent2">
+                <a:hueOff val="-1091522"/>
+                <a:satOff val="-62946"/>
+                <a:lumOff val="6471"/>
+                <a:alphaOff val="0"/>
+                <a:lumMod val="99000"/>
+                <a:satMod val="120000"/>
+                <a:shade val="78000"/>
+              </a:schemeClr>
+            </a:gs>
+          </a:gsLst>
+          <a:lin ang="5400000" scaled="0"/>
+        </a:gradFill>
+        <a:ln>
+          <a:noFill/>
+        </a:ln>
+        <a:effectLst/>
+      </dsp:spPr>
+      <dsp:style>
+        <a:lnRef idx="0">
+          <a:scrgbClr r="0" g="0" b="0"/>
+        </a:lnRef>
+        <a:fillRef idx="3">
+          <a:scrgbClr r="0" g="0" b="0"/>
+        </a:fillRef>
+        <a:effectRef idx="2">
+          <a:scrgbClr r="0" g="0" b="0"/>
+        </a:effectRef>
+        <a:fontRef idx="minor">
+          <a:schemeClr val="lt1"/>
+        </a:fontRef>
+      </dsp:style>
+      <dsp:txBody>
+        <a:bodyPr spcFirstLastPara="0" vert="horz" wrap="square" lIns="87630" tIns="87630" rIns="87630" bIns="87630" numCol="1" spcCol="1270" anchor="ctr" anchorCtr="0">
+          <a:noAutofit/>
+        </a:bodyPr>
+        <a:lstStyle/>
+        <a:p>
+          <a:pPr marL="0" lvl="0" indent="0" algn="l" defTabSz="1022350">
+            <a:lnSpc>
+              <a:spcPct val="90000"/>
+            </a:lnSpc>
+            <a:spcBef>
+              <a:spcPct val="0"/>
+            </a:spcBef>
+            <a:spcAft>
+              <a:spcPct val="35000"/>
+            </a:spcAft>
+            <a:buNone/>
+          </a:pPr>
+          <a:r>
+            <a:rPr lang="ro-RO" sz="2300" kern="1200"/>
+            <a:t>User (clasa model)</a:t>
+          </a:r>
+          <a:endParaRPr lang="en-US" sz="2300" kern="1200" dirty="0"/>
+        </a:p>
+      </dsp:txBody>
+      <dsp:txXfrm>
+        <a:off x="26930" y="4198750"/>
+        <a:ext cx="6612973" cy="497795"/>
+      </dsp:txXfrm>
+    </dsp:sp>
+    <dsp:sp modelId="{E3D225C1-9D8A-4C34-A50B-4684F1C086FD}">
+      <dsp:nvSpPr>
+        <dsp:cNvPr id="0" name=""/>
+        <dsp:cNvSpPr/>
+      </dsp:nvSpPr>
+      <dsp:spPr>
+        <a:xfrm>
+          <a:off x="0" y="4789715"/>
+          <a:ext cx="6666833" cy="551655"/>
+        </a:xfrm>
+        <a:prstGeom prst="roundRect">
+          <a:avLst/>
+        </a:prstGeom>
+        <a:gradFill rotWithShape="0">
+          <a:gsLst>
+            <a:gs pos="0">
+              <a:schemeClr val="accent2">
+                <a:hueOff val="-1455363"/>
+                <a:satOff val="-83928"/>
+                <a:lumOff val="8628"/>
+                <a:alphaOff val="0"/>
+                <a:satMod val="103000"/>
+                <a:lumMod val="102000"/>
+                <a:tint val="94000"/>
+              </a:schemeClr>
+            </a:gs>
+            <a:gs pos="50000">
+              <a:schemeClr val="accent2">
+                <a:hueOff val="-1455363"/>
+                <a:satOff val="-83928"/>
+                <a:lumOff val="8628"/>
+                <a:alphaOff val="0"/>
+                <a:satMod val="110000"/>
+                <a:lumMod val="100000"/>
+                <a:shade val="100000"/>
+              </a:schemeClr>
+            </a:gs>
+            <a:gs pos="100000">
+              <a:schemeClr val="accent2">
+                <a:hueOff val="-1455363"/>
+                <a:satOff val="-83928"/>
+                <a:lumOff val="8628"/>
+                <a:alphaOff val="0"/>
+                <a:lumMod val="99000"/>
+                <a:satMod val="120000"/>
+                <a:shade val="78000"/>
+              </a:schemeClr>
+            </a:gs>
+          </a:gsLst>
+          <a:lin ang="5400000" scaled="0"/>
+        </a:gradFill>
+        <a:ln>
+          <a:noFill/>
+        </a:ln>
+        <a:effectLst/>
+      </dsp:spPr>
+      <dsp:style>
+        <a:lnRef idx="0">
+          <a:scrgbClr r="0" g="0" b="0"/>
+        </a:lnRef>
+        <a:fillRef idx="3">
+          <a:scrgbClr r="0" g="0" b="0"/>
+        </a:fillRef>
+        <a:effectRef idx="2">
+          <a:scrgbClr r="0" g="0" b="0"/>
+        </a:effectRef>
+        <a:fontRef idx="minor">
+          <a:schemeClr val="lt1"/>
+        </a:fontRef>
+      </dsp:style>
+      <dsp:txBody>
+        <a:bodyPr spcFirstLastPara="0" vert="horz" wrap="square" lIns="87630" tIns="87630" rIns="87630" bIns="87630" numCol="1" spcCol="1270" anchor="ctr" anchorCtr="0">
+          <a:noAutofit/>
+        </a:bodyPr>
+        <a:lstStyle/>
+        <a:p>
+          <a:pPr marL="0" lvl="0" indent="0" algn="l" defTabSz="1022350">
+            <a:lnSpc>
+              <a:spcPct val="90000"/>
+            </a:lnSpc>
+            <a:spcBef>
+              <a:spcPct val="0"/>
+            </a:spcBef>
+            <a:spcAft>
+              <a:spcPct val="35000"/>
+            </a:spcAft>
+            <a:buNone/>
+          </a:pPr>
+          <a:r>
+            <a:rPr lang="ro-RO" sz="2300" kern="1200"/>
+            <a:t>Messages (conține toate comenzile)</a:t>
+          </a:r>
+          <a:endParaRPr lang="en-US" sz="2300" kern="1200" dirty="0"/>
+        </a:p>
+      </dsp:txBody>
+      <dsp:txXfrm>
+        <a:off x="26930" y="4816645"/>
+        <a:ext cx="6612973" cy="497795"/>
       </dsp:txXfrm>
     </dsp:sp>
   </dsp:spTree>
@@ -3596,6 +5624,173 @@
 </dgm:layoutDef>
 </file>
 
+<file path=ppt/diagrams/layout3.xml><?xml version="1.0" encoding="utf-8"?>
+<dgm:layoutDef xmlns:dgm="http://schemas.openxmlformats.org/drawingml/2006/diagram" xmlns:a="http://schemas.openxmlformats.org/drawingml/2006/main" uniqueId="urn:microsoft.com/office/officeart/2005/8/layout/vList2">
+  <dgm:title val=""/>
+  <dgm:desc val=""/>
+  <dgm:catLst>
+    <dgm:cat type="list" pri="3000"/>
+    <dgm:cat type="convert" pri="1000"/>
+  </dgm:catLst>
+  <dgm:sampData>
+    <dgm:dataModel>
+      <dgm:ptLst>
+        <dgm:pt modelId="0" type="doc"/>
+        <dgm:pt modelId="1">
+          <dgm:prSet phldr="1"/>
+        </dgm:pt>
+        <dgm:pt modelId="11">
+          <dgm:prSet phldr="1"/>
+        </dgm:pt>
+        <dgm:pt modelId="2">
+          <dgm:prSet phldr="1"/>
+        </dgm:pt>
+        <dgm:pt modelId="21">
+          <dgm:prSet phldr="1"/>
+        </dgm:pt>
+      </dgm:ptLst>
+      <dgm:cxnLst>
+        <dgm:cxn modelId="4" srcId="0" destId="1" srcOrd="0" destOrd="0"/>
+        <dgm:cxn modelId="5" srcId="0" destId="2" srcOrd="1" destOrd="0"/>
+        <dgm:cxn modelId="12" srcId="1" destId="11" srcOrd="0" destOrd="0"/>
+        <dgm:cxn modelId="23" srcId="2" destId="21" srcOrd="0" destOrd="0"/>
+      </dgm:cxnLst>
+      <dgm:bg/>
+      <dgm:whole/>
+    </dgm:dataModel>
+  </dgm:sampData>
+  <dgm:styleData>
+    <dgm:dataModel>
+      <dgm:ptLst>
+        <dgm:pt modelId="0" type="doc"/>
+        <dgm:pt modelId="1"/>
+        <dgm:pt modelId="2"/>
+      </dgm:ptLst>
+      <dgm:cxnLst>
+        <dgm:cxn modelId="3" srcId="0" destId="1" srcOrd="0" destOrd="0"/>
+        <dgm:cxn modelId="4" srcId="0" destId="2" srcOrd="1" destOrd="0"/>
+      </dgm:cxnLst>
+      <dgm:bg/>
+      <dgm:whole/>
+    </dgm:dataModel>
+  </dgm:styleData>
+  <dgm:clrData>
+    <dgm:dataModel>
+      <dgm:ptLst>
+        <dgm:pt modelId="0" type="doc"/>
+        <dgm:pt modelId="1"/>
+        <dgm:pt modelId="2"/>
+        <dgm:pt modelId="3"/>
+        <dgm:pt modelId="4"/>
+      </dgm:ptLst>
+      <dgm:cxnLst>
+        <dgm:cxn modelId="5" srcId="0" destId="1" srcOrd="0" destOrd="0"/>
+        <dgm:cxn modelId="6" srcId="0" destId="2" srcOrd="1" destOrd="0"/>
+        <dgm:cxn modelId="7" srcId="0" destId="3" srcOrd="2" destOrd="0"/>
+        <dgm:cxn modelId="8" srcId="0" destId="4" srcOrd="3" destOrd="0"/>
+      </dgm:cxnLst>
+      <dgm:bg/>
+      <dgm:whole/>
+    </dgm:dataModel>
+  </dgm:clrData>
+  <dgm:layoutNode name="linear">
+    <dgm:varLst>
+      <dgm:animLvl val="lvl"/>
+      <dgm:resizeHandles val="exact"/>
+    </dgm:varLst>
+    <dgm:alg type="lin">
+      <dgm:param type="linDir" val="fromT"/>
+      <dgm:param type="vertAlign" val="mid"/>
+    </dgm:alg>
+    <dgm:shape xmlns:r="http://schemas.openxmlformats.org/officeDocument/2006/relationships" r:blip="">
+      <dgm:adjLst/>
+    </dgm:shape>
+    <dgm:presOf/>
+    <dgm:constrLst>
+      <dgm:constr type="w" for="ch" forName="parentText" refType="w"/>
+      <dgm:constr type="h" for="ch" forName="parentText" refType="primFontSz" refFor="ch" refForName="parentText" fact="0.52"/>
+      <dgm:constr type="w" for="ch" forName="childText" refType="w"/>
+      <dgm:constr type="h" for="ch" forName="childText" refType="primFontSz" refFor="ch" refForName="parentText" fact="0.46"/>
+      <dgm:constr type="h" for="ch" forName="parentText" op="equ"/>
+      <dgm:constr type="primFontSz" for="ch" forName="parentText" op="equ" val="65"/>
+      <dgm:constr type="primFontSz" for="ch" forName="childText" refType="primFontSz" refFor="ch" refForName="parentText" op="equ"/>
+      <dgm:constr type="h" for="ch" forName="spacer" refType="primFontSz" refFor="ch" refForName="parentText" fact="0.08"/>
+    </dgm:constrLst>
+    <dgm:ruleLst>
+      <dgm:rule type="primFontSz" for="ch" forName="parentText" val="5" fact="NaN" max="NaN"/>
+    </dgm:ruleLst>
+    <dgm:forEach name="Name0" axis="ch" ptType="node">
+      <dgm:layoutNode name="parentText" styleLbl="node1">
+        <dgm:varLst>
+          <dgm:chMax val="0"/>
+          <dgm:bulletEnabled val="1"/>
+        </dgm:varLst>
+        <dgm:alg type="tx">
+          <dgm:param type="parTxLTRAlign" val="l"/>
+          <dgm:param type="parTxRTLAlign" val="r"/>
+        </dgm:alg>
+        <dgm:shape xmlns:r="http://schemas.openxmlformats.org/officeDocument/2006/relationships" type="roundRect" r:blip="">
+          <dgm:adjLst/>
+        </dgm:shape>
+        <dgm:presOf axis="self"/>
+        <dgm:constrLst>
+          <dgm:constr type="tMarg" refType="primFontSz" fact="0.3"/>
+          <dgm:constr type="bMarg" refType="primFontSz" fact="0.3"/>
+          <dgm:constr type="lMarg" refType="primFontSz" fact="0.3"/>
+          <dgm:constr type="rMarg" refType="primFontSz" fact="0.3"/>
+        </dgm:constrLst>
+        <dgm:ruleLst>
+          <dgm:rule type="h" val="INF" fact="NaN" max="NaN"/>
+        </dgm:ruleLst>
+      </dgm:layoutNode>
+      <dgm:choose name="Name1">
+        <dgm:if name="Name2" axis="ch" ptType="node" func="cnt" op="gte" val="1">
+          <dgm:layoutNode name="childText" styleLbl="revTx">
+            <dgm:varLst>
+              <dgm:bulletEnabled val="1"/>
+            </dgm:varLst>
+            <dgm:alg type="tx">
+              <dgm:param type="stBulletLvl" val="1"/>
+              <dgm:param type="lnSpAfChP" val="20"/>
+            </dgm:alg>
+            <dgm:shape xmlns:r="http://schemas.openxmlformats.org/officeDocument/2006/relationships" type="rect" r:blip="">
+              <dgm:adjLst/>
+            </dgm:shape>
+            <dgm:presOf axis="des" ptType="node"/>
+            <dgm:constrLst>
+              <dgm:constr type="tMarg" refType="primFontSz" fact="0.1"/>
+              <dgm:constr type="bMarg" refType="primFontSz" fact="0.1"/>
+              <dgm:constr type="lMarg" refType="w" fact="0.09"/>
+            </dgm:constrLst>
+            <dgm:ruleLst>
+              <dgm:rule type="h" val="INF" fact="NaN" max="NaN"/>
+            </dgm:ruleLst>
+          </dgm:layoutNode>
+        </dgm:if>
+        <dgm:else name="Name3">
+          <dgm:choose name="Name4">
+            <dgm:if name="Name5" axis="par ch" ptType="doc node" func="cnt" op="gte" val="2">
+              <dgm:forEach name="Name6" axis="followSib" ptType="sibTrans" cnt="1">
+                <dgm:layoutNode name="spacer">
+                  <dgm:alg type="sp"/>
+                  <dgm:shape xmlns:r="http://schemas.openxmlformats.org/officeDocument/2006/relationships" r:blip="">
+                    <dgm:adjLst/>
+                  </dgm:shape>
+                  <dgm:presOf/>
+                  <dgm:constrLst/>
+                  <dgm:ruleLst/>
+                </dgm:layoutNode>
+              </dgm:forEach>
+            </dgm:if>
+            <dgm:else name="Name7"/>
+          </dgm:choose>
+        </dgm:else>
+      </dgm:choose>
+    </dgm:forEach>
+  </dgm:layoutNode>
+</dgm:layoutDef>
+</file>
+
 <file path=ppt/diagrams/quickStyle1.xml><?xml version="1.0" encoding="utf-8"?>
 <dgm:styleDef xmlns:dgm="http://schemas.openxmlformats.org/drawingml/2006/diagram" xmlns:a="http://schemas.openxmlformats.org/drawingml/2006/main" uniqueId="urn:microsoft.com/office/officeart/2005/8/quickstyle/simple1">
   <dgm:title val=""/>
@@ -5636,6 +7831,1040 @@
         <a:scrgbClr r="0" g="0" b="0"/>
       </a:fillRef>
       <a:effectRef idx="0">
+        <a:scrgbClr r="0" g="0" b="0"/>
+      </a:effectRef>
+      <a:fontRef idx="minor"/>
+    </dgm:style>
+  </dgm:styleLbl>
+  <dgm:styleLbl name="revTx">
+    <dgm:scene3d>
+      <a:camera prst="orthographicFront"/>
+      <a:lightRig rig="threePt" dir="t"/>
+    </dgm:scene3d>
+    <dgm:sp3d/>
+    <dgm:txPr/>
+    <dgm:style>
+      <a:lnRef idx="0">
+        <a:scrgbClr r="0" g="0" b="0"/>
+      </a:lnRef>
+      <a:fillRef idx="0">
+        <a:scrgbClr r="0" g="0" b="0"/>
+      </a:fillRef>
+      <a:effectRef idx="0">
+        <a:scrgbClr r="0" g="0" b="0"/>
+      </a:effectRef>
+      <a:fontRef idx="minor"/>
+    </dgm:style>
+  </dgm:styleLbl>
+</dgm:styleDef>
+</file>
+
+<file path=ppt/diagrams/quickStyle3.xml><?xml version="1.0" encoding="utf-8"?>
+<dgm:styleDef xmlns:dgm="http://schemas.openxmlformats.org/drawingml/2006/diagram" xmlns:a="http://schemas.openxmlformats.org/drawingml/2006/main" uniqueId="urn:microsoft.com/office/officeart/2005/8/quickstyle/simple4">
+  <dgm:title val=""/>
+  <dgm:desc val=""/>
+  <dgm:catLst>
+    <dgm:cat type="simple" pri="10400"/>
+  </dgm:catLst>
+  <dgm:scene3d>
+    <a:camera prst="orthographicFront"/>
+    <a:lightRig rig="threePt" dir="t"/>
+  </dgm:scene3d>
+  <dgm:styleLbl name="node0">
+    <dgm:scene3d>
+      <a:camera prst="orthographicFront"/>
+      <a:lightRig rig="threePt" dir="t"/>
+    </dgm:scene3d>
+    <dgm:sp3d/>
+    <dgm:txPr/>
+    <dgm:style>
+      <a:lnRef idx="0">
+        <a:scrgbClr r="0" g="0" b="0"/>
+      </a:lnRef>
+      <a:fillRef idx="3">
+        <a:scrgbClr r="0" g="0" b="0"/>
+      </a:fillRef>
+      <a:effectRef idx="2">
+        <a:scrgbClr r="0" g="0" b="0"/>
+      </a:effectRef>
+      <a:fontRef idx="minor">
+        <a:schemeClr val="lt1"/>
+      </a:fontRef>
+    </dgm:style>
+  </dgm:styleLbl>
+  <dgm:styleLbl name="lnNode1">
+    <dgm:scene3d>
+      <a:camera prst="orthographicFront"/>
+      <a:lightRig rig="threePt" dir="t"/>
+    </dgm:scene3d>
+    <dgm:sp3d/>
+    <dgm:txPr/>
+    <dgm:style>
+      <a:lnRef idx="1">
+        <a:scrgbClr r="0" g="0" b="0"/>
+      </a:lnRef>
+      <a:fillRef idx="3">
+        <a:scrgbClr r="0" g="0" b="0"/>
+      </a:fillRef>
+      <a:effectRef idx="2">
+        <a:scrgbClr r="0" g="0" b="0"/>
+      </a:effectRef>
+      <a:fontRef idx="minor">
+        <a:schemeClr val="lt1"/>
+      </a:fontRef>
+    </dgm:style>
+  </dgm:styleLbl>
+  <dgm:styleLbl name="vennNode1">
+    <dgm:scene3d>
+      <a:camera prst="orthographicFront"/>
+      <a:lightRig rig="threePt" dir="t"/>
+    </dgm:scene3d>
+    <dgm:sp3d/>
+    <dgm:txPr/>
+    <dgm:style>
+      <a:lnRef idx="0">
+        <a:scrgbClr r="0" g="0" b="0"/>
+      </a:lnRef>
+      <a:fillRef idx="3">
+        <a:scrgbClr r="0" g="0" b="0"/>
+      </a:fillRef>
+      <a:effectRef idx="0">
+        <a:scrgbClr r="0" g="0" b="0"/>
+      </a:effectRef>
+      <a:fontRef idx="minor">
+        <a:schemeClr val="tx1"/>
+      </a:fontRef>
+    </dgm:style>
+  </dgm:styleLbl>
+  <dgm:styleLbl name="alignNode1">
+    <dgm:scene3d>
+      <a:camera prst="orthographicFront"/>
+      <a:lightRig rig="threePt" dir="t"/>
+    </dgm:scene3d>
+    <dgm:sp3d/>
+    <dgm:txPr/>
+    <dgm:style>
+      <a:lnRef idx="1">
+        <a:scrgbClr r="0" g="0" b="0"/>
+      </a:lnRef>
+      <a:fillRef idx="3">
+        <a:scrgbClr r="0" g="0" b="0"/>
+      </a:fillRef>
+      <a:effectRef idx="2">
+        <a:scrgbClr r="0" g="0" b="0"/>
+      </a:effectRef>
+      <a:fontRef idx="minor">
+        <a:schemeClr val="lt1"/>
+      </a:fontRef>
+    </dgm:style>
+  </dgm:styleLbl>
+  <dgm:styleLbl name="node1">
+    <dgm:scene3d>
+      <a:camera prst="orthographicFront"/>
+      <a:lightRig rig="threePt" dir="t"/>
+    </dgm:scene3d>
+    <dgm:sp3d/>
+    <dgm:txPr/>
+    <dgm:style>
+      <a:lnRef idx="0">
+        <a:scrgbClr r="0" g="0" b="0"/>
+      </a:lnRef>
+      <a:fillRef idx="3">
+        <a:scrgbClr r="0" g="0" b="0"/>
+      </a:fillRef>
+      <a:effectRef idx="2">
+        <a:scrgbClr r="0" g="0" b="0"/>
+      </a:effectRef>
+      <a:fontRef idx="minor">
+        <a:schemeClr val="lt1"/>
+      </a:fontRef>
+    </dgm:style>
+  </dgm:styleLbl>
+  <dgm:styleLbl name="node2">
+    <dgm:scene3d>
+      <a:camera prst="orthographicFront"/>
+      <a:lightRig rig="threePt" dir="t"/>
+    </dgm:scene3d>
+    <dgm:sp3d/>
+    <dgm:txPr/>
+    <dgm:style>
+      <a:lnRef idx="0">
+        <a:scrgbClr r="0" g="0" b="0"/>
+      </a:lnRef>
+      <a:fillRef idx="3">
+        <a:scrgbClr r="0" g="0" b="0"/>
+      </a:fillRef>
+      <a:effectRef idx="2">
+        <a:scrgbClr r="0" g="0" b="0"/>
+      </a:effectRef>
+      <a:fontRef idx="minor">
+        <a:schemeClr val="lt1"/>
+      </a:fontRef>
+    </dgm:style>
+  </dgm:styleLbl>
+  <dgm:styleLbl name="node3">
+    <dgm:scene3d>
+      <a:camera prst="orthographicFront"/>
+      <a:lightRig rig="threePt" dir="t"/>
+    </dgm:scene3d>
+    <dgm:sp3d/>
+    <dgm:txPr/>
+    <dgm:style>
+      <a:lnRef idx="0">
+        <a:scrgbClr r="0" g="0" b="0"/>
+      </a:lnRef>
+      <a:fillRef idx="3">
+        <a:scrgbClr r="0" g="0" b="0"/>
+      </a:fillRef>
+      <a:effectRef idx="2">
+        <a:scrgbClr r="0" g="0" b="0"/>
+      </a:effectRef>
+      <a:fontRef idx="minor">
+        <a:schemeClr val="lt1"/>
+      </a:fontRef>
+    </dgm:style>
+  </dgm:styleLbl>
+  <dgm:styleLbl name="node4">
+    <dgm:scene3d>
+      <a:camera prst="orthographicFront"/>
+      <a:lightRig rig="threePt" dir="t"/>
+    </dgm:scene3d>
+    <dgm:sp3d/>
+    <dgm:txPr/>
+    <dgm:style>
+      <a:lnRef idx="0">
+        <a:scrgbClr r="0" g="0" b="0"/>
+      </a:lnRef>
+      <a:fillRef idx="3">
+        <a:scrgbClr r="0" g="0" b="0"/>
+      </a:fillRef>
+      <a:effectRef idx="2">
+        <a:scrgbClr r="0" g="0" b="0"/>
+      </a:effectRef>
+      <a:fontRef idx="minor">
+        <a:schemeClr val="lt1"/>
+      </a:fontRef>
+    </dgm:style>
+  </dgm:styleLbl>
+  <dgm:styleLbl name="fgImgPlace1">
+    <dgm:scene3d>
+      <a:camera prst="orthographicFront"/>
+      <a:lightRig rig="threePt" dir="t"/>
+    </dgm:scene3d>
+    <dgm:sp3d/>
+    <dgm:txPr/>
+    <dgm:style>
+      <a:lnRef idx="0">
+        <a:scrgbClr r="0" g="0" b="0"/>
+      </a:lnRef>
+      <a:fillRef idx="1">
+        <a:scrgbClr r="0" g="0" b="0"/>
+      </a:fillRef>
+      <a:effectRef idx="2">
+        <a:scrgbClr r="0" g="0" b="0"/>
+      </a:effectRef>
+      <a:fontRef idx="minor"/>
+    </dgm:style>
+  </dgm:styleLbl>
+  <dgm:styleLbl name="alignImgPlace1">
+    <dgm:scene3d>
+      <a:camera prst="orthographicFront"/>
+      <a:lightRig rig="threePt" dir="t"/>
+    </dgm:scene3d>
+    <dgm:sp3d/>
+    <dgm:txPr/>
+    <dgm:style>
+      <a:lnRef idx="0">
+        <a:scrgbClr r="0" g="0" b="0"/>
+      </a:lnRef>
+      <a:fillRef idx="1">
+        <a:scrgbClr r="0" g="0" b="0"/>
+      </a:fillRef>
+      <a:effectRef idx="2">
+        <a:scrgbClr r="0" g="0" b="0"/>
+      </a:effectRef>
+      <a:fontRef idx="minor"/>
+    </dgm:style>
+  </dgm:styleLbl>
+  <dgm:styleLbl name="bgImgPlace1">
+    <dgm:scene3d>
+      <a:camera prst="orthographicFront"/>
+      <a:lightRig rig="threePt" dir="t"/>
+    </dgm:scene3d>
+    <dgm:sp3d/>
+    <dgm:txPr/>
+    <dgm:style>
+      <a:lnRef idx="0">
+        <a:scrgbClr r="0" g="0" b="0"/>
+      </a:lnRef>
+      <a:fillRef idx="1">
+        <a:scrgbClr r="0" g="0" b="0"/>
+      </a:fillRef>
+      <a:effectRef idx="2">
+        <a:scrgbClr r="0" g="0" b="0"/>
+      </a:effectRef>
+      <a:fontRef idx="minor"/>
+    </dgm:style>
+  </dgm:styleLbl>
+  <dgm:styleLbl name="sibTrans2D1">
+    <dgm:scene3d>
+      <a:camera prst="orthographicFront"/>
+      <a:lightRig rig="threePt" dir="t"/>
+    </dgm:scene3d>
+    <dgm:sp3d/>
+    <dgm:txPr/>
+    <dgm:style>
+      <a:lnRef idx="0">
+        <a:scrgbClr r="0" g="0" b="0"/>
+      </a:lnRef>
+      <a:fillRef idx="3">
+        <a:scrgbClr r="0" g="0" b="0"/>
+      </a:fillRef>
+      <a:effectRef idx="2">
+        <a:scrgbClr r="0" g="0" b="0"/>
+      </a:effectRef>
+      <a:fontRef idx="minor">
+        <a:schemeClr val="lt1"/>
+      </a:fontRef>
+    </dgm:style>
+  </dgm:styleLbl>
+  <dgm:styleLbl name="fgSibTrans2D1">
+    <dgm:scene3d>
+      <a:camera prst="orthographicFront"/>
+      <a:lightRig rig="threePt" dir="t"/>
+    </dgm:scene3d>
+    <dgm:sp3d/>
+    <dgm:txPr/>
+    <dgm:style>
+      <a:lnRef idx="0">
+        <a:scrgbClr r="0" g="0" b="0"/>
+      </a:lnRef>
+      <a:fillRef idx="3">
+        <a:scrgbClr r="0" g="0" b="0"/>
+      </a:fillRef>
+      <a:effectRef idx="2">
+        <a:scrgbClr r="0" g="0" b="0"/>
+      </a:effectRef>
+      <a:fontRef idx="minor">
+        <a:schemeClr val="lt1"/>
+      </a:fontRef>
+    </dgm:style>
+  </dgm:styleLbl>
+  <dgm:styleLbl name="bgSibTrans2D1">
+    <dgm:scene3d>
+      <a:camera prst="orthographicFront"/>
+      <a:lightRig rig="threePt" dir="t"/>
+    </dgm:scene3d>
+    <dgm:sp3d/>
+    <dgm:txPr/>
+    <dgm:style>
+      <a:lnRef idx="0">
+        <a:scrgbClr r="0" g="0" b="0"/>
+      </a:lnRef>
+      <a:fillRef idx="3">
+        <a:scrgbClr r="0" g="0" b="0"/>
+      </a:fillRef>
+      <a:effectRef idx="2">
+        <a:scrgbClr r="0" g="0" b="0"/>
+      </a:effectRef>
+      <a:fontRef idx="minor">
+        <a:schemeClr val="lt1"/>
+      </a:fontRef>
+    </dgm:style>
+  </dgm:styleLbl>
+  <dgm:styleLbl name="sibTrans1D1">
+    <dgm:scene3d>
+      <a:camera prst="orthographicFront"/>
+      <a:lightRig rig="threePt" dir="t"/>
+    </dgm:scene3d>
+    <dgm:sp3d/>
+    <dgm:txPr/>
+    <dgm:style>
+      <a:lnRef idx="1">
+        <a:scrgbClr r="0" g="0" b="0"/>
+      </a:lnRef>
+      <a:fillRef idx="0">
+        <a:scrgbClr r="0" g="0" b="0"/>
+      </a:fillRef>
+      <a:effectRef idx="0">
+        <a:scrgbClr r="0" g="0" b="0"/>
+      </a:effectRef>
+      <a:fontRef idx="minor"/>
+    </dgm:style>
+  </dgm:styleLbl>
+  <dgm:styleLbl name="callout">
+    <dgm:scene3d>
+      <a:camera prst="orthographicFront"/>
+      <a:lightRig rig="threePt" dir="t"/>
+    </dgm:scene3d>
+    <dgm:sp3d/>
+    <dgm:txPr/>
+    <dgm:style>
+      <a:lnRef idx="2">
+        <a:scrgbClr r="0" g="0" b="0"/>
+      </a:lnRef>
+      <a:fillRef idx="1">
+        <a:scrgbClr r="0" g="0" b="0"/>
+      </a:fillRef>
+      <a:effectRef idx="1">
+        <a:scrgbClr r="0" g="0" b="0"/>
+      </a:effectRef>
+      <a:fontRef idx="minor"/>
+    </dgm:style>
+  </dgm:styleLbl>
+  <dgm:styleLbl name="asst0">
+    <dgm:scene3d>
+      <a:camera prst="orthographicFront"/>
+      <a:lightRig rig="threePt" dir="t"/>
+    </dgm:scene3d>
+    <dgm:sp3d/>
+    <dgm:txPr/>
+    <dgm:style>
+      <a:lnRef idx="0">
+        <a:scrgbClr r="0" g="0" b="0"/>
+      </a:lnRef>
+      <a:fillRef idx="3">
+        <a:scrgbClr r="0" g="0" b="0"/>
+      </a:fillRef>
+      <a:effectRef idx="2">
+        <a:scrgbClr r="0" g="0" b="0"/>
+      </a:effectRef>
+      <a:fontRef idx="minor">
+        <a:schemeClr val="lt1"/>
+      </a:fontRef>
+    </dgm:style>
+  </dgm:styleLbl>
+  <dgm:styleLbl name="asst1">
+    <dgm:scene3d>
+      <a:camera prst="orthographicFront"/>
+      <a:lightRig rig="threePt" dir="t"/>
+    </dgm:scene3d>
+    <dgm:sp3d/>
+    <dgm:txPr/>
+    <dgm:style>
+      <a:lnRef idx="0">
+        <a:scrgbClr r="0" g="0" b="0"/>
+      </a:lnRef>
+      <a:fillRef idx="3">
+        <a:scrgbClr r="0" g="0" b="0"/>
+      </a:fillRef>
+      <a:effectRef idx="2">
+        <a:scrgbClr r="0" g="0" b="0"/>
+      </a:effectRef>
+      <a:fontRef idx="minor">
+        <a:schemeClr val="lt1"/>
+      </a:fontRef>
+    </dgm:style>
+  </dgm:styleLbl>
+  <dgm:styleLbl name="asst2">
+    <dgm:scene3d>
+      <a:camera prst="orthographicFront"/>
+      <a:lightRig rig="threePt" dir="t"/>
+    </dgm:scene3d>
+    <dgm:sp3d/>
+    <dgm:txPr/>
+    <dgm:style>
+      <a:lnRef idx="0">
+        <a:scrgbClr r="0" g="0" b="0"/>
+      </a:lnRef>
+      <a:fillRef idx="3">
+        <a:scrgbClr r="0" g="0" b="0"/>
+      </a:fillRef>
+      <a:effectRef idx="2">
+        <a:scrgbClr r="0" g="0" b="0"/>
+      </a:effectRef>
+      <a:fontRef idx="minor">
+        <a:schemeClr val="lt1"/>
+      </a:fontRef>
+    </dgm:style>
+  </dgm:styleLbl>
+  <dgm:styleLbl name="asst3">
+    <dgm:scene3d>
+      <a:camera prst="orthographicFront"/>
+      <a:lightRig rig="threePt" dir="t"/>
+    </dgm:scene3d>
+    <dgm:sp3d/>
+    <dgm:txPr/>
+    <dgm:style>
+      <a:lnRef idx="0">
+        <a:scrgbClr r="0" g="0" b="0"/>
+      </a:lnRef>
+      <a:fillRef idx="3">
+        <a:scrgbClr r="0" g="0" b="0"/>
+      </a:fillRef>
+      <a:effectRef idx="2">
+        <a:scrgbClr r="0" g="0" b="0"/>
+      </a:effectRef>
+      <a:fontRef idx="minor">
+        <a:schemeClr val="lt1"/>
+      </a:fontRef>
+    </dgm:style>
+  </dgm:styleLbl>
+  <dgm:styleLbl name="asst4">
+    <dgm:scene3d>
+      <a:camera prst="orthographicFront"/>
+      <a:lightRig rig="threePt" dir="t"/>
+    </dgm:scene3d>
+    <dgm:sp3d/>
+    <dgm:txPr/>
+    <dgm:style>
+      <a:lnRef idx="0">
+        <a:scrgbClr r="0" g="0" b="0"/>
+      </a:lnRef>
+      <a:fillRef idx="3">
+        <a:scrgbClr r="0" g="0" b="0"/>
+      </a:fillRef>
+      <a:effectRef idx="2">
+        <a:scrgbClr r="0" g="0" b="0"/>
+      </a:effectRef>
+      <a:fontRef idx="minor">
+        <a:schemeClr val="lt1"/>
+      </a:fontRef>
+    </dgm:style>
+  </dgm:styleLbl>
+  <dgm:styleLbl name="parChTrans2D1">
+    <dgm:scene3d>
+      <a:camera prst="orthographicFront"/>
+      <a:lightRig rig="threePt" dir="t"/>
+    </dgm:scene3d>
+    <dgm:sp3d/>
+    <dgm:txPr/>
+    <dgm:style>
+      <a:lnRef idx="0">
+        <a:scrgbClr r="0" g="0" b="0"/>
+      </a:lnRef>
+      <a:fillRef idx="3">
+        <a:scrgbClr r="0" g="0" b="0"/>
+      </a:fillRef>
+      <a:effectRef idx="2">
+        <a:scrgbClr r="0" g="0" b="0"/>
+      </a:effectRef>
+      <a:fontRef idx="minor">
+        <a:schemeClr val="lt1"/>
+      </a:fontRef>
+    </dgm:style>
+  </dgm:styleLbl>
+  <dgm:styleLbl name="parChTrans2D2">
+    <dgm:scene3d>
+      <a:camera prst="orthographicFront"/>
+      <a:lightRig rig="threePt" dir="t"/>
+    </dgm:scene3d>
+    <dgm:sp3d/>
+    <dgm:txPr/>
+    <dgm:style>
+      <a:lnRef idx="0">
+        <a:scrgbClr r="0" g="0" b="0"/>
+      </a:lnRef>
+      <a:fillRef idx="3">
+        <a:scrgbClr r="0" g="0" b="0"/>
+      </a:fillRef>
+      <a:effectRef idx="2">
+        <a:scrgbClr r="0" g="0" b="0"/>
+      </a:effectRef>
+      <a:fontRef idx="minor">
+        <a:schemeClr val="lt1"/>
+      </a:fontRef>
+    </dgm:style>
+  </dgm:styleLbl>
+  <dgm:styleLbl name="parChTrans2D3">
+    <dgm:scene3d>
+      <a:camera prst="orthographicFront"/>
+      <a:lightRig rig="threePt" dir="t"/>
+    </dgm:scene3d>
+    <dgm:sp3d/>
+    <dgm:txPr/>
+    <dgm:style>
+      <a:lnRef idx="1">
+        <a:scrgbClr r="0" g="0" b="0"/>
+      </a:lnRef>
+      <a:fillRef idx="3">
+        <a:scrgbClr r="0" g="0" b="0"/>
+      </a:fillRef>
+      <a:effectRef idx="2">
+        <a:scrgbClr r="0" g="0" b="0"/>
+      </a:effectRef>
+      <a:fontRef idx="minor">
+        <a:schemeClr val="lt1"/>
+      </a:fontRef>
+    </dgm:style>
+  </dgm:styleLbl>
+  <dgm:styleLbl name="parChTrans2D4">
+    <dgm:scene3d>
+      <a:camera prst="orthographicFront"/>
+      <a:lightRig rig="threePt" dir="t"/>
+    </dgm:scene3d>
+    <dgm:sp3d/>
+    <dgm:txPr/>
+    <dgm:style>
+      <a:lnRef idx="1">
+        <a:scrgbClr r="0" g="0" b="0"/>
+      </a:lnRef>
+      <a:fillRef idx="3">
+        <a:scrgbClr r="0" g="0" b="0"/>
+      </a:fillRef>
+      <a:effectRef idx="2">
+        <a:scrgbClr r="0" g="0" b="0"/>
+      </a:effectRef>
+      <a:fontRef idx="minor">
+        <a:schemeClr val="lt1"/>
+      </a:fontRef>
+    </dgm:style>
+  </dgm:styleLbl>
+  <dgm:styleLbl name="parChTrans1D1">
+    <dgm:scene3d>
+      <a:camera prst="orthographicFront"/>
+      <a:lightRig rig="threePt" dir="t"/>
+    </dgm:scene3d>
+    <dgm:sp3d/>
+    <dgm:txPr/>
+    <dgm:style>
+      <a:lnRef idx="1">
+        <a:scrgbClr r="0" g="0" b="0"/>
+      </a:lnRef>
+      <a:fillRef idx="0">
+        <a:scrgbClr r="0" g="0" b="0"/>
+      </a:fillRef>
+      <a:effectRef idx="0">
+        <a:scrgbClr r="0" g="0" b="0"/>
+      </a:effectRef>
+      <a:fontRef idx="minor"/>
+    </dgm:style>
+  </dgm:styleLbl>
+  <dgm:styleLbl name="parChTrans1D2">
+    <dgm:scene3d>
+      <a:camera prst="orthographicFront"/>
+      <a:lightRig rig="threePt" dir="t"/>
+    </dgm:scene3d>
+    <dgm:sp3d/>
+    <dgm:txPr/>
+    <dgm:style>
+      <a:lnRef idx="1">
+        <a:scrgbClr r="0" g="0" b="0"/>
+      </a:lnRef>
+      <a:fillRef idx="0">
+        <a:scrgbClr r="0" g="0" b="0"/>
+      </a:fillRef>
+      <a:effectRef idx="0">
+        <a:scrgbClr r="0" g="0" b="0"/>
+      </a:effectRef>
+      <a:fontRef idx="minor"/>
+    </dgm:style>
+  </dgm:styleLbl>
+  <dgm:styleLbl name="parChTrans1D3">
+    <dgm:scene3d>
+      <a:camera prst="orthographicFront"/>
+      <a:lightRig rig="threePt" dir="t"/>
+    </dgm:scene3d>
+    <dgm:sp3d/>
+    <dgm:txPr/>
+    <dgm:style>
+      <a:lnRef idx="1">
+        <a:scrgbClr r="0" g="0" b="0"/>
+      </a:lnRef>
+      <a:fillRef idx="0">
+        <a:scrgbClr r="0" g="0" b="0"/>
+      </a:fillRef>
+      <a:effectRef idx="0">
+        <a:scrgbClr r="0" g="0" b="0"/>
+      </a:effectRef>
+      <a:fontRef idx="minor"/>
+    </dgm:style>
+  </dgm:styleLbl>
+  <dgm:styleLbl name="parChTrans1D4">
+    <dgm:scene3d>
+      <a:camera prst="orthographicFront"/>
+      <a:lightRig rig="threePt" dir="t"/>
+    </dgm:scene3d>
+    <dgm:sp3d/>
+    <dgm:txPr/>
+    <dgm:style>
+      <a:lnRef idx="1">
+        <a:scrgbClr r="0" g="0" b="0"/>
+      </a:lnRef>
+      <a:fillRef idx="0">
+        <a:scrgbClr r="0" g="0" b="0"/>
+      </a:fillRef>
+      <a:effectRef idx="0">
+        <a:scrgbClr r="0" g="0" b="0"/>
+      </a:effectRef>
+      <a:fontRef idx="minor"/>
+    </dgm:style>
+  </dgm:styleLbl>
+  <dgm:styleLbl name="fgAcc1">
+    <dgm:scene3d>
+      <a:camera prst="orthographicFront"/>
+      <a:lightRig rig="threePt" dir="t"/>
+    </dgm:scene3d>
+    <dgm:sp3d/>
+    <dgm:txPr/>
+    <dgm:style>
+      <a:lnRef idx="1">
+        <a:scrgbClr r="0" g="0" b="0"/>
+      </a:lnRef>
+      <a:fillRef idx="1">
+        <a:scrgbClr r="0" g="0" b="0"/>
+      </a:fillRef>
+      <a:effectRef idx="0">
+        <a:scrgbClr r="0" g="0" b="0"/>
+      </a:effectRef>
+      <a:fontRef idx="minor"/>
+    </dgm:style>
+  </dgm:styleLbl>
+  <dgm:styleLbl name="conFgAcc1">
+    <dgm:scene3d>
+      <a:camera prst="orthographicFront"/>
+      <a:lightRig rig="threePt" dir="t"/>
+    </dgm:scene3d>
+    <dgm:sp3d/>
+    <dgm:txPr/>
+    <dgm:style>
+      <a:lnRef idx="1">
+        <a:scrgbClr r="0" g="0" b="0"/>
+      </a:lnRef>
+      <a:fillRef idx="1">
+        <a:scrgbClr r="0" g="0" b="0"/>
+      </a:fillRef>
+      <a:effectRef idx="0">
+        <a:scrgbClr r="0" g="0" b="0"/>
+      </a:effectRef>
+      <a:fontRef idx="minor"/>
+    </dgm:style>
+  </dgm:styleLbl>
+  <dgm:styleLbl name="alignAcc1">
+    <dgm:scene3d>
+      <a:camera prst="orthographicFront"/>
+      <a:lightRig rig="threePt" dir="t"/>
+    </dgm:scene3d>
+    <dgm:sp3d/>
+    <dgm:txPr/>
+    <dgm:style>
+      <a:lnRef idx="1">
+        <a:scrgbClr r="0" g="0" b="0"/>
+      </a:lnRef>
+      <a:fillRef idx="1">
+        <a:scrgbClr r="0" g="0" b="0"/>
+      </a:fillRef>
+      <a:effectRef idx="0">
+        <a:scrgbClr r="0" g="0" b="0"/>
+      </a:effectRef>
+      <a:fontRef idx="minor"/>
+    </dgm:style>
+  </dgm:styleLbl>
+  <dgm:styleLbl name="trAlignAcc1">
+    <dgm:scene3d>
+      <a:camera prst="orthographicFront"/>
+      <a:lightRig rig="threePt" dir="t"/>
+    </dgm:scene3d>
+    <dgm:sp3d/>
+    <dgm:txPr/>
+    <dgm:style>
+      <a:lnRef idx="1">
+        <a:scrgbClr r="0" g="0" b="0"/>
+      </a:lnRef>
+      <a:fillRef idx="1">
+        <a:scrgbClr r="0" g="0" b="0"/>
+      </a:fillRef>
+      <a:effectRef idx="0">
+        <a:scrgbClr r="0" g="0" b="0"/>
+      </a:effectRef>
+      <a:fontRef idx="minor"/>
+    </dgm:style>
+  </dgm:styleLbl>
+  <dgm:styleLbl name="bgAcc1">
+    <dgm:scene3d>
+      <a:camera prst="orthographicFront"/>
+      <a:lightRig rig="threePt" dir="t"/>
+    </dgm:scene3d>
+    <dgm:sp3d/>
+    <dgm:txPr/>
+    <dgm:style>
+      <a:lnRef idx="1">
+        <a:scrgbClr r="0" g="0" b="0"/>
+      </a:lnRef>
+      <a:fillRef idx="1">
+        <a:scrgbClr r="0" g="0" b="0"/>
+      </a:fillRef>
+      <a:effectRef idx="0">
+        <a:scrgbClr r="0" g="0" b="0"/>
+      </a:effectRef>
+      <a:fontRef idx="minor"/>
+    </dgm:style>
+  </dgm:styleLbl>
+  <dgm:styleLbl name="solidFgAcc1">
+    <dgm:scene3d>
+      <a:camera prst="orthographicFront"/>
+      <a:lightRig rig="threePt" dir="t"/>
+    </dgm:scene3d>
+    <dgm:sp3d/>
+    <dgm:txPr/>
+    <dgm:style>
+      <a:lnRef idx="1">
+        <a:scrgbClr r="0" g="0" b="0"/>
+      </a:lnRef>
+      <a:fillRef idx="1">
+        <a:scrgbClr r="0" g="0" b="0"/>
+      </a:fillRef>
+      <a:effectRef idx="0">
+        <a:scrgbClr r="0" g="0" b="0"/>
+      </a:effectRef>
+      <a:fontRef idx="minor"/>
+    </dgm:style>
+  </dgm:styleLbl>
+  <dgm:styleLbl name="solidAlignAcc1">
+    <dgm:scene3d>
+      <a:camera prst="orthographicFront"/>
+      <a:lightRig rig="threePt" dir="t"/>
+    </dgm:scene3d>
+    <dgm:sp3d/>
+    <dgm:txPr/>
+    <dgm:style>
+      <a:lnRef idx="1">
+        <a:scrgbClr r="0" g="0" b="0"/>
+      </a:lnRef>
+      <a:fillRef idx="1">
+        <a:scrgbClr r="0" g="0" b="0"/>
+      </a:fillRef>
+      <a:effectRef idx="0">
+        <a:scrgbClr r="0" g="0" b="0"/>
+      </a:effectRef>
+      <a:fontRef idx="minor"/>
+    </dgm:style>
+  </dgm:styleLbl>
+  <dgm:styleLbl name="solidBgAcc1">
+    <dgm:scene3d>
+      <a:camera prst="orthographicFront"/>
+      <a:lightRig rig="threePt" dir="t"/>
+    </dgm:scene3d>
+    <dgm:sp3d/>
+    <dgm:txPr/>
+    <dgm:style>
+      <a:lnRef idx="1">
+        <a:scrgbClr r="0" g="0" b="0"/>
+      </a:lnRef>
+      <a:fillRef idx="1">
+        <a:scrgbClr r="0" g="0" b="0"/>
+      </a:fillRef>
+      <a:effectRef idx="0">
+        <a:scrgbClr r="0" g="0" b="0"/>
+      </a:effectRef>
+      <a:fontRef idx="minor"/>
+    </dgm:style>
+  </dgm:styleLbl>
+  <dgm:styleLbl name="fgAccFollowNode1">
+    <dgm:scene3d>
+      <a:camera prst="orthographicFront"/>
+      <a:lightRig rig="threePt" dir="t"/>
+    </dgm:scene3d>
+    <dgm:sp3d/>
+    <dgm:txPr/>
+    <dgm:style>
+      <a:lnRef idx="1">
+        <a:scrgbClr r="0" g="0" b="0"/>
+      </a:lnRef>
+      <a:fillRef idx="1">
+        <a:scrgbClr r="0" g="0" b="0"/>
+      </a:fillRef>
+      <a:effectRef idx="0">
+        <a:scrgbClr r="0" g="0" b="0"/>
+      </a:effectRef>
+      <a:fontRef idx="minor"/>
+    </dgm:style>
+  </dgm:styleLbl>
+  <dgm:styleLbl name="alignAccFollowNode1">
+    <dgm:scene3d>
+      <a:camera prst="orthographicFront"/>
+      <a:lightRig rig="threePt" dir="t"/>
+    </dgm:scene3d>
+    <dgm:sp3d/>
+    <dgm:txPr/>
+    <dgm:style>
+      <a:lnRef idx="1">
+        <a:scrgbClr r="0" g="0" b="0"/>
+      </a:lnRef>
+      <a:fillRef idx="1">
+        <a:scrgbClr r="0" g="0" b="0"/>
+      </a:fillRef>
+      <a:effectRef idx="0">
+        <a:scrgbClr r="0" g="0" b="0"/>
+      </a:effectRef>
+      <a:fontRef idx="minor"/>
+    </dgm:style>
+  </dgm:styleLbl>
+  <dgm:styleLbl name="bgAccFollowNode1">
+    <dgm:scene3d>
+      <a:camera prst="orthographicFront"/>
+      <a:lightRig rig="threePt" dir="t"/>
+    </dgm:scene3d>
+    <dgm:sp3d/>
+    <dgm:txPr/>
+    <dgm:style>
+      <a:lnRef idx="1">
+        <a:scrgbClr r="0" g="0" b="0"/>
+      </a:lnRef>
+      <a:fillRef idx="1">
+        <a:scrgbClr r="0" g="0" b="0"/>
+      </a:fillRef>
+      <a:effectRef idx="0">
+        <a:scrgbClr r="0" g="0" b="0"/>
+      </a:effectRef>
+      <a:fontRef idx="minor"/>
+    </dgm:style>
+  </dgm:styleLbl>
+  <dgm:styleLbl name="fgAcc0">
+    <dgm:scene3d>
+      <a:camera prst="orthographicFront"/>
+      <a:lightRig rig="threePt" dir="t"/>
+    </dgm:scene3d>
+    <dgm:sp3d/>
+    <dgm:txPr/>
+    <dgm:style>
+      <a:lnRef idx="1">
+        <a:scrgbClr r="0" g="0" b="0"/>
+      </a:lnRef>
+      <a:fillRef idx="1">
+        <a:scrgbClr r="0" g="0" b="0"/>
+      </a:fillRef>
+      <a:effectRef idx="0">
+        <a:scrgbClr r="0" g="0" b="0"/>
+      </a:effectRef>
+      <a:fontRef idx="minor"/>
+    </dgm:style>
+  </dgm:styleLbl>
+  <dgm:styleLbl name="fgAcc2">
+    <dgm:scene3d>
+      <a:camera prst="orthographicFront"/>
+      <a:lightRig rig="threePt" dir="t"/>
+    </dgm:scene3d>
+    <dgm:sp3d/>
+    <dgm:txPr/>
+    <dgm:style>
+      <a:lnRef idx="1">
+        <a:scrgbClr r="0" g="0" b="0"/>
+      </a:lnRef>
+      <a:fillRef idx="1">
+        <a:scrgbClr r="0" g="0" b="0"/>
+      </a:fillRef>
+      <a:effectRef idx="0">
+        <a:scrgbClr r="0" g="0" b="0"/>
+      </a:effectRef>
+      <a:fontRef idx="minor"/>
+    </dgm:style>
+  </dgm:styleLbl>
+  <dgm:styleLbl name="fgAcc3">
+    <dgm:scene3d>
+      <a:camera prst="orthographicFront"/>
+      <a:lightRig rig="threePt" dir="t"/>
+    </dgm:scene3d>
+    <dgm:sp3d/>
+    <dgm:txPr/>
+    <dgm:style>
+      <a:lnRef idx="1">
+        <a:scrgbClr r="0" g="0" b="0"/>
+      </a:lnRef>
+      <a:fillRef idx="1">
+        <a:scrgbClr r="0" g="0" b="0"/>
+      </a:fillRef>
+      <a:effectRef idx="0">
+        <a:scrgbClr r="0" g="0" b="0"/>
+      </a:effectRef>
+      <a:fontRef idx="minor"/>
+    </dgm:style>
+  </dgm:styleLbl>
+  <dgm:styleLbl name="fgAcc4">
+    <dgm:scene3d>
+      <a:camera prst="orthographicFront"/>
+      <a:lightRig rig="threePt" dir="t"/>
+    </dgm:scene3d>
+    <dgm:sp3d/>
+    <dgm:txPr/>
+    <dgm:style>
+      <a:lnRef idx="1">
+        <a:scrgbClr r="0" g="0" b="0"/>
+      </a:lnRef>
+      <a:fillRef idx="1">
+        <a:scrgbClr r="0" g="0" b="0"/>
+      </a:fillRef>
+      <a:effectRef idx="0">
+        <a:scrgbClr r="0" g="0" b="0"/>
+      </a:effectRef>
+      <a:fontRef idx="minor"/>
+    </dgm:style>
+  </dgm:styleLbl>
+  <dgm:styleLbl name="bgShp">
+    <dgm:scene3d>
+      <a:camera prst="orthographicFront"/>
+      <a:lightRig rig="threePt" dir="t"/>
+    </dgm:scene3d>
+    <dgm:sp3d/>
+    <dgm:txPr/>
+    <dgm:style>
+      <a:lnRef idx="0">
+        <a:scrgbClr r="0" g="0" b="0"/>
+      </a:lnRef>
+      <a:fillRef idx="1">
+        <a:scrgbClr r="0" g="0" b="0"/>
+      </a:fillRef>
+      <a:effectRef idx="2">
+        <a:scrgbClr r="0" g="0" b="0"/>
+      </a:effectRef>
+      <a:fontRef idx="minor"/>
+    </dgm:style>
+  </dgm:styleLbl>
+  <dgm:styleLbl name="dkBgShp">
+    <dgm:scene3d>
+      <a:camera prst="orthographicFront"/>
+      <a:lightRig rig="threePt" dir="t"/>
+    </dgm:scene3d>
+    <dgm:sp3d/>
+    <dgm:txPr/>
+    <dgm:style>
+      <a:lnRef idx="0">
+        <a:scrgbClr r="0" g="0" b="0"/>
+      </a:lnRef>
+      <a:fillRef idx="1">
+        <a:scrgbClr r="0" g="0" b="0"/>
+      </a:fillRef>
+      <a:effectRef idx="2">
+        <a:scrgbClr r="0" g="0" b="0"/>
+      </a:effectRef>
+      <a:fontRef idx="minor"/>
+    </dgm:style>
+  </dgm:styleLbl>
+  <dgm:styleLbl name="trBgShp">
+    <dgm:scene3d>
+      <a:camera prst="orthographicFront"/>
+      <a:lightRig rig="threePt" dir="t"/>
+    </dgm:scene3d>
+    <dgm:sp3d/>
+    <dgm:txPr/>
+    <dgm:style>
+      <a:lnRef idx="0">
+        <a:scrgbClr r="0" g="0" b="0"/>
+      </a:lnRef>
+      <a:fillRef idx="1">
+        <a:scrgbClr r="0" g="0" b="0"/>
+      </a:fillRef>
+      <a:effectRef idx="0">
+        <a:scrgbClr r="0" g="0" b="0"/>
+      </a:effectRef>
+      <a:fontRef idx="minor"/>
+    </dgm:style>
+  </dgm:styleLbl>
+  <dgm:styleLbl name="fgShp">
+    <dgm:scene3d>
+      <a:camera prst="orthographicFront"/>
+      <a:lightRig rig="threePt" dir="t"/>
+    </dgm:scene3d>
+    <dgm:sp3d/>
+    <dgm:txPr/>
+    <dgm:style>
+      <a:lnRef idx="0">
+        <a:scrgbClr r="0" g="0" b="0"/>
+      </a:lnRef>
+      <a:fillRef idx="3">
+        <a:scrgbClr r="0" g="0" b="0"/>
+      </a:fillRef>
+      <a:effectRef idx="2">
         <a:scrgbClr r="0" g="0" b="0"/>
       </a:effectRef>
       <a:fontRef idx="minor"/>
@@ -5813,7 +9042,7 @@
               <a:rPr lang="en-US" smtClean="0"/>
               <a:t>12-Apr-22</a:t>
             </a:fld>
-            <a:endParaRPr lang="en-US"/>
+            <a:endParaRPr lang="en-US" dirty="0"/>
           </a:p>
         </p:txBody>
       </p:sp>
@@ -5838,7 +9067,7 @@
           <a:bodyPr/>
           <a:lstStyle/>
           <a:p>
-            <a:endParaRPr lang="en-US"/>
+            <a:endParaRPr lang="en-US" dirty="0"/>
           </a:p>
         </p:txBody>
       </p:sp>
@@ -5867,7 +9096,7 @@
               <a:rPr lang="en-US" smtClean="0"/>
               <a:t>‹#›</a:t>
             </a:fld>
-            <a:endParaRPr lang="en-US"/>
+            <a:endParaRPr lang="en-US" dirty="0"/>
           </a:p>
         </p:txBody>
       </p:sp>
@@ -6011,7 +9240,7 @@
               <a:rPr lang="en-US" smtClean="0"/>
               <a:t>12-Apr-22</a:t>
             </a:fld>
-            <a:endParaRPr lang="en-US"/>
+            <a:endParaRPr lang="en-US" dirty="0"/>
           </a:p>
         </p:txBody>
       </p:sp>
@@ -6036,7 +9265,7 @@
           <a:bodyPr/>
           <a:lstStyle/>
           <a:p>
-            <a:endParaRPr lang="en-US"/>
+            <a:endParaRPr lang="en-US" dirty="0"/>
           </a:p>
         </p:txBody>
       </p:sp>
@@ -6065,7 +9294,7 @@
               <a:rPr lang="en-US" smtClean="0"/>
               <a:t>‹#›</a:t>
             </a:fld>
-            <a:endParaRPr lang="en-US"/>
+            <a:endParaRPr lang="en-US" dirty="0"/>
           </a:p>
         </p:txBody>
       </p:sp>
@@ -6219,7 +9448,7 @@
               <a:rPr lang="en-US" smtClean="0"/>
               <a:t>12-Apr-22</a:t>
             </a:fld>
-            <a:endParaRPr lang="en-US"/>
+            <a:endParaRPr lang="en-US" dirty="0"/>
           </a:p>
         </p:txBody>
       </p:sp>
@@ -6244,7 +9473,7 @@
           <a:bodyPr/>
           <a:lstStyle/>
           <a:p>
-            <a:endParaRPr lang="en-US"/>
+            <a:endParaRPr lang="en-US" dirty="0"/>
           </a:p>
         </p:txBody>
       </p:sp>
@@ -6273,7 +9502,7 @@
               <a:rPr lang="en-US" smtClean="0"/>
               <a:t>‹#›</a:t>
             </a:fld>
-            <a:endParaRPr lang="en-US"/>
+            <a:endParaRPr lang="en-US" dirty="0"/>
           </a:p>
         </p:txBody>
       </p:sp>
@@ -6417,7 +9646,7 @@
               <a:rPr lang="en-US" smtClean="0"/>
               <a:t>12-Apr-22</a:t>
             </a:fld>
-            <a:endParaRPr lang="en-US"/>
+            <a:endParaRPr lang="en-US" dirty="0"/>
           </a:p>
         </p:txBody>
       </p:sp>
@@ -6442,7 +9671,7 @@
           <a:bodyPr/>
           <a:lstStyle/>
           <a:p>
-            <a:endParaRPr lang="en-US"/>
+            <a:endParaRPr lang="en-US" dirty="0"/>
           </a:p>
         </p:txBody>
       </p:sp>
@@ -6471,7 +9700,7 @@
               <a:rPr lang="en-US" smtClean="0"/>
               <a:t>‹#›</a:t>
             </a:fld>
-            <a:endParaRPr lang="en-US"/>
+            <a:endParaRPr lang="en-US" dirty="0"/>
           </a:p>
         </p:txBody>
       </p:sp>
@@ -6692,7 +9921,7 @@
               <a:rPr lang="en-US" smtClean="0"/>
               <a:t>12-Apr-22</a:t>
             </a:fld>
-            <a:endParaRPr lang="en-US"/>
+            <a:endParaRPr lang="en-US" dirty="0"/>
           </a:p>
         </p:txBody>
       </p:sp>
@@ -6717,7 +9946,7 @@
           <a:bodyPr/>
           <a:lstStyle/>
           <a:p>
-            <a:endParaRPr lang="en-US"/>
+            <a:endParaRPr lang="en-US" dirty="0"/>
           </a:p>
         </p:txBody>
       </p:sp>
@@ -6746,7 +9975,7 @@
               <a:rPr lang="en-US" smtClean="0"/>
               <a:t>‹#›</a:t>
             </a:fld>
-            <a:endParaRPr lang="en-US"/>
+            <a:endParaRPr lang="en-US" dirty="0"/>
           </a:p>
         </p:txBody>
       </p:sp>
@@ -6957,7 +10186,7 @@
               <a:rPr lang="en-US" smtClean="0"/>
               <a:t>12-Apr-22</a:t>
             </a:fld>
-            <a:endParaRPr lang="en-US"/>
+            <a:endParaRPr lang="en-US" dirty="0"/>
           </a:p>
         </p:txBody>
       </p:sp>
@@ -6982,7 +10211,7 @@
           <a:bodyPr/>
           <a:lstStyle/>
           <a:p>
-            <a:endParaRPr lang="en-US"/>
+            <a:endParaRPr lang="en-US" dirty="0"/>
           </a:p>
         </p:txBody>
       </p:sp>
@@ -7011,7 +10240,7 @@
               <a:rPr lang="en-US" smtClean="0"/>
               <a:t>‹#›</a:t>
             </a:fld>
-            <a:endParaRPr lang="en-US"/>
+            <a:endParaRPr lang="en-US" dirty="0"/>
           </a:p>
         </p:txBody>
       </p:sp>
@@ -7369,7 +10598,7 @@
               <a:rPr lang="en-US" smtClean="0"/>
               <a:t>12-Apr-22</a:t>
             </a:fld>
-            <a:endParaRPr lang="en-US"/>
+            <a:endParaRPr lang="en-US" dirty="0"/>
           </a:p>
         </p:txBody>
       </p:sp>
@@ -7394,7 +10623,7 @@
           <a:bodyPr/>
           <a:lstStyle/>
           <a:p>
-            <a:endParaRPr lang="en-US"/>
+            <a:endParaRPr lang="en-US" dirty="0"/>
           </a:p>
         </p:txBody>
       </p:sp>
@@ -7423,7 +10652,7 @@
               <a:rPr lang="en-US" smtClean="0"/>
               <a:t>‹#›</a:t>
             </a:fld>
-            <a:endParaRPr lang="en-US"/>
+            <a:endParaRPr lang="en-US" dirty="0"/>
           </a:p>
         </p:txBody>
       </p:sp>
@@ -7510,7 +10739,7 @@
               <a:rPr lang="en-US" smtClean="0"/>
               <a:t>12-Apr-22</a:t>
             </a:fld>
-            <a:endParaRPr lang="en-US"/>
+            <a:endParaRPr lang="en-US" dirty="0"/>
           </a:p>
         </p:txBody>
       </p:sp>
@@ -7535,7 +10764,7 @@
           <a:bodyPr/>
           <a:lstStyle/>
           <a:p>
-            <a:endParaRPr lang="en-US"/>
+            <a:endParaRPr lang="en-US" dirty="0"/>
           </a:p>
         </p:txBody>
       </p:sp>
@@ -7564,7 +10793,7 @@
               <a:rPr lang="en-US" smtClean="0"/>
               <a:t>‹#›</a:t>
             </a:fld>
-            <a:endParaRPr lang="en-US"/>
+            <a:endParaRPr lang="en-US" dirty="0"/>
           </a:p>
         </p:txBody>
       </p:sp>
@@ -7623,7 +10852,7 @@
               <a:rPr lang="en-US" smtClean="0"/>
               <a:t>12-Apr-22</a:t>
             </a:fld>
-            <a:endParaRPr lang="en-US"/>
+            <a:endParaRPr lang="en-US" dirty="0"/>
           </a:p>
         </p:txBody>
       </p:sp>
@@ -7648,7 +10877,7 @@
           <a:bodyPr/>
           <a:lstStyle/>
           <a:p>
-            <a:endParaRPr lang="en-US"/>
+            <a:endParaRPr lang="en-US" dirty="0"/>
           </a:p>
         </p:txBody>
       </p:sp>
@@ -7677,7 +10906,7 @@
               <a:rPr lang="en-US" smtClean="0"/>
               <a:t>‹#›</a:t>
             </a:fld>
-            <a:endParaRPr lang="en-US"/>
+            <a:endParaRPr lang="en-US" dirty="0"/>
           </a:p>
         </p:txBody>
       </p:sp>
@@ -7934,7 +11163,7 @@
               <a:rPr lang="en-US" smtClean="0"/>
               <a:t>12-Apr-22</a:t>
             </a:fld>
-            <a:endParaRPr lang="en-US"/>
+            <a:endParaRPr lang="en-US" dirty="0"/>
           </a:p>
         </p:txBody>
       </p:sp>
@@ -7959,7 +11188,7 @@
           <a:bodyPr/>
           <a:lstStyle/>
           <a:p>
-            <a:endParaRPr lang="en-US"/>
+            <a:endParaRPr lang="en-US" dirty="0"/>
           </a:p>
         </p:txBody>
       </p:sp>
@@ -7988,7 +11217,7 @@
               <a:rPr lang="en-US" smtClean="0"/>
               <a:t>‹#›</a:t>
             </a:fld>
-            <a:endParaRPr lang="en-US"/>
+            <a:endParaRPr lang="en-US" dirty="0"/>
           </a:p>
         </p:txBody>
       </p:sp>
@@ -8122,7 +11351,7 @@
             </a:lvl9pPr>
           </a:lstStyle>
           <a:p>
-            <a:endParaRPr lang="en-US"/>
+            <a:endParaRPr lang="en-US" dirty="0"/>
           </a:p>
         </p:txBody>
       </p:sp>
@@ -8222,7 +11451,7 @@
               <a:rPr lang="en-US" smtClean="0"/>
               <a:t>12-Apr-22</a:t>
             </a:fld>
-            <a:endParaRPr lang="en-US"/>
+            <a:endParaRPr lang="en-US" dirty="0"/>
           </a:p>
         </p:txBody>
       </p:sp>
@@ -8247,7 +11476,7 @@
           <a:bodyPr/>
           <a:lstStyle/>
           <a:p>
-            <a:endParaRPr lang="en-US"/>
+            <a:endParaRPr lang="en-US" dirty="0"/>
           </a:p>
         </p:txBody>
       </p:sp>
@@ -8276,7 +11505,7 @@
               <a:rPr lang="en-US" smtClean="0"/>
               <a:t>‹#›</a:t>
             </a:fld>
-            <a:endParaRPr lang="en-US"/>
+            <a:endParaRPr lang="en-US" dirty="0"/>
           </a:p>
         </p:txBody>
       </p:sp>
@@ -8463,7 +11692,7 @@
               <a:rPr lang="en-US" smtClean="0"/>
               <a:t>12-Apr-22</a:t>
             </a:fld>
-            <a:endParaRPr lang="en-US"/>
+            <a:endParaRPr lang="en-US" dirty="0"/>
           </a:p>
         </p:txBody>
       </p:sp>
@@ -8506,7 +11735,7 @@
             </a:lvl1pPr>
           </a:lstStyle>
           <a:p>
-            <a:endParaRPr lang="en-US"/>
+            <a:endParaRPr lang="en-US" dirty="0"/>
           </a:p>
         </p:txBody>
       </p:sp>
@@ -8553,7 +11782,7 @@
               <a:rPr lang="en-US" smtClean="0"/>
               <a:t>‹#›</a:t>
             </a:fld>
-            <a:endParaRPr lang="en-US"/>
+            <a:endParaRPr lang="en-US" dirty="0"/>
           </a:p>
         </p:txBody>
       </p:sp>
@@ -9933,7 +13162,7 @@
           <a:lstStyle/>
           <a:p>
             <a:r>
-              <a:rPr lang="en-US" sz="3600" b="1" dirty="0" err="1">
+              <a:rPr lang="ro-RO" sz="3600" b="1" dirty="0">
                 <a:solidFill>
                   <a:srgbClr val="080808"/>
                 </a:solidFill>
@@ -9941,7 +13170,7 @@
               <a:t>Proiect</a:t>
             </a:r>
             <a:r>
-              <a:rPr lang="en-US" sz="3600" b="1">
+              <a:rPr lang="en-US" sz="3600" b="1" dirty="0">
                 <a:solidFill>
                   <a:srgbClr val="080808"/>
                 </a:solidFill>
@@ -9949,14 +13178,14 @@
               <a:t> Android:</a:t>
             </a:r>
             <a:br>
-              <a:rPr lang="en-US" sz="3600" b="1">
+              <a:rPr lang="en-US" sz="3600" b="1" dirty="0">
                 <a:solidFill>
                   <a:srgbClr val="080808"/>
                 </a:solidFill>
               </a:rPr>
             </a:br>
             <a:r>
-              <a:rPr lang="en-US" sz="3600" b="1">
+              <a:rPr lang="en-US" sz="3600" b="1" dirty="0">
                 <a:solidFill>
                   <a:srgbClr val="080808"/>
                 </a:solidFill>
@@ -10072,7 +13301,7 @@
           <a:lstStyle/>
           <a:p>
             <a:pPr algn="ctr"/>
-            <a:endParaRPr lang="en-US"/>
+            <a:endParaRPr lang="en-US" dirty="0"/>
           </a:p>
         </p:txBody>
       </p:sp>
@@ -10139,7 +13368,7 @@
           <a:lstStyle/>
           <a:p>
             <a:pPr algn="ctr"/>
-            <a:endParaRPr lang="en-US"/>
+            <a:endParaRPr lang="en-US" dirty="0"/>
           </a:p>
         </p:txBody>
       </p:sp>
@@ -10253,7 +13482,7 @@
               <a:tabLst/>
               <a:defRPr/>
             </a:pPr>
-            <a:endParaRPr kumimoji="0" lang="en-US" sz="1800" b="0" i="0" u="none" strike="noStrike" kern="1200" cap="none" spc="0" normalizeH="0" baseline="0" noProof="0">
+            <a:endParaRPr kumimoji="0" lang="en-US" sz="1800" b="0" i="0" u="none" strike="noStrike" kern="1200" cap="none" spc="0" normalizeH="0" baseline="0" noProof="0" dirty="0">
               <a:ln>
                 <a:noFill/>
               </a:ln>
@@ -10416,7 +13645,7 @@
               <a:tabLst/>
               <a:defRPr/>
             </a:pPr>
-            <a:endParaRPr kumimoji="0" lang="en-US" sz="1800" b="0" i="0" u="none" strike="noStrike" kern="1200" cap="none" spc="0" normalizeH="0" baseline="0" noProof="0">
+            <a:endParaRPr kumimoji="0" lang="en-US" sz="1800" b="0" i="0" u="none" strike="noStrike" kern="1200" cap="none" spc="0" normalizeH="0" baseline="0" noProof="0" dirty="0">
               <a:ln>
                 <a:noFill/>
               </a:ln>
@@ -10737,7 +13966,7 @@
               <a:tabLst/>
               <a:defRPr/>
             </a:pPr>
-            <a:endParaRPr kumimoji="0" lang="en-US" sz="1800" b="0" i="0" u="none" strike="noStrike" kern="1200" cap="none" spc="0" normalizeH="0" baseline="0" noProof="0">
+            <a:endParaRPr kumimoji="0" lang="en-US" sz="1800" b="0" i="0" u="none" strike="noStrike" kern="1200" cap="none" spc="0" normalizeH="0" baseline="0" noProof="0" dirty="0">
               <a:ln>
                 <a:noFill/>
               </a:ln>
@@ -10900,7 +14129,7 @@
               <a:tabLst/>
               <a:defRPr/>
             </a:pPr>
-            <a:endParaRPr kumimoji="0" lang="en-US" sz="1800" b="0" i="0" u="none" strike="noStrike" kern="1200" cap="none" spc="0" normalizeH="0" baseline="0" noProof="0">
+            <a:endParaRPr kumimoji="0" lang="en-US" sz="1800" b="0" i="0" u="none" strike="noStrike" kern="1200" cap="none" spc="0" normalizeH="0" baseline="0" noProof="0" dirty="0">
               <a:ln>
                 <a:noFill/>
               </a:ln>
@@ -11081,8 +14310,12 @@
           <a:p>
             <a:pPr algn="just"/>
             <a:r>
+              <a:rPr lang="ro-RO" sz="2400" b="1" dirty="0"/>
+              <a:t>Microsoft.Data.Sqlite</a:t>
+            </a:r>
+            <a:r>
               <a:rPr lang="ro-RO" sz="2400" dirty="0"/>
-              <a:t>Microsoft.Data.Sqlite este un furnizor lightweight ADO.NET pentru SQLite. Furnizorul Entity Framework Core pentru SQLite este construit pe deasupra acestei biblioteci. Cu toate acestea, poate fi folosit și independent sau cu alte biblioteci de acces la date.</a:t>
+              <a:t> este un furnizor lightweight ADO.NET pentru SQLite. Furnizorul Entity Framework Core pentru SQLite este construit pe deasupra acestei biblioteci. Cu toate acestea, poate fi folosit și independent sau cu alte biblioteci de acces la date.</a:t>
             </a:r>
           </a:p>
           <a:p>
@@ -11093,7 +14326,11 @@
             </a:r>
             <a:r>
               <a:rPr lang="ro-RO" sz="2400" dirty="0"/>
-              <a:t>: Install-Package Microsoft.Data.Sqlite</a:t>
+              <a:t>: </a:t>
+            </a:r>
+            <a:r>
+              <a:rPr lang="ro-RO" sz="2400" i="1" dirty="0"/>
+              <a:t>Install-Package Microsoft.Data.Sqlite</a:t>
             </a:r>
           </a:p>
         </p:txBody>
@@ -11208,7 +14445,7 @@
           <a:lstStyle/>
           <a:p>
             <a:pPr algn="ctr"/>
-            <a:endParaRPr lang="en-US"/>
+            <a:endParaRPr lang="en-US" dirty="0"/>
           </a:p>
         </p:txBody>
       </p:sp>
@@ -11281,7 +14518,7 @@
           <a:lstStyle/>
           <a:p>
             <a:pPr algn="ctr"/>
-            <a:endParaRPr lang="en-US"/>
+            <a:endParaRPr lang="en-US" dirty="0"/>
           </a:p>
         </p:txBody>
       </p:sp>
@@ -11357,7 +14594,7 @@
           <a:lstStyle/>
           <a:p>
             <a:pPr algn="ctr"/>
-            <a:endParaRPr lang="en-US"/>
+            <a:endParaRPr lang="en-US" dirty="0"/>
           </a:p>
         </p:txBody>
       </p:sp>
@@ -11433,7 +14670,7 @@
           <a:lstStyle/>
           <a:p>
             <a:pPr algn="ctr"/>
-            <a:endParaRPr lang="en-US"/>
+            <a:endParaRPr lang="en-US" dirty="0"/>
           </a:p>
         </p:txBody>
       </p:sp>
@@ -11544,7 +14781,7 @@
           <a:p>
             <a:pPr algn="ctr"/>
             <a:r>
-              <a:rPr lang="en-US" sz="4800" kern="1200" dirty="0" err="1">
+              <a:rPr lang="ro-RO" sz="4800" kern="1200" dirty="0">
                 <a:solidFill>
                   <a:srgbClr val="FFFFFF"/>
                 </a:solidFill>
@@ -11552,60 +14789,8 @@
                 <a:ea typeface="+mj-ea"/>
                 <a:cs typeface="+mj-cs"/>
               </a:rPr>
-              <a:t>Proiectare</a:t>
+              <a:t>Proiectare și implementare</a:t>
             </a:r>
-            <a:r>
-              <a:rPr lang="en-US" sz="4800" kern="1200" dirty="0">
-                <a:solidFill>
-                  <a:srgbClr val="FFFFFF"/>
-                </a:solidFill>
-                <a:latin typeface="+mj-lt"/>
-                <a:ea typeface="+mj-ea"/>
-                <a:cs typeface="+mj-cs"/>
-              </a:rPr>
-              <a:t> </a:t>
-            </a:r>
-            <a:r>
-              <a:rPr lang="en-US" sz="4800" kern="1200" dirty="0" err="1">
-                <a:solidFill>
-                  <a:srgbClr val="FFFFFF"/>
-                </a:solidFill>
-                <a:latin typeface="+mj-lt"/>
-                <a:ea typeface="+mj-ea"/>
-                <a:cs typeface="+mj-cs"/>
-              </a:rPr>
-              <a:t>și</a:t>
-            </a:r>
-            <a:r>
-              <a:rPr lang="en-US" sz="4800" kern="1200" dirty="0">
-                <a:solidFill>
-                  <a:srgbClr val="FFFFFF"/>
-                </a:solidFill>
-                <a:latin typeface="+mj-lt"/>
-                <a:ea typeface="+mj-ea"/>
-                <a:cs typeface="+mj-cs"/>
-              </a:rPr>
-              <a:t> </a:t>
-            </a:r>
-            <a:r>
-              <a:rPr lang="en-US" sz="4800" kern="1200" dirty="0" err="1">
-                <a:solidFill>
-                  <a:srgbClr val="FFFFFF"/>
-                </a:solidFill>
-                <a:latin typeface="+mj-lt"/>
-                <a:ea typeface="+mj-ea"/>
-                <a:cs typeface="+mj-cs"/>
-              </a:rPr>
-              <a:t>implementare</a:t>
-            </a:r>
-            <a:endParaRPr lang="en-US" sz="4800" kern="1200" dirty="0">
-              <a:solidFill>
-                <a:srgbClr val="FFFFFF"/>
-              </a:solidFill>
-              <a:latin typeface="+mj-lt"/>
-              <a:ea typeface="+mj-ea"/>
-              <a:cs typeface="+mj-cs"/>
-            </a:endParaRPr>
           </a:p>
         </p:txBody>
       </p:sp>
@@ -11681,7 +14866,7 @@
           <a:lstStyle/>
           <a:p>
             <a:pPr algn="ctr"/>
-            <a:endParaRPr lang="en-US"/>
+            <a:endParaRPr lang="en-US" dirty="0"/>
           </a:p>
         </p:txBody>
       </p:sp>
@@ -11757,7 +14942,7 @@
           <a:lstStyle/>
           <a:p>
             <a:pPr algn="ctr"/>
-            <a:endParaRPr lang="en-US"/>
+            <a:endParaRPr lang="en-US" dirty="0"/>
           </a:p>
         </p:txBody>
       </p:sp>
@@ -11916,7 +15101,7 @@
           <a:lstStyle/>
           <a:p>
             <a:pPr algn="ctr"/>
-            <a:endParaRPr lang="en-US"/>
+            <a:endParaRPr lang="en-US" dirty="0"/>
           </a:p>
         </p:txBody>
       </p:sp>
@@ -12147,21 +15332,21 @@
           <a:chExt cx="0" cy="0"/>
         </a:xfrm>
       </p:grpSpPr>
-      <p:cxnSp>
-        <p:nvCxnSpPr>
-          <p:cNvPr id="10" name="Straight Connector 9">
+      <p:sp>
+        <p:nvSpPr>
+          <p:cNvPr id="21" name="Down Arrow 7">
             <a:extLst>
               <a:ext uri="{FF2B5EF4-FFF2-40B4-BE49-F238E27FC236}">
-                <a16:creationId xmlns:a16="http://schemas.microsoft.com/office/drawing/2014/main" id="{D2E961F1-4A28-4A5F-BBD4-6E400E5E6C75}"/>
+                <a16:creationId xmlns:a16="http://schemas.microsoft.com/office/drawing/2014/main" id="{D4771268-CB57-404A-9271-370EB28F6090}"/>
               </a:ext>
               <a:ext uri="{C183D7F6-B498-43B3-948B-1728B52AA6E4}">
                 <adec:decorative xmlns:adec="http://schemas.microsoft.com/office/drawing/2017/decorative" val="1"/>
               </a:ext>
             </a:extLst>
           </p:cNvPr>
-          <p:cNvCxnSpPr>
-            <a:cxnSpLocks noGrp="1" noRot="1" noChangeAspect="1" noMove="1" noResize="1" noEditPoints="1" noAdjustHandles="1" noChangeArrowheads="1" noChangeShapeType="1"/>
-          </p:cNvCxnSpPr>
+          <p:cNvSpPr>
+            <a:spLocks noGrp="1" noRot="1" noChangeAspect="1" noMove="1" noResize="1" noEditPoints="1" noAdjustHandles="1" noChangeArrowheads="1" noChangeShapeType="1" noTextEdit="1"/>
+          </p:cNvSpPr>
           <p:nvPr>
             <p:extLst>
               <p:ext uri="{386F3935-93C4-4BCD-93E2-E3B085C9AB24}">
@@ -12169,45 +15354,186 @@
               </p:ext>
             </p:extLst>
           </p:nvPr>
-        </p:nvCxnSpPr>
-        <p:spPr bwMode="white">
-          <a:xfrm>
-            <a:off x="0" y="272357"/>
-            <a:ext cx="12188824" cy="0"/>
+        </p:nvSpPr>
+        <p:spPr>
+          <a:xfrm rot="16200000">
+            <a:off x="800100" y="1491343"/>
+            <a:ext cx="3333749" cy="3499103"/>
           </a:xfrm>
-          <a:prstGeom prst="line">
-            <a:avLst/>
+          <a:prstGeom prst="downArrow">
+            <a:avLst>
+              <a:gd name="adj1" fmla="val 100000"/>
+              <a:gd name="adj2" fmla="val 15788"/>
+            </a:avLst>
           </a:prstGeom>
-          <a:ln w="50800">
-            <a:solidFill>
-              <a:schemeClr val="tx1">
-                <a:lumMod val="75000"/>
-                <a:lumOff val="25000"/>
-              </a:schemeClr>
-            </a:solidFill>
+          <a:solidFill>
+            <a:srgbClr val="404040"/>
+          </a:solidFill>
+          <a:ln w="53975">
+            <a:noFill/>
           </a:ln>
         </p:spPr>
         <p:style>
-          <a:lnRef idx="1">
-            <a:schemeClr val="accent1"/>
+          <a:lnRef idx="2">
+            <a:schemeClr val="accent1">
+              <a:shade val="50000"/>
+            </a:schemeClr>
           </a:lnRef>
-          <a:fillRef idx="0">
+          <a:fillRef idx="1">
             <a:schemeClr val="accent1"/>
           </a:fillRef>
           <a:effectRef idx="0">
             <a:schemeClr val="accent1"/>
           </a:effectRef>
           <a:fontRef idx="minor">
-            <a:schemeClr val="tx1"/>
+            <a:schemeClr val="lt1"/>
           </a:fontRef>
         </p:style>
-      </p:cxnSp>
+        <p:txBody>
+          <a:bodyPr rtlCol="0" anchor="ctr"/>
+          <a:lstStyle/>
+          <a:p>
+            <a:pPr algn="ctr"/>
+            <a:endParaRPr lang="en-US" dirty="0"/>
+          </a:p>
+        </p:txBody>
+      </p:sp>
       <p:sp>
         <p:nvSpPr>
-          <p:cNvPr id="12" name="Rectangle 11">
+          <p:cNvPr id="3" name="Title 2">
             <a:extLst>
               <a:ext uri="{FF2B5EF4-FFF2-40B4-BE49-F238E27FC236}">
-                <a16:creationId xmlns:a16="http://schemas.microsoft.com/office/drawing/2014/main" id="{7F57BEA8-497D-4AA8-8A18-BDCD696B25FE}"/>
+                <a16:creationId xmlns:a16="http://schemas.microsoft.com/office/drawing/2014/main" id="{23941482-9173-4467-A1AB-3C1465822500}"/>
+              </a:ext>
+            </a:extLst>
+          </p:cNvPr>
+          <p:cNvSpPr>
+            <a:spLocks noGrp="1"/>
+          </p:cNvSpPr>
+          <p:nvPr>
+            <p:ph type="title"/>
+          </p:nvPr>
+        </p:nvSpPr>
+        <p:spPr>
+          <a:xfrm>
+            <a:off x="1028700" y="1967266"/>
+            <a:ext cx="2628900" cy="2547257"/>
+          </a:xfrm>
+          <a:noFill/>
+        </p:spPr>
+        <p:txBody>
+          <a:bodyPr vert="horz" lIns="91440" tIns="45720" rIns="91440" bIns="45720" rtlCol="0" anchor="ctr">
+            <a:normAutofit/>
+          </a:bodyPr>
+          <a:lstStyle/>
+          <a:p>
+            <a:pPr algn="ctr"/>
+            <a:r>
+              <a:rPr lang="en-US" sz="3600" b="1" kern="1200" dirty="0">
+                <a:solidFill>
+                  <a:srgbClr val="FFFFFF"/>
+                </a:solidFill>
+                <a:latin typeface="+mj-lt"/>
+                <a:ea typeface="+mj-ea"/>
+                <a:cs typeface="+mj-cs"/>
+              </a:rPr>
+              <a:t>Schema </a:t>
+            </a:r>
+            <a:r>
+              <a:rPr lang="ro-RO" sz="3600" b="1" dirty="0">
+                <a:solidFill>
+                  <a:srgbClr val="FFFFFF"/>
+                </a:solidFill>
+              </a:rPr>
+              <a:t>de navigare în client</a:t>
+            </a:r>
+            <a:endParaRPr lang="en-US" sz="3600" b="1" kern="1200" dirty="0">
+              <a:solidFill>
+                <a:srgbClr val="FFFFFF"/>
+              </a:solidFill>
+              <a:latin typeface="+mj-lt"/>
+              <a:ea typeface="+mj-ea"/>
+              <a:cs typeface="+mj-cs"/>
+            </a:endParaRPr>
+          </a:p>
+        </p:txBody>
+      </p:sp>
+      <p:pic>
+        <p:nvPicPr>
+          <p:cNvPr id="11" name="Content Placeholder 10" descr="Graphical user interface&#10;&#10;Description automatically generated">
+            <a:extLst>
+              <a:ext uri="{FF2B5EF4-FFF2-40B4-BE49-F238E27FC236}">
+                <a16:creationId xmlns:a16="http://schemas.microsoft.com/office/drawing/2014/main" id="{CDE0E190-4093-4C18-9236-94B7EFD68064}"/>
+              </a:ext>
+            </a:extLst>
+          </p:cNvPr>
+          <p:cNvPicPr>
+            <a:picLocks noGrp="1" noChangeAspect="1"/>
+          </p:cNvPicPr>
+          <p:nvPr>
+            <p:ph idx="1"/>
+          </p:nvPr>
+        </p:nvPicPr>
+        <p:blipFill>
+          <a:blip r:embed="rId2"/>
+          <a:stretch>
+            <a:fillRect/>
+          </a:stretch>
+        </p:blipFill>
+        <p:spPr>
+          <a:xfrm>
+            <a:off x="5056638" y="643466"/>
+            <a:ext cx="6222055" cy="5568739"/>
+          </a:xfrm>
+          <a:prstGeom prst="rect">
+            <a:avLst/>
+          </a:prstGeom>
+        </p:spPr>
+      </p:pic>
+    </p:spTree>
+    <p:extLst>
+      <p:ext uri="{BB962C8B-B14F-4D97-AF65-F5344CB8AC3E}">
+        <p14:creationId xmlns:p14="http://schemas.microsoft.com/office/powerpoint/2010/main" val="768507123"/>
+      </p:ext>
+    </p:extLst>
+  </p:cSld>
+  <p:clrMapOvr>
+    <a:masterClrMapping/>
+  </p:clrMapOvr>
+</p:sld>
+</file>
+
+<file path=ppt/slides/slide15.xml><?xml version="1.0" encoding="utf-8"?>
+<p:sld xmlns:a="http://schemas.openxmlformats.org/drawingml/2006/main" xmlns:r="http://schemas.openxmlformats.org/officeDocument/2006/relationships" xmlns:p="http://schemas.openxmlformats.org/presentationml/2006/main">
+  <p:cSld>
+    <p:bg>
+      <p:bgPr>
+        <a:solidFill>
+          <a:schemeClr val="bg1"/>
+        </a:solidFill>
+        <a:effectLst/>
+      </p:bgPr>
+    </p:bg>
+    <p:spTree>
+      <p:nvGrpSpPr>
+        <p:cNvPr id="1" name=""/>
+        <p:cNvGrpSpPr/>
+        <p:nvPr/>
+      </p:nvGrpSpPr>
+      <p:grpSpPr>
+        <a:xfrm>
+          <a:off x="0" y="0"/>
+          <a:ext cx="0" cy="0"/>
+          <a:chOff x="0" y="0"/>
+          <a:chExt cx="0" cy="0"/>
+        </a:xfrm>
+      </p:grpSpPr>
+      <p:sp useBgFill="1">
+        <p:nvSpPr>
+          <p:cNvPr id="9" name="Rectangle 8">
+            <a:extLst>
+              <a:ext uri="{FF2B5EF4-FFF2-40B4-BE49-F238E27FC236}">
+                <a16:creationId xmlns:a16="http://schemas.microsoft.com/office/drawing/2014/main" id="{BACC6370-2D7E-4714-9D71-7542949D7D5D}"/>
               </a:ext>
               <a:ext uri="{C183D7F6-B498-43B3-948B-1728B52AA6E4}">
                 <adec:decorative xmlns:adec="http://schemas.microsoft.com/office/drawing/2017/decorative" val="1"/>
@@ -12227,18 +15553,101 @@
         </p:nvSpPr>
         <p:spPr>
           <a:xfrm>
-            <a:off x="0" y="368596"/>
-            <a:ext cx="12192000" cy="1735555"/>
+            <a:off x="0" y="0"/>
+            <a:ext cx="12192000" cy="6858000"/>
           </a:xfrm>
           <a:prstGeom prst="rect">
             <a:avLst/>
           </a:prstGeom>
-          <a:solidFill>
-            <a:schemeClr val="tx1">
-              <a:lumMod val="75000"/>
-              <a:lumOff val="25000"/>
+          <a:ln w="12700" cap="flat" cmpd="sng" algn="ctr">
+            <a:noFill/>
+            <a:prstDash val="solid"/>
+            <a:miter lim="800000"/>
+          </a:ln>
+          <a:effectLst/>
+          <a:extLst>
+            <a:ext uri="{91240B29-F687-4F45-9708-019B960494DF}">
+              <a14:hiddenLine xmlns:a14="http://schemas.microsoft.com/office/drawing/2010/main" w="12700" cap="flat" cmpd="sng" algn="ctr">
+                <a:solidFill>
+                  <a:schemeClr val="accent1">
+                    <a:shade val="50000"/>
+                  </a:schemeClr>
+                </a:solidFill>
+                <a:prstDash val="solid"/>
+                <a:miter lim="800000"/>
+              </a14:hiddenLine>
+            </a:ext>
+          </a:extLst>
+        </p:spPr>
+        <p:style>
+          <a:lnRef idx="2">
+            <a:schemeClr val="accent1">
+              <a:shade val="50000"/>
             </a:schemeClr>
-          </a:solidFill>
+          </a:lnRef>
+          <a:fillRef idx="1">
+            <a:schemeClr val="accent1"/>
+          </a:fillRef>
+          <a:effectRef idx="0">
+            <a:schemeClr val="accent1"/>
+          </a:effectRef>
+          <a:fontRef idx="minor">
+            <a:schemeClr val="lt1"/>
+          </a:fontRef>
+        </p:style>
+        <p:txBody>
+          <a:bodyPr rtlCol="0" anchor="ctr"/>
+          <a:lstStyle/>
+          <a:p>
+            <a:pPr algn="ctr"/>
+            <a:endParaRPr lang="en-US" dirty="0"/>
+          </a:p>
+        </p:txBody>
+      </p:sp>
+      <p:sp>
+        <p:nvSpPr>
+          <p:cNvPr id="11" name="Rectangle 10">
+            <a:extLst>
+              <a:ext uri="{FF2B5EF4-FFF2-40B4-BE49-F238E27FC236}">
+                <a16:creationId xmlns:a16="http://schemas.microsoft.com/office/drawing/2014/main" id="{256B2C21-A230-48C0-8DF1-C46611373C44}"/>
+              </a:ext>
+              <a:ext uri="{C183D7F6-B498-43B3-948B-1728B52AA6E4}">
+                <adec:decorative xmlns:adec="http://schemas.microsoft.com/office/drawing/2017/decorative" val="1"/>
+              </a:ext>
+            </a:extLst>
+          </p:cNvPr>
+          <p:cNvSpPr>
+            <a:spLocks noGrp="1" noRot="1" noChangeAspect="1" noMove="1" noResize="1" noEditPoints="1" noAdjustHandles="1" noChangeArrowheads="1" noChangeShapeType="1" noTextEdit="1"/>
+          </p:cNvSpPr>
+          <p:nvPr>
+            <p:extLst>
+              <p:ext uri="{386F3935-93C4-4BCD-93E2-E3B085C9AB24}">
+                <p16:designElem xmlns:p16="http://schemas.microsoft.com/office/powerpoint/2015/main" val="1"/>
+              </p:ext>
+            </p:extLst>
+          </p:nvPr>
+        </p:nvSpPr>
+        <p:spPr>
+          <a:xfrm rot="5400000" flipH="1">
+            <a:off x="-1410084" y="1410082"/>
+            <a:ext cx="6858000" cy="4037836"/>
+          </a:xfrm>
+          <a:prstGeom prst="rect">
+            <a:avLst/>
+          </a:prstGeom>
+          <a:gradFill>
+            <a:gsLst>
+              <a:gs pos="8000">
+                <a:srgbClr val="000000"/>
+              </a:gs>
+              <a:gs pos="100000">
+                <a:schemeClr val="accent1">
+                  <a:lumMod val="75000"/>
+                </a:schemeClr>
+              </a:gs>
+            </a:gsLst>
+            <a:lin ang="3000000" scaled="0"/>
+          </a:gradFill>
           <a:ln>
             <a:noFill/>
           </a:ln>
@@ -12263,46 +15672,414 @@
           <a:bodyPr rtlCol="0" anchor="ctr"/>
           <a:lstStyle/>
           <a:p>
-            <a:pPr marL="0" marR="0" lvl="0" indent="0" algn="ctr" defTabSz="914400" rtl="0" eaLnBrk="1" fontAlgn="auto" latinLnBrk="0" hangingPunct="1">
-              <a:lnSpc>
-                <a:spcPct val="100000"/>
-              </a:lnSpc>
-              <a:spcBef>
-                <a:spcPts val="0"/>
-              </a:spcBef>
-              <a:spcAft>
-                <a:spcPts val="0"/>
-              </a:spcAft>
-              <a:buClrTx/>
-              <a:buSzTx/>
-              <a:buFontTx/>
-              <a:buNone/>
-              <a:tabLst/>
-              <a:defRPr/>
-            </a:pPr>
-            <a:endParaRPr kumimoji="0" lang="en-US" sz="1800" b="0" i="0" u="none" strike="noStrike" kern="1200" cap="none" spc="0" normalizeH="0" baseline="0" noProof="0">
-              <a:ln>
-                <a:noFill/>
-              </a:ln>
-              <a:solidFill>
-                <a:prstClr val="white"/>
-              </a:solidFill>
-              <a:effectLst/>
-              <a:uLnTx/>
-              <a:uFillTx/>
-              <a:latin typeface="Calibri" panose="020F0502020204030204"/>
-              <a:ea typeface="+mn-ea"/>
-              <a:cs typeface="+mn-cs"/>
-            </a:endParaRPr>
+            <a:pPr algn="ctr"/>
+            <a:endParaRPr lang="en-US" dirty="0"/>
           </a:p>
         </p:txBody>
       </p:sp>
       <p:sp>
         <p:nvSpPr>
-          <p:cNvPr id="3" name="Title 2">
+          <p:cNvPr id="13" name="Rectangle 12">
             <a:extLst>
               <a:ext uri="{FF2B5EF4-FFF2-40B4-BE49-F238E27FC236}">
-                <a16:creationId xmlns:a16="http://schemas.microsoft.com/office/drawing/2014/main" id="{23941482-9173-4467-A1AB-3C1465822500}"/>
+                <a16:creationId xmlns:a16="http://schemas.microsoft.com/office/drawing/2014/main" id="{3847E18C-932D-4C95-AABA-FEC7C9499AD7}"/>
+              </a:ext>
+              <a:ext uri="{C183D7F6-B498-43B3-948B-1728B52AA6E4}">
+                <adec:decorative xmlns:adec="http://schemas.microsoft.com/office/drawing/2017/decorative" val="1"/>
+              </a:ext>
+            </a:extLst>
+          </p:cNvPr>
+          <p:cNvSpPr>
+            <a:spLocks noGrp="1" noRot="1" noChangeAspect="1" noMove="1" noResize="1" noEditPoints="1" noAdjustHandles="1" noChangeArrowheads="1" noChangeShapeType="1" noTextEdit="1"/>
+          </p:cNvSpPr>
+          <p:nvPr>
+            <p:extLst>
+              <p:ext uri="{386F3935-93C4-4BCD-93E2-E3B085C9AB24}">
+                <p16:designElem xmlns:p16="http://schemas.microsoft.com/office/powerpoint/2015/main" val="1"/>
+              </p:ext>
+            </p:extLst>
+          </p:nvPr>
+        </p:nvSpPr>
+        <p:spPr>
+          <a:xfrm rot="5400000" flipH="1">
+            <a:off x="-1410085" y="1420219"/>
+            <a:ext cx="6857999" cy="4037839"/>
+          </a:xfrm>
+          <a:prstGeom prst="rect">
+            <a:avLst/>
+          </a:prstGeom>
+          <a:gradFill>
+            <a:gsLst>
+              <a:gs pos="0">
+                <a:srgbClr val="000000">
+                  <a:alpha val="0"/>
+                </a:srgbClr>
+              </a:gs>
+              <a:gs pos="99000">
+                <a:schemeClr val="accent1">
+                  <a:alpha val="46000"/>
+                </a:schemeClr>
+              </a:gs>
+            </a:gsLst>
+            <a:lin ang="1800000" scaled="0"/>
+          </a:gradFill>
+          <a:ln>
+            <a:noFill/>
+          </a:ln>
+        </p:spPr>
+        <p:style>
+          <a:lnRef idx="2">
+            <a:schemeClr val="accent1">
+              <a:shade val="50000"/>
+            </a:schemeClr>
+          </a:lnRef>
+          <a:fillRef idx="1">
+            <a:schemeClr val="accent1"/>
+          </a:fillRef>
+          <a:effectRef idx="0">
+            <a:schemeClr val="accent1"/>
+          </a:effectRef>
+          <a:fontRef idx="minor">
+            <a:schemeClr val="lt1"/>
+          </a:fontRef>
+        </p:style>
+        <p:txBody>
+          <a:bodyPr rtlCol="0" anchor="ctr"/>
+          <a:lstStyle/>
+          <a:p>
+            <a:pPr algn="ctr"/>
+            <a:endParaRPr lang="en-US" dirty="0"/>
+          </a:p>
+        </p:txBody>
+      </p:sp>
+      <p:sp>
+        <p:nvSpPr>
+          <p:cNvPr id="15" name="Rectangle 14">
+            <a:extLst>
+              <a:ext uri="{FF2B5EF4-FFF2-40B4-BE49-F238E27FC236}">
+                <a16:creationId xmlns:a16="http://schemas.microsoft.com/office/drawing/2014/main" id="{3150CB11-0C61-439E-910F-5787759E72A0}"/>
+              </a:ext>
+              <a:ext uri="{C183D7F6-B498-43B3-948B-1728B52AA6E4}">
+                <adec:decorative xmlns:adec="http://schemas.microsoft.com/office/drawing/2017/decorative" val="1"/>
+              </a:ext>
+            </a:extLst>
+          </p:cNvPr>
+          <p:cNvSpPr>
+            <a:spLocks noGrp="1" noRot="1" noChangeAspect="1" noMove="1" noResize="1" noEditPoints="1" noAdjustHandles="1" noChangeArrowheads="1" noChangeShapeType="1" noTextEdit="1"/>
+          </p:cNvSpPr>
+          <p:nvPr>
+            <p:extLst>
+              <p:ext uri="{386F3935-93C4-4BCD-93E2-E3B085C9AB24}">
+                <p16:designElem xmlns:p16="http://schemas.microsoft.com/office/powerpoint/2015/main" val="1"/>
+              </p:ext>
+            </p:extLst>
+          </p:nvPr>
+        </p:nvSpPr>
+        <p:spPr>
+          <a:xfrm rot="5400000" flipH="1">
+            <a:off x="767923" y="3588085"/>
+            <a:ext cx="2501979" cy="4037841"/>
+          </a:xfrm>
+          <a:prstGeom prst="rect">
+            <a:avLst/>
+          </a:prstGeom>
+          <a:gradFill>
+            <a:gsLst>
+              <a:gs pos="2000">
+                <a:schemeClr val="accent1">
+                  <a:alpha val="29000"/>
+                </a:schemeClr>
+              </a:gs>
+              <a:gs pos="100000">
+                <a:srgbClr val="000000">
+                  <a:alpha val="30000"/>
+                </a:srgbClr>
+              </a:gs>
+            </a:gsLst>
+            <a:lin ang="7800000" scaled="0"/>
+          </a:gradFill>
+          <a:ln>
+            <a:noFill/>
+          </a:ln>
+        </p:spPr>
+        <p:style>
+          <a:lnRef idx="2">
+            <a:schemeClr val="accent1">
+              <a:shade val="50000"/>
+            </a:schemeClr>
+          </a:lnRef>
+          <a:fillRef idx="1">
+            <a:schemeClr val="accent1"/>
+          </a:fillRef>
+          <a:effectRef idx="0">
+            <a:schemeClr val="accent1"/>
+          </a:effectRef>
+          <a:fontRef idx="minor">
+            <a:schemeClr val="lt1"/>
+          </a:fontRef>
+        </p:style>
+        <p:txBody>
+          <a:bodyPr rtlCol="0" anchor="ctr"/>
+          <a:lstStyle/>
+          <a:p>
+            <a:pPr algn="ctr"/>
+            <a:endParaRPr lang="en-US" dirty="0"/>
+          </a:p>
+        </p:txBody>
+      </p:sp>
+      <p:sp>
+        <p:nvSpPr>
+          <p:cNvPr id="17" name="Freeform: Shape 16">
+            <a:extLst>
+              <a:ext uri="{FF2B5EF4-FFF2-40B4-BE49-F238E27FC236}">
+                <a16:creationId xmlns:a16="http://schemas.microsoft.com/office/drawing/2014/main" id="{43F8A58B-5155-44CE-A5FF-7647B47D0A7A}"/>
+              </a:ext>
+              <a:ext uri="{C183D7F6-B498-43B3-948B-1728B52AA6E4}">
+                <adec:decorative xmlns:adec="http://schemas.microsoft.com/office/drawing/2017/decorative" val="1"/>
+              </a:ext>
+            </a:extLst>
+          </p:cNvPr>
+          <p:cNvSpPr>
+            <a:spLocks noGrp="1" noRot="1" noChangeAspect="1" noMove="1" noResize="1" noEditPoints="1" noAdjustHandles="1" noChangeArrowheads="1" noChangeShapeType="1" noTextEdit="1"/>
+          </p:cNvSpPr>
+          <p:nvPr>
+            <p:extLst>
+              <p:ext uri="{386F3935-93C4-4BCD-93E2-E3B085C9AB24}">
+                <p16:designElem xmlns:p16="http://schemas.microsoft.com/office/powerpoint/2015/main" val="1"/>
+              </p:ext>
+            </p:extLst>
+          </p:nvPr>
+        </p:nvSpPr>
+        <p:spPr>
+          <a:xfrm rot="20635413">
+            <a:off x="-501737" y="969718"/>
+            <a:ext cx="3900357" cy="4178958"/>
+          </a:xfrm>
+          <a:custGeom>
+            <a:avLst/>
+            <a:gdLst>
+              <a:gd name="connsiteX0" fmla="*/ 2432225 w 3900357"/>
+              <a:gd name="connsiteY0" fmla="*/ 93939 h 4178958"/>
+              <a:gd name="connsiteX1" fmla="*/ 3900357 w 3900357"/>
+              <a:gd name="connsiteY1" fmla="*/ 2089479 h 4178958"/>
+              <a:gd name="connsiteX2" fmla="*/ 1810878 w 3900357"/>
+              <a:gd name="connsiteY2" fmla="*/ 4178958 h 4178958"/>
+              <a:gd name="connsiteX3" fmla="*/ 78249 w 3900357"/>
+              <a:gd name="connsiteY3" fmla="*/ 3257727 h 4178958"/>
+              <a:gd name="connsiteX4" fmla="*/ 0 w 3900357"/>
+              <a:gd name="connsiteY4" fmla="*/ 3128923 h 4178958"/>
+              <a:gd name="connsiteX5" fmla="*/ 831324 w 3900357"/>
+              <a:gd name="connsiteY5" fmla="*/ 244281 h 4178958"/>
+              <a:gd name="connsiteX6" fmla="*/ 997559 w 3900357"/>
+              <a:gd name="connsiteY6" fmla="*/ 164202 h 4178958"/>
+              <a:gd name="connsiteX7" fmla="*/ 1810878 w 3900357"/>
+              <a:gd name="connsiteY7" fmla="*/ 0 h 4178958"/>
+              <a:gd name="connsiteX8" fmla="*/ 2432225 w 3900357"/>
+              <a:gd name="connsiteY8" fmla="*/ 93939 h 4178958"/>
+            </a:gdLst>
+            <a:ahLst/>
+            <a:cxnLst>
+              <a:cxn ang="0">
+                <a:pos x="connsiteX0" y="connsiteY0"/>
+              </a:cxn>
+              <a:cxn ang="0">
+                <a:pos x="connsiteX1" y="connsiteY1"/>
+              </a:cxn>
+              <a:cxn ang="0">
+                <a:pos x="connsiteX2" y="connsiteY2"/>
+              </a:cxn>
+              <a:cxn ang="0">
+                <a:pos x="connsiteX3" y="connsiteY3"/>
+              </a:cxn>
+              <a:cxn ang="0">
+                <a:pos x="connsiteX4" y="connsiteY4"/>
+              </a:cxn>
+              <a:cxn ang="0">
+                <a:pos x="connsiteX5" y="connsiteY5"/>
+              </a:cxn>
+              <a:cxn ang="0">
+                <a:pos x="connsiteX6" y="connsiteY6"/>
+              </a:cxn>
+              <a:cxn ang="0">
+                <a:pos x="connsiteX7" y="connsiteY7"/>
+              </a:cxn>
+              <a:cxn ang="0">
+                <a:pos x="connsiteX8" y="connsiteY8"/>
+              </a:cxn>
+            </a:cxnLst>
+            <a:rect l="l" t="t" r="r" b="b"/>
+            <a:pathLst>
+              <a:path w="3900357" h="4178958">
+                <a:moveTo>
+                  <a:pt x="2432225" y="93939"/>
+                </a:moveTo>
+                <a:cubicBezTo>
+                  <a:pt x="3282786" y="358491"/>
+                  <a:pt x="3900357" y="1151865"/>
+                  <a:pt x="3900357" y="2089479"/>
+                </a:cubicBezTo>
+                <a:cubicBezTo>
+                  <a:pt x="3900357" y="3243466"/>
+                  <a:pt x="2964865" y="4178958"/>
+                  <a:pt x="1810878" y="4178958"/>
+                </a:cubicBezTo>
+                <a:cubicBezTo>
+                  <a:pt x="1089636" y="4178958"/>
+                  <a:pt x="453744" y="3813531"/>
+                  <a:pt x="78249" y="3257727"/>
+                </a:cubicBezTo>
+                <a:lnTo>
+                  <a:pt x="0" y="3128923"/>
+                </a:lnTo>
+                <a:lnTo>
+                  <a:pt x="831324" y="244281"/>
+                </a:lnTo>
+                <a:lnTo>
+                  <a:pt x="997559" y="164202"/>
+                </a:lnTo>
+                <a:cubicBezTo>
+                  <a:pt x="1247540" y="58468"/>
+                  <a:pt x="1522381" y="0"/>
+                  <a:pt x="1810878" y="0"/>
+                </a:cubicBezTo>
+                <a:cubicBezTo>
+                  <a:pt x="2027251" y="0"/>
+                  <a:pt x="2235942" y="32888"/>
+                  <a:pt x="2432225" y="93939"/>
+                </a:cubicBezTo>
+                <a:close/>
+              </a:path>
+            </a:pathLst>
+          </a:custGeom>
+          <a:gradFill>
+            <a:gsLst>
+              <a:gs pos="29000">
+                <a:srgbClr val="000000">
+                  <a:alpha val="0"/>
+                </a:srgbClr>
+              </a:gs>
+              <a:gs pos="100000">
+                <a:schemeClr val="accent1">
+                  <a:alpha val="43000"/>
+                </a:schemeClr>
+              </a:gs>
+            </a:gsLst>
+            <a:lin ang="1800000" scaled="0"/>
+          </a:gradFill>
+          <a:ln>
+            <a:noFill/>
+          </a:ln>
+        </p:spPr>
+        <p:style>
+          <a:lnRef idx="2">
+            <a:schemeClr val="accent1">
+              <a:shade val="50000"/>
+            </a:schemeClr>
+          </a:lnRef>
+          <a:fillRef idx="1">
+            <a:schemeClr val="accent1"/>
+          </a:fillRef>
+          <a:effectRef idx="0">
+            <a:schemeClr val="accent1"/>
+          </a:effectRef>
+          <a:fontRef idx="minor">
+            <a:schemeClr val="lt1"/>
+          </a:fontRef>
+        </p:style>
+        <p:txBody>
+          <a:bodyPr wrap="square" rtlCol="0" anchor="ctr">
+            <a:noAutofit/>
+          </a:bodyPr>
+          <a:lstStyle/>
+          <a:p>
+            <a:pPr algn="ctr"/>
+            <a:endParaRPr lang="en-US" dirty="0"/>
+          </a:p>
+        </p:txBody>
+      </p:sp>
+      <p:sp>
+        <p:nvSpPr>
+          <p:cNvPr id="19" name="Rectangle 18">
+            <a:extLst>
+              <a:ext uri="{FF2B5EF4-FFF2-40B4-BE49-F238E27FC236}">
+                <a16:creationId xmlns:a16="http://schemas.microsoft.com/office/drawing/2014/main" id="{443F2ACA-E6D6-4028-82DD-F03C262D5DE6}"/>
+              </a:ext>
+              <a:ext uri="{C183D7F6-B498-43B3-948B-1728B52AA6E4}">
+                <adec:decorative xmlns:adec="http://schemas.microsoft.com/office/drawing/2017/decorative" val="1"/>
+              </a:ext>
+            </a:extLst>
+          </p:cNvPr>
+          <p:cNvSpPr>
+            <a:spLocks noGrp="1" noRot="1" noChangeAspect="1" noMove="1" noResize="1" noEditPoints="1" noAdjustHandles="1" noChangeArrowheads="1" noChangeShapeType="1" noTextEdit="1"/>
+          </p:cNvSpPr>
+          <p:nvPr>
+            <p:extLst>
+              <p:ext uri="{386F3935-93C4-4BCD-93E2-E3B085C9AB24}">
+                <p16:designElem xmlns:p16="http://schemas.microsoft.com/office/powerpoint/2015/main" val="1"/>
+              </p:ext>
+            </p:extLst>
+          </p:nvPr>
+        </p:nvSpPr>
+        <p:spPr>
+          <a:xfrm rot="5400000" flipH="1">
+            <a:off x="-1410095" y="1410079"/>
+            <a:ext cx="6858003" cy="4037835"/>
+          </a:xfrm>
+          <a:prstGeom prst="rect">
+            <a:avLst/>
+          </a:prstGeom>
+          <a:gradFill>
+            <a:gsLst>
+              <a:gs pos="0">
+                <a:srgbClr val="000000">
+                  <a:alpha val="0"/>
+                </a:srgbClr>
+              </a:gs>
+              <a:gs pos="99000">
+                <a:schemeClr val="accent1">
+                  <a:lumMod val="60000"/>
+                  <a:lumOff val="40000"/>
+                  <a:alpha val="11000"/>
+                </a:schemeClr>
+              </a:gs>
+            </a:gsLst>
+            <a:lin ang="7200000" scaled="0"/>
+          </a:gradFill>
+          <a:ln>
+            <a:noFill/>
+          </a:ln>
+        </p:spPr>
+        <p:style>
+          <a:lnRef idx="2">
+            <a:schemeClr val="accent1">
+              <a:shade val="50000"/>
+            </a:schemeClr>
+          </a:lnRef>
+          <a:fillRef idx="1">
+            <a:schemeClr val="accent1"/>
+          </a:fillRef>
+          <a:effectRef idx="0">
+            <a:schemeClr val="accent1"/>
+          </a:effectRef>
+          <a:fontRef idx="minor">
+            <a:schemeClr val="lt1"/>
+          </a:fontRef>
+        </p:style>
+        <p:txBody>
+          <a:bodyPr rtlCol="0" anchor="ctr"/>
+          <a:lstStyle/>
+          <a:p>
+            <a:pPr algn="ctr"/>
+            <a:endParaRPr lang="en-US" dirty="0"/>
+          </a:p>
+        </p:txBody>
+      </p:sp>
+      <p:sp>
+        <p:nvSpPr>
+          <p:cNvPr id="2" name="Title 1">
+            <a:extLst>
+              <a:ext uri="{FF2B5EF4-FFF2-40B4-BE49-F238E27FC236}">
+                <a16:creationId xmlns:a16="http://schemas.microsoft.com/office/drawing/2014/main" id="{2F86EC76-1BE7-4052-BD0B-8C2E23D61140}"/>
               </a:ext>
             </a:extLst>
           </p:cNvPr>
@@ -12315,181 +16092,1608 @@
         </p:nvSpPr>
         <p:spPr>
           <a:xfrm>
-            <a:off x="526073" y="489439"/>
-            <a:ext cx="11139854" cy="930447"/>
+            <a:off x="586478" y="1683756"/>
+            <a:ext cx="3115265" cy="2396359"/>
           </a:xfrm>
         </p:spPr>
         <p:txBody>
-          <a:bodyPr vert="horz" lIns="91440" tIns="45720" rIns="91440" bIns="45720" rtlCol="0" anchor="b">
+          <a:bodyPr anchor="b">
             <a:normAutofit/>
           </a:bodyPr>
           <a:lstStyle/>
           <a:p>
-            <a:pPr algn="ctr"/>
+            <a:pPr algn="r"/>
             <a:r>
-              <a:rPr lang="ro-RO" sz="5400" b="1" dirty="0">
+              <a:rPr lang="ro-RO" sz="4000" b="1">
                 <a:solidFill>
-                  <a:schemeClr val="bg1"/>
+                  <a:srgbClr val="FFFFFF"/>
                 </a:solidFill>
               </a:rPr>
-              <a:t>Schema bloc</a:t>
+              <a:t>Server</a:t>
             </a:r>
-            <a:endParaRPr lang="en-US" sz="5400" b="1" kern="1200" dirty="0">
+            <a:endParaRPr lang="en-US" sz="4000" b="1" dirty="0">
               <a:solidFill>
-                <a:schemeClr val="bg1"/>
+                <a:srgbClr val="FFFFFF"/>
               </a:solidFill>
-              <a:latin typeface="+mj-lt"/>
-              <a:ea typeface="+mj-ea"/>
-              <a:cs typeface="+mj-cs"/>
             </a:endParaRPr>
           </a:p>
         </p:txBody>
       </p:sp>
-      <p:cxnSp>
-        <p:nvCxnSpPr>
-          <p:cNvPr id="14" name="Straight Connector 13">
+      <p:graphicFrame>
+        <p:nvGraphicFramePr>
+          <p:cNvPr id="5" name="Content Placeholder 2">
             <a:extLst>
               <a:ext uri="{FF2B5EF4-FFF2-40B4-BE49-F238E27FC236}">
-                <a16:creationId xmlns:a16="http://schemas.microsoft.com/office/drawing/2014/main" id="{A82415D3-DDE5-4D63-8CB3-23A5EC581B27}"/>
-              </a:ext>
-              <a:ext uri="{C183D7F6-B498-43B3-948B-1728B52AA6E4}">
-                <adec:decorative xmlns:adec="http://schemas.microsoft.com/office/drawing/2017/decorative" val="1"/>
+                <a16:creationId xmlns:a16="http://schemas.microsoft.com/office/drawing/2014/main" id="{C72192A8-FD68-94C3-E4EB-A47397C57A64}"/>
               </a:ext>
             </a:extLst>
           </p:cNvPr>
-          <p:cNvCxnSpPr>
-            <a:cxnSpLocks noGrp="1" noRot="1" noChangeAspect="1" noMove="1" noResize="1" noEditPoints="1" noAdjustHandles="1" noChangeArrowheads="1" noChangeShapeType="1"/>
-          </p:cNvCxnSpPr>
+          <p:cNvGraphicFramePr>
+            <a:graphicFrameLocks noGrp="1"/>
+          </p:cNvGraphicFramePr>
           <p:nvPr>
+            <p:ph idx="1"/>
             <p:extLst>
-              <p:ext uri="{386F3935-93C4-4BCD-93E2-E3B085C9AB24}">
-                <p16:designElem xmlns:p16="http://schemas.microsoft.com/office/powerpoint/2015/main" val="1"/>
+              <p:ext uri="{D42A27DB-BD31-4B8C-83A1-F6EECF244321}">
+                <p14:modId xmlns:p14="http://schemas.microsoft.com/office/powerpoint/2010/main" val="505529686"/>
               </p:ext>
             </p:extLst>
           </p:nvPr>
-        </p:nvCxnSpPr>
-        <p:spPr>
-          <a:xfrm>
-            <a:off x="4724400" y="1479733"/>
-            <a:ext cx="2743200" cy="0"/>
-          </a:xfrm>
-          <a:prstGeom prst="line">
-            <a:avLst/>
-          </a:prstGeom>
-          <a:ln w="19050">
-            <a:solidFill>
-              <a:schemeClr val="bg1">
-                <a:alpha val="75000"/>
-              </a:schemeClr>
-            </a:solidFill>
-          </a:ln>
-        </p:spPr>
-        <p:style>
-          <a:lnRef idx="1">
-            <a:schemeClr val="accent1"/>
-          </a:lnRef>
-          <a:fillRef idx="0">
-            <a:schemeClr val="accent1"/>
-          </a:fillRef>
-          <a:effectRef idx="0">
-            <a:schemeClr val="accent1"/>
-          </a:effectRef>
-          <a:fontRef idx="minor">
-            <a:schemeClr val="tx1"/>
-          </a:fontRef>
-        </p:style>
-      </p:cxnSp>
-      <p:cxnSp>
-        <p:nvCxnSpPr>
-          <p:cNvPr id="16" name="Straight Connector 15">
+        </p:nvGraphicFramePr>
+        <p:xfrm>
+          <a:off x="4905052" y="750440"/>
+          <a:ext cx="6666833" cy="5453920"/>
+        </p:xfrm>
+        <a:graphic>
+          <a:graphicData uri="http://schemas.openxmlformats.org/drawingml/2006/diagram">
+            <dgm:relIds xmlns:dgm="http://schemas.openxmlformats.org/drawingml/2006/diagram" xmlns:r="http://schemas.openxmlformats.org/officeDocument/2006/relationships" r:dm="rId2" r:lo="rId3" r:qs="rId4" r:cs="rId5"/>
+          </a:graphicData>
+        </a:graphic>
+      </p:graphicFrame>
+    </p:spTree>
+    <p:extLst>
+      <p:ext uri="{BB962C8B-B14F-4D97-AF65-F5344CB8AC3E}">
+        <p14:creationId xmlns:p14="http://schemas.microsoft.com/office/powerpoint/2010/main" val="1144863695"/>
+      </p:ext>
+    </p:extLst>
+  </p:cSld>
+  <p:clrMapOvr>
+    <a:masterClrMapping/>
+  </p:clrMapOvr>
+</p:sld>
+</file>
+
+<file path=ppt/slides/slide16.xml><?xml version="1.0" encoding="utf-8"?>
+<p:sld xmlns:a="http://schemas.openxmlformats.org/drawingml/2006/main" xmlns:r="http://schemas.openxmlformats.org/officeDocument/2006/relationships" xmlns:p="http://schemas.openxmlformats.org/presentationml/2006/main">
+  <p:cSld>
+    <p:spTree>
+      <p:nvGrpSpPr>
+        <p:cNvPr id="1" name=""/>
+        <p:cNvGrpSpPr/>
+        <p:nvPr/>
+      </p:nvGrpSpPr>
+      <p:grpSpPr>
+        <a:xfrm>
+          <a:off x="0" y="0"/>
+          <a:ext cx="0" cy="0"/>
+          <a:chOff x="0" y="0"/>
+          <a:chExt cx="0" cy="0"/>
+        </a:xfrm>
+      </p:grpSpPr>
+      <p:sp>
+        <p:nvSpPr>
+          <p:cNvPr id="2" name="Title 1">
             <a:extLst>
               <a:ext uri="{FF2B5EF4-FFF2-40B4-BE49-F238E27FC236}">
-                <a16:creationId xmlns:a16="http://schemas.microsoft.com/office/drawing/2014/main" id="{AD7193FB-6AE6-4B3B-8F89-56B55DD63B4D}"/>
-              </a:ext>
-              <a:ext uri="{C183D7F6-B498-43B3-948B-1728B52AA6E4}">
-                <adec:decorative xmlns:adec="http://schemas.microsoft.com/office/drawing/2017/decorative" val="1"/>
+                <a16:creationId xmlns:a16="http://schemas.microsoft.com/office/drawing/2014/main" id="{56746DE2-D802-4BD0-ACBF-D9899A3C4165}"/>
               </a:ext>
             </a:extLst>
           </p:cNvPr>
-          <p:cNvCxnSpPr>
-            <a:cxnSpLocks noGrp="1" noRot="1" noChangeAspect="1" noMove="1" noResize="1" noEditPoints="1" noAdjustHandles="1" noChangeArrowheads="1" noChangeShapeType="1"/>
-          </p:cNvCxnSpPr>
+          <p:cNvSpPr>
+            <a:spLocks noGrp="1"/>
+          </p:cNvSpPr>
           <p:nvPr>
-            <p:extLst>
-              <p:ext uri="{386F3935-93C4-4BCD-93E2-E3B085C9AB24}">
-                <p16:designElem xmlns:p16="http://schemas.microsoft.com/office/powerpoint/2015/main" val="1"/>
-              </p:ext>
-            </p:extLst>
+            <p:ph type="title"/>
           </p:nvPr>
-        </p:nvCxnSpPr>
-        <p:spPr bwMode="white">
-          <a:xfrm>
-            <a:off x="0" y="2201402"/>
-            <a:ext cx="12188824" cy="0"/>
-          </a:xfrm>
-          <a:prstGeom prst="line">
-            <a:avLst/>
-          </a:prstGeom>
-          <a:ln w="50800">
-            <a:solidFill>
-              <a:schemeClr val="tx1">
-                <a:lumMod val="75000"/>
-                <a:lumOff val="25000"/>
-              </a:schemeClr>
-            </a:solidFill>
-          </a:ln>
-        </p:spPr>
-        <p:style>
-          <a:lnRef idx="1">
-            <a:schemeClr val="accent1"/>
-          </a:lnRef>
-          <a:fillRef idx="0">
-            <a:schemeClr val="accent1"/>
-          </a:fillRef>
-          <a:effectRef idx="0">
-            <a:schemeClr val="accent1"/>
-          </a:effectRef>
-          <a:fontRef idx="minor">
-            <a:schemeClr val="tx1"/>
-          </a:fontRef>
-        </p:style>
-      </p:cxnSp>
-      <p:pic>
-        <p:nvPicPr>
-          <p:cNvPr id="5" name="Content Placeholder 4" descr="A picture containing text, indoor, screenshot&#10;&#10;Description automatically generated">
+        </p:nvSpPr>
+        <p:spPr/>
+        <p:txBody>
+          <a:bodyPr>
+            <a:normAutofit/>
+          </a:bodyPr>
+          <a:lstStyle/>
+          <a:p>
+            <a:r>
+              <a:rPr lang="ro-RO" sz="3600" b="1" dirty="0"/>
+              <a:t>API</a:t>
+            </a:r>
+            <a:endParaRPr lang="en-US" sz="3600" b="1" dirty="0"/>
+          </a:p>
+        </p:txBody>
+      </p:sp>
+      <p:sp>
+        <p:nvSpPr>
+          <p:cNvPr id="3" name="Content Placeholder 2">
             <a:extLst>
               <a:ext uri="{FF2B5EF4-FFF2-40B4-BE49-F238E27FC236}">
-                <a16:creationId xmlns:a16="http://schemas.microsoft.com/office/drawing/2014/main" id="{9AC0500F-DDC3-4885-8F93-1A60A6DBD9BE}"/>
+                <a16:creationId xmlns:a16="http://schemas.microsoft.com/office/drawing/2014/main" id="{02A05C67-4FBB-42F6-BD7A-D9414C1DE4B4}"/>
               </a:ext>
             </a:extLst>
           </p:cNvPr>
-          <p:cNvPicPr>
-            <a:picLocks noGrp="1" noChangeAspect="1"/>
-          </p:cNvPicPr>
+          <p:cNvSpPr>
+            <a:spLocks noGrp="1"/>
+          </p:cNvSpPr>
           <p:nvPr>
             <p:ph idx="1"/>
           </p:nvPr>
-        </p:nvPicPr>
-        <p:blipFill>
-          <a:blip r:embed="rId2"/>
-          <a:stretch>
-            <a:fillRect/>
-          </a:stretch>
-        </p:blipFill>
-        <p:spPr>
-          <a:xfrm>
-            <a:off x="1050134" y="3429000"/>
-            <a:ext cx="10088556" cy="2496918"/>
-          </a:xfrm>
-          <a:prstGeom prst="rect">
-            <a:avLst/>
-          </a:prstGeom>
-        </p:spPr>
-      </p:pic>
+        </p:nvSpPr>
+        <p:spPr/>
+        <p:txBody>
+          <a:bodyPr>
+            <a:normAutofit/>
+          </a:bodyPr>
+          <a:lstStyle/>
+          <a:p>
+            <a:r>
+              <a:rPr lang="ro-RO" sz="2400" dirty="0"/>
+              <a:t>Pentru a putea comunica prin rețea clientul are nevoie de premisiunile:</a:t>
+            </a:r>
+          </a:p>
+          <a:p>
+            <a:pPr marL="0" indent="0" algn="ctr">
+              <a:buNone/>
+            </a:pPr>
+            <a:r>
+              <a:rPr lang="ro-RO" sz="2000" i="1" dirty="0"/>
+              <a:t>&lt;uses-permission android:name=”android.permission.INTERNET”/&gt;</a:t>
+            </a:r>
+          </a:p>
+          <a:p>
+            <a:pPr marL="0" indent="0" algn="ctr">
+              <a:buNone/>
+            </a:pPr>
+            <a:r>
+              <a:rPr lang="ro-RO" sz="2000" i="1" dirty="0"/>
+              <a:t>&lt;uses-permission android:name=”android.permission.ACCESS_NETWORK_STATE”/&gt;</a:t>
+            </a:r>
+          </a:p>
+          <a:p>
+            <a:pPr marL="0" marR="0" algn="just">
+              <a:lnSpc>
+                <a:spcPct val="107000"/>
+              </a:lnSpc>
+              <a:spcBef>
+                <a:spcPts val="0"/>
+              </a:spcBef>
+              <a:spcAft>
+                <a:spcPts val="800"/>
+              </a:spcAft>
+            </a:pPr>
+            <a:r>
+              <a:rPr lang="ro-RO" sz="2400" dirty="0"/>
+              <a:t> </a:t>
+            </a:r>
+            <a:r>
+              <a:rPr lang="ro-RO" sz="2400" dirty="0">
+                <a:effectLst/>
+                <a:ea typeface="Calibri" panose="020F0502020204030204" pitchFamily="34" charset="0"/>
+                <a:cs typeface="Times New Roman" panose="02020603050405020304" pitchFamily="18" charset="0"/>
+              </a:rPr>
+              <a:t>Am marcat cu culori diferite tipurile de dată în care trebuie să fie datele trimise împreună cu comanda astfel:</a:t>
+            </a:r>
+            <a:endParaRPr lang="en-US" sz="2400" dirty="0">
+              <a:effectLst/>
+              <a:ea typeface="Calibri" panose="020F0502020204030204" pitchFamily="34" charset="0"/>
+              <a:cs typeface="Times New Roman" panose="02020603050405020304" pitchFamily="18" charset="0"/>
+            </a:endParaRPr>
+          </a:p>
+          <a:p>
+            <a:pPr marL="457200" lvl="1">
+              <a:lnSpc>
+                <a:spcPct val="107000"/>
+              </a:lnSpc>
+              <a:spcBef>
+                <a:spcPts val="0"/>
+              </a:spcBef>
+              <a:spcAft>
+                <a:spcPts val="800"/>
+              </a:spcAft>
+            </a:pPr>
+            <a:r>
+              <a:rPr lang="ro-RO" sz="2000" b="1" dirty="0">
+                <a:solidFill>
+                  <a:srgbClr val="FF0000"/>
+                </a:solidFill>
+                <a:effectLst/>
+                <a:ea typeface="Calibri" panose="020F0502020204030204" pitchFamily="34" charset="0"/>
+                <a:cs typeface="Times New Roman" panose="02020603050405020304" pitchFamily="18" charset="0"/>
+              </a:rPr>
+              <a:t>comandă</a:t>
+            </a:r>
+            <a:endParaRPr lang="en-US" sz="2000" dirty="0">
+              <a:effectLst/>
+              <a:ea typeface="Calibri" panose="020F0502020204030204" pitchFamily="34" charset="0"/>
+              <a:cs typeface="Times New Roman" panose="02020603050405020304" pitchFamily="18" charset="0"/>
+            </a:endParaRPr>
+          </a:p>
+          <a:p>
+            <a:pPr marL="457200" lvl="1">
+              <a:lnSpc>
+                <a:spcPct val="107000"/>
+              </a:lnSpc>
+              <a:spcBef>
+                <a:spcPts val="0"/>
+              </a:spcBef>
+              <a:spcAft>
+                <a:spcPts val="800"/>
+              </a:spcAft>
+            </a:pPr>
+            <a:r>
+              <a:rPr lang="ro-RO" sz="2000" b="1" dirty="0">
+                <a:solidFill>
+                  <a:srgbClr val="00B0F0"/>
+                </a:solidFill>
+                <a:effectLst/>
+                <a:ea typeface="Calibri" panose="020F0502020204030204" pitchFamily="34" charset="0"/>
+                <a:cs typeface="Times New Roman" panose="02020603050405020304" pitchFamily="18" charset="0"/>
+              </a:rPr>
+              <a:t>șir de caractere (string)</a:t>
+            </a:r>
+            <a:endParaRPr lang="en-US" sz="2000" dirty="0">
+              <a:effectLst/>
+              <a:ea typeface="Calibri" panose="020F0502020204030204" pitchFamily="34" charset="0"/>
+              <a:cs typeface="Times New Roman" panose="02020603050405020304" pitchFamily="18" charset="0"/>
+            </a:endParaRPr>
+          </a:p>
+          <a:p>
+            <a:pPr marL="457200" lvl="1">
+              <a:lnSpc>
+                <a:spcPct val="107000"/>
+              </a:lnSpc>
+              <a:spcBef>
+                <a:spcPts val="0"/>
+              </a:spcBef>
+              <a:spcAft>
+                <a:spcPts val="800"/>
+              </a:spcAft>
+            </a:pPr>
+            <a:r>
+              <a:rPr lang="ro-RO" sz="2000" b="1" dirty="0">
+                <a:solidFill>
+                  <a:srgbClr val="00B050"/>
+                </a:solidFill>
+                <a:effectLst/>
+                <a:ea typeface="Calibri" panose="020F0502020204030204" pitchFamily="34" charset="0"/>
+                <a:cs typeface="Times New Roman" panose="02020603050405020304" pitchFamily="18" charset="0"/>
+              </a:rPr>
+              <a:t>valoare numerică (1, 2, 3, .....)</a:t>
+            </a:r>
+            <a:endParaRPr lang="en-US" sz="2000" dirty="0">
+              <a:effectLst/>
+              <a:ea typeface="Calibri" panose="020F0502020204030204" pitchFamily="34" charset="0"/>
+              <a:cs typeface="Times New Roman" panose="02020603050405020304" pitchFamily="18" charset="0"/>
+            </a:endParaRPr>
+          </a:p>
+          <a:p>
+            <a:pPr marL="457200" lvl="1">
+              <a:lnSpc>
+                <a:spcPct val="107000"/>
+              </a:lnSpc>
+              <a:spcBef>
+                <a:spcPts val="0"/>
+              </a:spcBef>
+              <a:spcAft>
+                <a:spcPts val="800"/>
+              </a:spcAft>
+            </a:pPr>
+            <a:r>
+              <a:rPr lang="ro-RO" sz="2000" b="1" dirty="0">
+                <a:solidFill>
+                  <a:srgbClr val="7030A0"/>
+                </a:solidFill>
+                <a:effectLst/>
+                <a:ea typeface="Calibri" panose="020F0502020204030204" pitchFamily="34" charset="0"/>
+                <a:cs typeface="Times New Roman" panose="02020603050405020304" pitchFamily="18" charset="0"/>
+              </a:rPr>
+              <a:t>tip de dată enum (nope / male / female / other)</a:t>
+            </a:r>
+            <a:endParaRPr lang="en-US" sz="2000" dirty="0">
+              <a:effectLst/>
+              <a:ea typeface="Calibri" panose="020F0502020204030204" pitchFamily="34" charset="0"/>
+              <a:cs typeface="Times New Roman" panose="02020603050405020304" pitchFamily="18" charset="0"/>
+            </a:endParaRPr>
+          </a:p>
+          <a:p>
+            <a:pPr marL="457200" lvl="1">
+              <a:lnSpc>
+                <a:spcPct val="107000"/>
+              </a:lnSpc>
+              <a:spcBef>
+                <a:spcPts val="0"/>
+              </a:spcBef>
+              <a:spcAft>
+                <a:spcPts val="800"/>
+              </a:spcAft>
+            </a:pPr>
+            <a:r>
+              <a:rPr lang="ro-RO" sz="2000" b="1" dirty="0">
+                <a:solidFill>
+                  <a:srgbClr val="FFC000"/>
+                </a:solidFill>
+                <a:effectLst/>
+                <a:ea typeface="Calibri" panose="020F0502020204030204" pitchFamily="34" charset="0"/>
+                <a:cs typeface="Times New Roman" panose="02020603050405020304" pitchFamily="18" charset="0"/>
+              </a:rPr>
+              <a:t>valoare booleană (true / false)</a:t>
+            </a:r>
+            <a:endParaRPr lang="en-US" sz="2000" dirty="0">
+              <a:effectLst/>
+              <a:ea typeface="Calibri" panose="020F0502020204030204" pitchFamily="34" charset="0"/>
+              <a:cs typeface="Times New Roman" panose="02020603050405020304" pitchFamily="18" charset="0"/>
+            </a:endParaRPr>
+          </a:p>
+        </p:txBody>
+      </p:sp>
     </p:spTree>
     <p:extLst>
       <p:ext uri="{BB962C8B-B14F-4D97-AF65-F5344CB8AC3E}">
-        <p14:creationId xmlns:p14="http://schemas.microsoft.com/office/powerpoint/2010/main" val="768507123"/>
+        <p14:creationId xmlns:p14="http://schemas.microsoft.com/office/powerpoint/2010/main" val="1323069212"/>
+      </p:ext>
+    </p:extLst>
+  </p:cSld>
+  <p:clrMapOvr>
+    <a:masterClrMapping/>
+  </p:clrMapOvr>
+</p:sld>
+</file>
+
+<file path=ppt/slides/slide17.xml><?xml version="1.0" encoding="utf-8"?>
+<p:sld xmlns:a="http://schemas.openxmlformats.org/drawingml/2006/main" xmlns:r="http://schemas.openxmlformats.org/officeDocument/2006/relationships" xmlns:p="http://schemas.openxmlformats.org/presentationml/2006/main">
+  <p:cSld>
+    <p:spTree>
+      <p:nvGrpSpPr>
+        <p:cNvPr id="1" name=""/>
+        <p:cNvGrpSpPr/>
+        <p:nvPr/>
+      </p:nvGrpSpPr>
+      <p:grpSpPr>
+        <a:xfrm>
+          <a:off x="0" y="0"/>
+          <a:ext cx="0" cy="0"/>
+          <a:chOff x="0" y="0"/>
+          <a:chExt cx="0" cy="0"/>
+        </a:xfrm>
+      </p:grpSpPr>
+      <p:sp>
+        <p:nvSpPr>
+          <p:cNvPr id="2" name="Title 1">
+            <a:extLst>
+              <a:ext uri="{FF2B5EF4-FFF2-40B4-BE49-F238E27FC236}">
+                <a16:creationId xmlns:a16="http://schemas.microsoft.com/office/drawing/2014/main" id="{8E6CBEFF-5746-41BC-A8EF-15E1C1C47C76}"/>
+              </a:ext>
+            </a:extLst>
+          </p:cNvPr>
+          <p:cNvSpPr>
+            <a:spLocks noGrp="1"/>
+          </p:cNvSpPr>
+          <p:nvPr>
+            <p:ph type="title"/>
+          </p:nvPr>
+        </p:nvSpPr>
+        <p:spPr/>
+        <p:txBody>
+          <a:bodyPr/>
+          <a:lstStyle/>
+          <a:p>
+            <a:r>
+              <a:rPr lang="ro-RO"/>
+              <a:t>Comenzi:</a:t>
+            </a:r>
+            <a:endParaRPr lang="en-US" dirty="0"/>
+          </a:p>
+        </p:txBody>
+      </p:sp>
+      <p:sp>
+        <p:nvSpPr>
+          <p:cNvPr id="3" name="Content Placeholder 2">
+            <a:extLst>
+              <a:ext uri="{FF2B5EF4-FFF2-40B4-BE49-F238E27FC236}">
+                <a16:creationId xmlns:a16="http://schemas.microsoft.com/office/drawing/2014/main" id="{7FAC6E17-9F16-49C5-B78B-FA762B5E6D62}"/>
+              </a:ext>
+            </a:extLst>
+          </p:cNvPr>
+          <p:cNvSpPr>
+            <a:spLocks noGrp="1"/>
+          </p:cNvSpPr>
+          <p:nvPr>
+            <p:ph idx="1"/>
+          </p:nvPr>
+        </p:nvSpPr>
+        <p:spPr/>
+        <p:txBody>
+          <a:bodyPr>
+            <a:normAutofit/>
+          </a:bodyPr>
+          <a:lstStyle/>
+          <a:p>
+            <a:r>
+              <a:rPr lang="en-US" sz="2000" b="1" dirty="0">
+                <a:effectLst/>
+                <a:ea typeface="Calibri" panose="020F0502020204030204" pitchFamily="34" charset="0"/>
+                <a:cs typeface="Times New Roman" panose="02020603050405020304" pitchFamily="18" charset="0"/>
+              </a:rPr>
+              <a:t>c!</a:t>
+            </a:r>
+            <a:r>
+              <a:rPr lang="en-US" sz="2000" b="1" dirty="0">
+                <a:solidFill>
+                  <a:srgbClr val="FF0000"/>
+                </a:solidFill>
+                <a:effectLst/>
+                <a:ea typeface="Calibri" panose="020F0502020204030204" pitchFamily="34" charset="0"/>
+                <a:cs typeface="Times New Roman" panose="02020603050405020304" pitchFamily="18" charset="0"/>
+              </a:rPr>
+              <a:t>login_req</a:t>
+            </a:r>
+            <a:r>
+              <a:rPr lang="en-US" sz="2000" b="1" dirty="0">
+                <a:effectLst/>
+                <a:ea typeface="Calibri" panose="020F0502020204030204" pitchFamily="34" charset="0"/>
+                <a:cs typeface="Times New Roman" panose="02020603050405020304" pitchFamily="18" charset="0"/>
+              </a:rPr>
+              <a:t>#</a:t>
+            </a:r>
+            <a:r>
+              <a:rPr lang="en-US" sz="2000" b="1" i="1" dirty="0">
+                <a:solidFill>
+                  <a:srgbClr val="00B0F0"/>
+                </a:solidFill>
+                <a:effectLst/>
+                <a:ea typeface="Calibri" panose="020F0502020204030204" pitchFamily="34" charset="0"/>
+                <a:cs typeface="Times New Roman" panose="02020603050405020304" pitchFamily="18" charset="0"/>
+              </a:rPr>
+              <a:t>mail</a:t>
+            </a:r>
+            <a:r>
+              <a:rPr lang="en-US" sz="2000" b="1" dirty="0">
+                <a:effectLst/>
+                <a:ea typeface="Calibri" panose="020F0502020204030204" pitchFamily="34" charset="0"/>
+                <a:cs typeface="Times New Roman" panose="02020603050405020304" pitchFamily="18" charset="0"/>
+              </a:rPr>
+              <a:t>#</a:t>
+            </a:r>
+            <a:r>
+              <a:rPr lang="en-US" sz="2000" b="1" i="1" dirty="0">
+                <a:solidFill>
+                  <a:srgbClr val="00B050"/>
+                </a:solidFill>
+                <a:effectLst/>
+                <a:ea typeface="Calibri" panose="020F0502020204030204" pitchFamily="34" charset="0"/>
+                <a:cs typeface="Times New Roman" panose="02020603050405020304" pitchFamily="18" charset="0"/>
+              </a:rPr>
+              <a:t>pwd</a:t>
+            </a:r>
+            <a:r>
+              <a:rPr lang="en-US" sz="2000" b="1" dirty="0">
+                <a:effectLst/>
+                <a:ea typeface="Calibri" panose="020F0502020204030204" pitchFamily="34" charset="0"/>
+                <a:cs typeface="Times New Roman" panose="02020603050405020304" pitchFamily="18" charset="0"/>
+              </a:rPr>
+              <a:t>#</a:t>
+            </a:r>
+            <a:endParaRPr lang="ro-RO" sz="2000" b="1" dirty="0">
+              <a:effectLst/>
+              <a:ea typeface="Calibri" panose="020F0502020204030204" pitchFamily="34" charset="0"/>
+              <a:cs typeface="Times New Roman" panose="02020603050405020304" pitchFamily="18" charset="0"/>
+            </a:endParaRPr>
+          </a:p>
+          <a:p>
+            <a:pPr lvl="1"/>
+            <a:r>
+              <a:rPr lang="en-US" sz="2000" b="1" dirty="0">
+                <a:effectLst/>
+                <a:ea typeface="Calibri" panose="020F0502020204030204" pitchFamily="34" charset="0"/>
+                <a:cs typeface="Times New Roman" panose="02020603050405020304" pitchFamily="18" charset="0"/>
+              </a:rPr>
+              <a:t>s!</a:t>
+            </a:r>
+            <a:r>
+              <a:rPr lang="en-US" sz="2000" b="1" dirty="0">
+                <a:solidFill>
+                  <a:srgbClr val="FF0000"/>
+                </a:solidFill>
+                <a:effectLst/>
+                <a:ea typeface="Calibri" panose="020F0502020204030204" pitchFamily="34" charset="0"/>
+                <a:cs typeface="Times New Roman" panose="02020603050405020304" pitchFamily="18" charset="0"/>
+              </a:rPr>
+              <a:t>login_ok</a:t>
+            </a:r>
+            <a:r>
+              <a:rPr lang="en-US" sz="2000" b="1" dirty="0">
+                <a:effectLst/>
+                <a:ea typeface="Calibri" panose="020F0502020204030204" pitchFamily="34" charset="0"/>
+                <a:cs typeface="Times New Roman" panose="02020603050405020304" pitchFamily="18" charset="0"/>
+              </a:rPr>
+              <a:t>#</a:t>
+            </a:r>
+            <a:r>
+              <a:rPr lang="en-US" sz="2000" b="1" i="1" dirty="0">
+                <a:solidFill>
+                  <a:srgbClr val="00B0F0"/>
+                </a:solidFill>
+                <a:effectLst/>
+                <a:ea typeface="Calibri" panose="020F0502020204030204" pitchFamily="34" charset="0"/>
+                <a:cs typeface="Times New Roman" panose="02020603050405020304" pitchFamily="18" charset="0"/>
+              </a:rPr>
+              <a:t>mail</a:t>
+            </a:r>
+            <a:r>
+              <a:rPr lang="en-US" sz="2000" b="1" i="1" dirty="0">
+                <a:effectLst/>
+                <a:ea typeface="Calibri" panose="020F0502020204030204" pitchFamily="34" charset="0"/>
+                <a:cs typeface="Times New Roman" panose="02020603050405020304" pitchFamily="18" charset="0"/>
+              </a:rPr>
+              <a:t>,</a:t>
+            </a:r>
+            <a:r>
+              <a:rPr lang="en-US" sz="2000" b="1" i="1" dirty="0">
+                <a:solidFill>
+                  <a:srgbClr val="00B050"/>
+                </a:solidFill>
+                <a:effectLst/>
+                <a:ea typeface="Calibri" panose="020F0502020204030204" pitchFamily="34" charset="0"/>
+                <a:cs typeface="Times New Roman" panose="02020603050405020304" pitchFamily="18" charset="0"/>
+              </a:rPr>
+              <a:t>pwd</a:t>
+            </a:r>
+            <a:r>
+              <a:rPr lang="en-US" sz="2000" b="1" i="1" dirty="0">
+                <a:solidFill>
+                  <a:srgbClr val="00B0F0"/>
+                </a:solidFill>
+                <a:effectLst/>
+                <a:ea typeface="Calibri" panose="020F0502020204030204" pitchFamily="34" charset="0"/>
+                <a:cs typeface="Times New Roman" panose="02020603050405020304" pitchFamily="18" charset="0"/>
+              </a:rPr>
+              <a:t>,fullname</a:t>
+            </a:r>
+            <a:r>
+              <a:rPr lang="en-US" sz="2000" b="1" i="1" dirty="0">
+                <a:effectLst/>
+                <a:ea typeface="Calibri" panose="020F0502020204030204" pitchFamily="34" charset="0"/>
+                <a:cs typeface="Times New Roman" panose="02020603050405020304" pitchFamily="18" charset="0"/>
+              </a:rPr>
+              <a:t>,</a:t>
+            </a:r>
+            <a:r>
+              <a:rPr lang="en-US" sz="2000" b="1" i="1" dirty="0">
+                <a:solidFill>
+                  <a:srgbClr val="00B050"/>
+                </a:solidFill>
+                <a:effectLst/>
+                <a:ea typeface="Calibri" panose="020F0502020204030204" pitchFamily="34" charset="0"/>
+                <a:cs typeface="Times New Roman" panose="02020603050405020304" pitchFamily="18" charset="0"/>
+              </a:rPr>
+              <a:t>age</a:t>
+            </a:r>
+            <a:r>
+              <a:rPr lang="en-US" sz="2000" b="1" i="1" dirty="0">
+                <a:effectLst/>
+                <a:ea typeface="Calibri" panose="020F0502020204030204" pitchFamily="34" charset="0"/>
+                <a:cs typeface="Times New Roman" panose="02020603050405020304" pitchFamily="18" charset="0"/>
+              </a:rPr>
+              <a:t>,</a:t>
+            </a:r>
+            <a:r>
+              <a:rPr lang="en-US" sz="2000" b="1" i="1" dirty="0">
+                <a:solidFill>
+                  <a:srgbClr val="7030A0"/>
+                </a:solidFill>
+                <a:effectLst/>
+                <a:ea typeface="Calibri" panose="020F0502020204030204" pitchFamily="34" charset="0"/>
+                <a:cs typeface="Times New Roman" panose="02020603050405020304" pitchFamily="18" charset="0"/>
+              </a:rPr>
+              <a:t>gender</a:t>
+            </a:r>
+            <a:r>
+              <a:rPr lang="en-US" sz="2000" b="1" dirty="0">
+                <a:effectLst/>
+                <a:ea typeface="Calibri" panose="020F0502020204030204" pitchFamily="34" charset="0"/>
+                <a:cs typeface="Times New Roman" panose="02020603050405020304" pitchFamily="18" charset="0"/>
+              </a:rPr>
+              <a:t>#</a:t>
+            </a:r>
+            <a:r>
+              <a:rPr lang="en-US" sz="2000" dirty="0">
+                <a:effectLst/>
+                <a:ea typeface="Calibri" panose="020F0502020204030204" pitchFamily="34" charset="0"/>
+                <a:cs typeface="Times New Roman" panose="02020603050405020304" pitchFamily="18" charset="0"/>
+              </a:rPr>
+              <a:t> </a:t>
+            </a:r>
+            <a:endParaRPr lang="ro-RO" sz="2000" b="1" dirty="0">
+              <a:ea typeface="Calibri" panose="020F0502020204030204" pitchFamily="34" charset="0"/>
+              <a:cs typeface="Times New Roman" panose="02020603050405020304" pitchFamily="18" charset="0"/>
+            </a:endParaRPr>
+          </a:p>
+          <a:p>
+            <a:pPr lvl="1"/>
+            <a:r>
+              <a:rPr lang="en-US" sz="2000" b="1" dirty="0">
+                <a:effectLst/>
+                <a:ea typeface="Calibri" panose="020F0502020204030204" pitchFamily="34" charset="0"/>
+                <a:cs typeface="Times New Roman" panose="02020603050405020304" pitchFamily="18" charset="0"/>
+              </a:rPr>
+              <a:t>s!</a:t>
+            </a:r>
+            <a:r>
+              <a:rPr lang="en-US" sz="2000" b="1" dirty="0">
+                <a:solidFill>
+                  <a:srgbClr val="FF0000"/>
+                </a:solidFill>
+                <a:effectLst/>
+                <a:ea typeface="Calibri" panose="020F0502020204030204" pitchFamily="34" charset="0"/>
+                <a:cs typeface="Times New Roman" panose="02020603050405020304" pitchFamily="18" charset="0"/>
+              </a:rPr>
+              <a:t>login_err</a:t>
+            </a:r>
+            <a:r>
+              <a:rPr lang="en-US" sz="2000" b="1" dirty="0">
+                <a:effectLst/>
+                <a:ea typeface="Calibri" panose="020F0502020204030204" pitchFamily="34" charset="0"/>
+                <a:cs typeface="Times New Roman" panose="02020603050405020304" pitchFamily="18" charset="0"/>
+              </a:rPr>
+              <a:t>#</a:t>
+            </a:r>
+            <a:endParaRPr lang="ro-RO" sz="2000" b="1" dirty="0">
+              <a:effectLst/>
+              <a:ea typeface="Calibri" panose="020F0502020204030204" pitchFamily="34" charset="0"/>
+              <a:cs typeface="Times New Roman" panose="02020603050405020304" pitchFamily="18" charset="0"/>
+            </a:endParaRPr>
+          </a:p>
+          <a:p>
+            <a:r>
+              <a:rPr lang="en-US" sz="2000" b="1" dirty="0">
+                <a:effectLst/>
+                <a:ea typeface="Calibri" panose="020F0502020204030204" pitchFamily="34" charset="0"/>
+                <a:cs typeface="Times New Roman" panose="02020603050405020304" pitchFamily="18" charset="0"/>
+              </a:rPr>
+              <a:t>c!</a:t>
+            </a:r>
+            <a:r>
+              <a:rPr lang="en-US" sz="2000" b="1" dirty="0">
+                <a:solidFill>
+                  <a:srgbClr val="FF0000"/>
+                </a:solidFill>
+                <a:effectLst/>
+                <a:ea typeface="Calibri" panose="020F0502020204030204" pitchFamily="34" charset="0"/>
+                <a:cs typeface="Times New Roman" panose="02020603050405020304" pitchFamily="18" charset="0"/>
+              </a:rPr>
+              <a:t>reg_req</a:t>
+            </a:r>
+            <a:r>
+              <a:rPr lang="en-US" sz="2000" b="1" dirty="0">
+                <a:effectLst/>
+                <a:ea typeface="Calibri" panose="020F0502020204030204" pitchFamily="34" charset="0"/>
+                <a:cs typeface="Times New Roman" panose="02020603050405020304" pitchFamily="18" charset="0"/>
+              </a:rPr>
+              <a:t>#</a:t>
+            </a:r>
+            <a:r>
+              <a:rPr lang="en-US" sz="2000" b="1" i="1" dirty="0">
+                <a:solidFill>
+                  <a:srgbClr val="00B0F0"/>
+                </a:solidFill>
+                <a:effectLst/>
+                <a:ea typeface="Calibri" panose="020F0502020204030204" pitchFamily="34" charset="0"/>
+                <a:cs typeface="Times New Roman" panose="02020603050405020304" pitchFamily="18" charset="0"/>
+              </a:rPr>
+              <a:t>mail</a:t>
+            </a:r>
+            <a:r>
+              <a:rPr lang="en-US" sz="2000" b="1" i="1" dirty="0">
+                <a:effectLst/>
+                <a:ea typeface="Calibri" panose="020F0502020204030204" pitchFamily="34" charset="0"/>
+                <a:cs typeface="Times New Roman" panose="02020603050405020304" pitchFamily="18" charset="0"/>
+              </a:rPr>
+              <a:t>,</a:t>
+            </a:r>
+            <a:r>
+              <a:rPr lang="en-US" sz="2000" b="1" i="1" dirty="0">
+                <a:solidFill>
+                  <a:srgbClr val="00B050"/>
+                </a:solidFill>
+                <a:effectLst/>
+                <a:ea typeface="Calibri" panose="020F0502020204030204" pitchFamily="34" charset="0"/>
+                <a:cs typeface="Times New Roman" panose="02020603050405020304" pitchFamily="18" charset="0"/>
+              </a:rPr>
+              <a:t>pwd</a:t>
+            </a:r>
+            <a:r>
+              <a:rPr lang="en-US" sz="2000" b="1" i="1" dirty="0">
+                <a:effectLst/>
+                <a:ea typeface="Calibri" panose="020F0502020204030204" pitchFamily="34" charset="0"/>
+                <a:cs typeface="Times New Roman" panose="02020603050405020304" pitchFamily="18" charset="0"/>
+              </a:rPr>
+              <a:t>,</a:t>
+            </a:r>
+            <a:r>
+              <a:rPr lang="en-US" sz="2000" b="1" i="1" dirty="0">
+                <a:solidFill>
+                  <a:srgbClr val="00B0F0"/>
+                </a:solidFill>
+                <a:effectLst/>
+                <a:ea typeface="Calibri" panose="020F0502020204030204" pitchFamily="34" charset="0"/>
+                <a:cs typeface="Times New Roman" panose="02020603050405020304" pitchFamily="18" charset="0"/>
+              </a:rPr>
+              <a:t>fullname</a:t>
+            </a:r>
+            <a:r>
+              <a:rPr lang="en-US" sz="2000" b="1" i="1" dirty="0">
+                <a:effectLst/>
+                <a:ea typeface="Calibri" panose="020F0502020204030204" pitchFamily="34" charset="0"/>
+                <a:cs typeface="Times New Roman" panose="02020603050405020304" pitchFamily="18" charset="0"/>
+              </a:rPr>
+              <a:t>,</a:t>
+            </a:r>
+            <a:r>
+              <a:rPr lang="en-US" sz="2000" b="1" i="1" dirty="0">
+                <a:solidFill>
+                  <a:srgbClr val="00B050"/>
+                </a:solidFill>
+                <a:effectLst/>
+                <a:ea typeface="Calibri" panose="020F0502020204030204" pitchFamily="34" charset="0"/>
+                <a:cs typeface="Times New Roman" panose="02020603050405020304" pitchFamily="18" charset="0"/>
+              </a:rPr>
+              <a:t>age</a:t>
+            </a:r>
+            <a:r>
+              <a:rPr lang="en-US" sz="2000" b="1" i="1" dirty="0">
+                <a:effectLst/>
+                <a:ea typeface="Calibri" panose="020F0502020204030204" pitchFamily="34" charset="0"/>
+                <a:cs typeface="Times New Roman" panose="02020603050405020304" pitchFamily="18" charset="0"/>
+              </a:rPr>
+              <a:t>,</a:t>
+            </a:r>
+            <a:r>
+              <a:rPr lang="en-US" sz="2000" b="1" i="1" dirty="0">
+                <a:solidFill>
+                  <a:srgbClr val="7030A0"/>
+                </a:solidFill>
+                <a:effectLst/>
+                <a:ea typeface="Calibri" panose="020F0502020204030204" pitchFamily="34" charset="0"/>
+                <a:cs typeface="Times New Roman" panose="02020603050405020304" pitchFamily="18" charset="0"/>
+              </a:rPr>
+              <a:t>gender</a:t>
+            </a:r>
+            <a:r>
+              <a:rPr lang="en-US" sz="2000" b="1" dirty="0">
+                <a:effectLst/>
+                <a:ea typeface="Calibri" panose="020F0502020204030204" pitchFamily="34" charset="0"/>
+                <a:cs typeface="Times New Roman" panose="02020603050405020304" pitchFamily="18" charset="0"/>
+              </a:rPr>
+              <a:t>#</a:t>
+            </a:r>
+            <a:endParaRPr lang="ro-RO" sz="2000" b="1" dirty="0">
+              <a:effectLst/>
+              <a:ea typeface="Calibri" panose="020F0502020204030204" pitchFamily="34" charset="0"/>
+              <a:cs typeface="Times New Roman" panose="02020603050405020304" pitchFamily="18" charset="0"/>
+            </a:endParaRPr>
+          </a:p>
+          <a:p>
+            <a:pPr lvl="1"/>
+            <a:r>
+              <a:rPr lang="en-US" sz="2000" b="1" dirty="0">
+                <a:effectLst/>
+                <a:ea typeface="Calibri" panose="020F0502020204030204" pitchFamily="34" charset="0"/>
+                <a:cs typeface="Times New Roman" panose="02020603050405020304" pitchFamily="18" charset="0"/>
+              </a:rPr>
+              <a:t>s!</a:t>
+            </a:r>
+            <a:r>
+              <a:rPr lang="en-US" sz="2000" b="1" dirty="0">
+                <a:solidFill>
+                  <a:srgbClr val="FF0000"/>
+                </a:solidFill>
+                <a:effectLst/>
+                <a:ea typeface="Calibri" panose="020F0502020204030204" pitchFamily="34" charset="0"/>
+                <a:cs typeface="Times New Roman" panose="02020603050405020304" pitchFamily="18" charset="0"/>
+              </a:rPr>
+              <a:t>reg_ok</a:t>
+            </a:r>
+            <a:r>
+              <a:rPr lang="en-US" sz="2000" b="1" dirty="0">
+                <a:effectLst/>
+                <a:ea typeface="Calibri" panose="020F0502020204030204" pitchFamily="34" charset="0"/>
+                <a:cs typeface="Times New Roman" panose="02020603050405020304" pitchFamily="18" charset="0"/>
+              </a:rPr>
+              <a:t>#</a:t>
+            </a:r>
+            <a:r>
+              <a:rPr lang="en-US" sz="2000" dirty="0">
+                <a:effectLst/>
+                <a:ea typeface="Calibri" panose="020F0502020204030204" pitchFamily="34" charset="0"/>
+                <a:cs typeface="Times New Roman" panose="02020603050405020304" pitchFamily="18" charset="0"/>
+              </a:rPr>
+              <a:t> </a:t>
+            </a:r>
+            <a:endParaRPr lang="ro-RO" sz="2000" b="1" dirty="0">
+              <a:ea typeface="Calibri" panose="020F0502020204030204" pitchFamily="34" charset="0"/>
+              <a:cs typeface="Times New Roman" panose="02020603050405020304" pitchFamily="18" charset="0"/>
+            </a:endParaRPr>
+          </a:p>
+          <a:p>
+            <a:pPr lvl="1"/>
+            <a:r>
+              <a:rPr lang="en-US" sz="2000" b="1" dirty="0">
+                <a:effectLst/>
+                <a:ea typeface="Calibri" panose="020F0502020204030204" pitchFamily="34" charset="0"/>
+                <a:cs typeface="Times New Roman" panose="02020603050405020304" pitchFamily="18" charset="0"/>
+              </a:rPr>
+              <a:t>s!</a:t>
+            </a:r>
+            <a:r>
+              <a:rPr lang="en-US" sz="2000" b="1" dirty="0">
+                <a:solidFill>
+                  <a:srgbClr val="FF0000"/>
+                </a:solidFill>
+                <a:effectLst/>
+                <a:ea typeface="Calibri" panose="020F0502020204030204" pitchFamily="34" charset="0"/>
+                <a:cs typeface="Times New Roman" panose="02020603050405020304" pitchFamily="18" charset="0"/>
+              </a:rPr>
+              <a:t>reg_err</a:t>
+            </a:r>
+            <a:r>
+              <a:rPr lang="en-US" sz="2000" b="1" dirty="0">
+                <a:effectLst/>
+                <a:ea typeface="Calibri" panose="020F0502020204030204" pitchFamily="34" charset="0"/>
+                <a:cs typeface="Times New Roman" panose="02020603050405020304" pitchFamily="18" charset="0"/>
+              </a:rPr>
+              <a:t>#</a:t>
+            </a:r>
+            <a:endParaRPr lang="ro-RO" sz="2000" b="1" dirty="0">
+              <a:effectLst/>
+              <a:ea typeface="Calibri" panose="020F0502020204030204" pitchFamily="34" charset="0"/>
+              <a:cs typeface="Times New Roman" panose="02020603050405020304" pitchFamily="18" charset="0"/>
+            </a:endParaRPr>
+          </a:p>
+          <a:p>
+            <a:r>
+              <a:rPr lang="en-US" sz="2000" b="1" dirty="0">
+                <a:effectLst/>
+                <a:ea typeface="Calibri" panose="020F0502020204030204" pitchFamily="34" charset="0"/>
+                <a:cs typeface="Times New Roman" panose="02020603050405020304" pitchFamily="18" charset="0"/>
+              </a:rPr>
+              <a:t>c!</a:t>
+            </a:r>
+            <a:r>
+              <a:rPr lang="en-US" sz="2000" b="1" dirty="0">
+                <a:solidFill>
+                  <a:srgbClr val="FF0000"/>
+                </a:solidFill>
+                <a:effectLst/>
+                <a:ea typeface="Calibri" panose="020F0502020204030204" pitchFamily="34" charset="0"/>
+                <a:cs typeface="Times New Roman" panose="02020603050405020304" pitchFamily="18" charset="0"/>
+              </a:rPr>
+              <a:t>getP_req</a:t>
+            </a:r>
+            <a:r>
+              <a:rPr lang="en-US" sz="2000" b="1" dirty="0">
+                <a:effectLst/>
+                <a:ea typeface="Calibri" panose="020F0502020204030204" pitchFamily="34" charset="0"/>
+                <a:cs typeface="Times New Roman" panose="02020603050405020304" pitchFamily="18" charset="0"/>
+              </a:rPr>
+              <a:t>#</a:t>
+            </a:r>
+            <a:r>
+              <a:rPr lang="en-US" sz="2000" b="1" i="1" dirty="0">
+                <a:solidFill>
+                  <a:srgbClr val="00B050"/>
+                </a:solidFill>
+                <a:effectLst/>
+                <a:ea typeface="Calibri" panose="020F0502020204030204" pitchFamily="34" charset="0"/>
+                <a:cs typeface="Times New Roman" panose="02020603050405020304" pitchFamily="18" charset="0"/>
+              </a:rPr>
+              <a:t>ageMin</a:t>
+            </a:r>
+            <a:r>
+              <a:rPr lang="en-US" sz="2000" b="1" dirty="0">
+                <a:effectLst/>
+                <a:ea typeface="Calibri" panose="020F0502020204030204" pitchFamily="34" charset="0"/>
+                <a:cs typeface="Times New Roman" panose="02020603050405020304" pitchFamily="18" charset="0"/>
+              </a:rPr>
+              <a:t>#</a:t>
+            </a:r>
+            <a:r>
+              <a:rPr lang="en-US" sz="2000" b="1" i="1" dirty="0">
+                <a:solidFill>
+                  <a:srgbClr val="00B050"/>
+                </a:solidFill>
+                <a:effectLst/>
+                <a:ea typeface="Calibri" panose="020F0502020204030204" pitchFamily="34" charset="0"/>
+                <a:cs typeface="Times New Roman" panose="02020603050405020304" pitchFamily="18" charset="0"/>
+              </a:rPr>
+              <a:t>ageMax</a:t>
+            </a:r>
+            <a:r>
+              <a:rPr lang="en-US" sz="2000" b="1" dirty="0">
+                <a:effectLst/>
+                <a:ea typeface="Calibri" panose="020F0502020204030204" pitchFamily="34" charset="0"/>
+                <a:cs typeface="Times New Roman" panose="02020603050405020304" pitchFamily="18" charset="0"/>
+              </a:rPr>
+              <a:t>#</a:t>
+            </a:r>
+            <a:r>
+              <a:rPr lang="en-US" sz="2000" b="1" i="1" dirty="0">
+                <a:solidFill>
+                  <a:srgbClr val="FFC000"/>
+                </a:solidFill>
+                <a:effectLst/>
+                <a:ea typeface="Calibri" panose="020F0502020204030204" pitchFamily="34" charset="0"/>
+                <a:cs typeface="Times New Roman" panose="02020603050405020304" pitchFamily="18" charset="0"/>
+              </a:rPr>
+              <a:t>sMale</a:t>
+            </a:r>
+            <a:r>
+              <a:rPr lang="en-US" sz="2000" b="1" dirty="0">
+                <a:effectLst/>
+                <a:ea typeface="Calibri" panose="020F0502020204030204" pitchFamily="34" charset="0"/>
+                <a:cs typeface="Times New Roman" panose="02020603050405020304" pitchFamily="18" charset="0"/>
+              </a:rPr>
+              <a:t>#</a:t>
+            </a:r>
+            <a:r>
+              <a:rPr lang="en-US" sz="2000" b="1" i="1" dirty="0">
+                <a:solidFill>
+                  <a:srgbClr val="FFC000"/>
+                </a:solidFill>
+                <a:effectLst/>
+                <a:ea typeface="Calibri" panose="020F0502020204030204" pitchFamily="34" charset="0"/>
+                <a:cs typeface="Times New Roman" panose="02020603050405020304" pitchFamily="18" charset="0"/>
+              </a:rPr>
+              <a:t>sFemale</a:t>
+            </a:r>
+            <a:r>
+              <a:rPr lang="en-US" sz="2000" b="1" dirty="0">
+                <a:effectLst/>
+                <a:ea typeface="Calibri" panose="020F0502020204030204" pitchFamily="34" charset="0"/>
+                <a:cs typeface="Times New Roman" panose="02020603050405020304" pitchFamily="18" charset="0"/>
+              </a:rPr>
+              <a:t>#</a:t>
+            </a:r>
+            <a:r>
+              <a:rPr lang="en-US" sz="2000" b="1" i="1" dirty="0">
+                <a:solidFill>
+                  <a:srgbClr val="FFC000"/>
+                </a:solidFill>
+                <a:effectLst/>
+                <a:ea typeface="Calibri" panose="020F0502020204030204" pitchFamily="34" charset="0"/>
+                <a:cs typeface="Times New Roman" panose="02020603050405020304" pitchFamily="18" charset="0"/>
+              </a:rPr>
+              <a:t>sOther</a:t>
+            </a:r>
+            <a:r>
+              <a:rPr lang="en-US" sz="2000" b="1" dirty="0">
+                <a:effectLst/>
+                <a:ea typeface="Calibri" panose="020F0502020204030204" pitchFamily="34" charset="0"/>
+                <a:cs typeface="Times New Roman" panose="02020603050405020304" pitchFamily="18" charset="0"/>
+              </a:rPr>
+              <a:t>#</a:t>
+            </a:r>
+            <a:r>
+              <a:rPr lang="en-US" sz="2000" dirty="0">
+                <a:effectLst/>
+                <a:ea typeface="Calibri" panose="020F0502020204030204" pitchFamily="34" charset="0"/>
+                <a:cs typeface="Times New Roman" panose="02020603050405020304" pitchFamily="18" charset="0"/>
+              </a:rPr>
+              <a:t> </a:t>
+            </a:r>
+            <a:endParaRPr lang="ro-RO" sz="2000" dirty="0">
+              <a:effectLst/>
+              <a:ea typeface="Calibri" panose="020F0502020204030204" pitchFamily="34" charset="0"/>
+              <a:cs typeface="Times New Roman" panose="02020603050405020304" pitchFamily="18" charset="0"/>
+            </a:endParaRPr>
+          </a:p>
+          <a:p>
+            <a:pPr lvl="1"/>
+            <a:r>
+              <a:rPr lang="en-US" sz="2000" b="1" dirty="0">
+                <a:effectLst/>
+                <a:ea typeface="Calibri" panose="020F0502020204030204" pitchFamily="34" charset="0"/>
+                <a:cs typeface="Times New Roman" panose="02020603050405020304" pitchFamily="18" charset="0"/>
+              </a:rPr>
+              <a:t>s!</a:t>
+            </a:r>
+            <a:r>
+              <a:rPr lang="en-US" sz="2000" b="1" dirty="0">
+                <a:solidFill>
+                  <a:srgbClr val="FF0000"/>
+                </a:solidFill>
+                <a:effectLst/>
+                <a:ea typeface="Calibri" panose="020F0502020204030204" pitchFamily="34" charset="0"/>
+                <a:cs typeface="Times New Roman" panose="02020603050405020304" pitchFamily="18" charset="0"/>
+              </a:rPr>
+              <a:t>getP_inv</a:t>
+            </a:r>
+            <a:r>
+              <a:rPr lang="en-US" sz="2000" b="1" dirty="0">
+                <a:effectLst/>
+                <a:ea typeface="Calibri" panose="020F0502020204030204" pitchFamily="34" charset="0"/>
+                <a:cs typeface="Times New Roman" panose="02020603050405020304" pitchFamily="18" charset="0"/>
+              </a:rPr>
+              <a:t>#</a:t>
+            </a:r>
+            <a:r>
+              <a:rPr lang="en-US" sz="2000" dirty="0">
+                <a:effectLst/>
+                <a:ea typeface="Calibri" panose="020F0502020204030204" pitchFamily="34" charset="0"/>
+                <a:cs typeface="Times New Roman" panose="02020603050405020304" pitchFamily="18" charset="0"/>
+              </a:rPr>
+              <a:t> </a:t>
+            </a:r>
+            <a:endParaRPr lang="ro-RO" sz="2000" dirty="0">
+              <a:ea typeface="Calibri" panose="020F0502020204030204" pitchFamily="34" charset="0"/>
+              <a:cs typeface="Times New Roman" panose="02020603050405020304" pitchFamily="18" charset="0"/>
+            </a:endParaRPr>
+          </a:p>
+          <a:p>
+            <a:pPr lvl="1"/>
+            <a:r>
+              <a:rPr lang="ro-RO" sz="2000" b="1" dirty="0">
+                <a:effectLst/>
+                <a:ea typeface="Calibri" panose="020F0502020204030204" pitchFamily="34" charset="0"/>
+                <a:cs typeface="Times New Roman" panose="02020603050405020304" pitchFamily="18" charset="0"/>
+              </a:rPr>
+              <a:t>s!</a:t>
+            </a:r>
+            <a:r>
+              <a:rPr lang="ro-RO" sz="2000" b="1" dirty="0">
+                <a:solidFill>
+                  <a:srgbClr val="FF0000"/>
+                </a:solidFill>
+                <a:effectLst/>
+                <a:ea typeface="Calibri" panose="020F0502020204030204" pitchFamily="34" charset="0"/>
+                <a:cs typeface="Times New Roman" panose="02020603050405020304" pitchFamily="18" charset="0"/>
+              </a:rPr>
+              <a:t>getP_err</a:t>
+            </a:r>
+            <a:r>
+              <a:rPr lang="ro-RO" sz="2000" b="1" dirty="0">
+                <a:effectLst/>
+                <a:ea typeface="Calibri" panose="020F0502020204030204" pitchFamily="34" charset="0"/>
+                <a:cs typeface="Times New Roman" panose="02020603050405020304" pitchFamily="18" charset="0"/>
+              </a:rPr>
+              <a:t>#</a:t>
+            </a:r>
+            <a:r>
+              <a:rPr lang="ro-RO" sz="2000" dirty="0">
+                <a:effectLst/>
+                <a:ea typeface="Calibri" panose="020F0502020204030204" pitchFamily="34" charset="0"/>
+                <a:cs typeface="Times New Roman" panose="02020603050405020304" pitchFamily="18" charset="0"/>
+              </a:rPr>
+              <a:t> </a:t>
+            </a:r>
+          </a:p>
+          <a:p>
+            <a:pPr lvl="1"/>
+            <a:r>
+              <a:rPr lang="ro-RO" sz="2000" b="1" dirty="0">
+                <a:effectLst/>
+                <a:ea typeface="Calibri" panose="020F0502020204030204" pitchFamily="34" charset="0"/>
+                <a:cs typeface="Times New Roman" panose="02020603050405020304" pitchFamily="18" charset="0"/>
+              </a:rPr>
+              <a:t>s!</a:t>
+            </a:r>
+            <a:r>
+              <a:rPr lang="ro-RO" sz="2000" b="1" dirty="0">
+                <a:solidFill>
+                  <a:srgbClr val="FF0000"/>
+                </a:solidFill>
+                <a:effectLst/>
+                <a:ea typeface="Calibri" panose="020F0502020204030204" pitchFamily="34" charset="0"/>
+                <a:cs typeface="Times New Roman" panose="02020603050405020304" pitchFamily="18" charset="0"/>
+              </a:rPr>
+              <a:t>getP_ok</a:t>
+            </a:r>
+            <a:r>
+              <a:rPr lang="ro-RO" sz="2000" b="1" dirty="0">
+                <a:effectLst/>
+                <a:ea typeface="Calibri" panose="020F0502020204030204" pitchFamily="34" charset="0"/>
+                <a:cs typeface="Times New Roman" panose="02020603050405020304" pitchFamily="18" charset="0"/>
+              </a:rPr>
+              <a:t>#</a:t>
+            </a:r>
+            <a:r>
+              <a:rPr lang="ro-RO" sz="2000" b="1" i="1" dirty="0">
+                <a:solidFill>
+                  <a:srgbClr val="00B0F0"/>
+                </a:solidFill>
+                <a:effectLst/>
+                <a:ea typeface="Calibri" panose="020F0502020204030204" pitchFamily="34" charset="0"/>
+                <a:cs typeface="Times New Roman" panose="02020603050405020304" pitchFamily="18" charset="0"/>
+              </a:rPr>
+              <a:t>mail1</a:t>
+            </a:r>
+            <a:r>
+              <a:rPr lang="ro-RO" sz="2000" b="1" i="1" dirty="0">
+                <a:effectLst/>
+                <a:ea typeface="Calibri" panose="020F0502020204030204" pitchFamily="34" charset="0"/>
+                <a:cs typeface="Times New Roman" panose="02020603050405020304" pitchFamily="18" charset="0"/>
+              </a:rPr>
+              <a:t>,</a:t>
+            </a:r>
+            <a:r>
+              <a:rPr lang="ro-RO" sz="2000" b="1" i="1" dirty="0">
+                <a:solidFill>
+                  <a:srgbClr val="00B0F0"/>
+                </a:solidFill>
+                <a:effectLst/>
+                <a:ea typeface="Calibri" panose="020F0502020204030204" pitchFamily="34" charset="0"/>
+                <a:cs typeface="Times New Roman" panose="02020603050405020304" pitchFamily="18" charset="0"/>
+              </a:rPr>
+              <a:t>fullname1</a:t>
+            </a:r>
+            <a:r>
+              <a:rPr lang="ro-RO" sz="2000" b="1" i="1" dirty="0">
+                <a:effectLst/>
+                <a:ea typeface="Calibri" panose="020F0502020204030204" pitchFamily="34" charset="0"/>
+                <a:cs typeface="Times New Roman" panose="02020603050405020304" pitchFamily="18" charset="0"/>
+              </a:rPr>
+              <a:t>,</a:t>
+            </a:r>
+            <a:r>
+              <a:rPr lang="ro-RO" sz="2000" b="1" i="1" dirty="0">
+                <a:solidFill>
+                  <a:srgbClr val="00B050"/>
+                </a:solidFill>
+                <a:effectLst/>
+                <a:ea typeface="Calibri" panose="020F0502020204030204" pitchFamily="34" charset="0"/>
+                <a:cs typeface="Times New Roman" panose="02020603050405020304" pitchFamily="18" charset="0"/>
+              </a:rPr>
+              <a:t>age1</a:t>
+            </a:r>
+            <a:r>
+              <a:rPr lang="ro-RO" sz="2000" b="1" i="1" dirty="0">
+                <a:effectLst/>
+                <a:ea typeface="Calibri" panose="020F0502020204030204" pitchFamily="34" charset="0"/>
+                <a:cs typeface="Times New Roman" panose="02020603050405020304" pitchFamily="18" charset="0"/>
+              </a:rPr>
+              <a:t>,</a:t>
+            </a:r>
+            <a:r>
+              <a:rPr lang="ro-RO" sz="2000" b="1" i="1" dirty="0">
+                <a:solidFill>
+                  <a:srgbClr val="7030A0"/>
+                </a:solidFill>
+                <a:effectLst/>
+                <a:ea typeface="Calibri" panose="020F0502020204030204" pitchFamily="34" charset="0"/>
+                <a:cs typeface="Times New Roman" panose="02020603050405020304" pitchFamily="18" charset="0"/>
+              </a:rPr>
+              <a:t>gender1</a:t>
+            </a:r>
+            <a:r>
+              <a:rPr lang="ro-RO" sz="2000" b="1" dirty="0">
+                <a:effectLst/>
+                <a:ea typeface="Calibri" panose="020F0502020204030204" pitchFamily="34" charset="0"/>
+                <a:cs typeface="Times New Roman" panose="02020603050405020304" pitchFamily="18" charset="0"/>
+              </a:rPr>
+              <a:t>$</a:t>
+            </a:r>
+            <a:r>
+              <a:rPr lang="ro-RO" sz="2000" b="1" i="1" dirty="0">
+                <a:solidFill>
+                  <a:srgbClr val="00B0F0"/>
+                </a:solidFill>
+                <a:effectLst/>
+                <a:ea typeface="Calibri" panose="020F0502020204030204" pitchFamily="34" charset="0"/>
+                <a:cs typeface="Times New Roman" panose="02020603050405020304" pitchFamily="18" charset="0"/>
+              </a:rPr>
+              <a:t>mail2</a:t>
+            </a:r>
+            <a:r>
+              <a:rPr lang="ro-RO" sz="2000" b="1" i="1" dirty="0">
+                <a:effectLst/>
+                <a:ea typeface="Calibri" panose="020F0502020204030204" pitchFamily="34" charset="0"/>
+                <a:cs typeface="Times New Roman" panose="02020603050405020304" pitchFamily="18" charset="0"/>
+              </a:rPr>
+              <a:t>,</a:t>
+            </a:r>
+            <a:r>
+              <a:rPr lang="ro-RO" sz="2000" b="1" i="1" dirty="0">
+                <a:solidFill>
+                  <a:srgbClr val="00B0F0"/>
+                </a:solidFill>
+                <a:effectLst/>
+                <a:ea typeface="Calibri" panose="020F0502020204030204" pitchFamily="34" charset="0"/>
+                <a:cs typeface="Times New Roman" panose="02020603050405020304" pitchFamily="18" charset="0"/>
+              </a:rPr>
+              <a:t>fullname2</a:t>
+            </a:r>
+            <a:r>
+              <a:rPr lang="ro-RO" sz="2000" b="1" i="1" dirty="0">
+                <a:effectLst/>
+                <a:ea typeface="Calibri" panose="020F0502020204030204" pitchFamily="34" charset="0"/>
+                <a:cs typeface="Times New Roman" panose="02020603050405020304" pitchFamily="18" charset="0"/>
+              </a:rPr>
+              <a:t>,</a:t>
+            </a:r>
+            <a:r>
+              <a:rPr lang="ro-RO" sz="2000" b="1" i="1" dirty="0">
+                <a:solidFill>
+                  <a:srgbClr val="00B050"/>
+                </a:solidFill>
+                <a:effectLst/>
+                <a:ea typeface="Calibri" panose="020F0502020204030204" pitchFamily="34" charset="0"/>
+                <a:cs typeface="Times New Roman" panose="02020603050405020304" pitchFamily="18" charset="0"/>
+              </a:rPr>
+              <a:t>age2</a:t>
+            </a:r>
+            <a:r>
+              <a:rPr lang="ro-RO" sz="2000" b="1" i="1" dirty="0">
+                <a:effectLst/>
+                <a:ea typeface="Calibri" panose="020F0502020204030204" pitchFamily="34" charset="0"/>
+                <a:cs typeface="Times New Roman" panose="02020603050405020304" pitchFamily="18" charset="0"/>
+              </a:rPr>
+              <a:t>,</a:t>
+            </a:r>
+            <a:r>
+              <a:rPr lang="ro-RO" sz="2000" b="1" i="1" dirty="0">
+                <a:solidFill>
+                  <a:srgbClr val="7030A0"/>
+                </a:solidFill>
+                <a:effectLst/>
+                <a:ea typeface="Calibri" panose="020F0502020204030204" pitchFamily="34" charset="0"/>
+                <a:cs typeface="Times New Roman" panose="02020603050405020304" pitchFamily="18" charset="0"/>
+              </a:rPr>
+              <a:t>gender2</a:t>
+            </a:r>
+            <a:r>
+              <a:rPr lang="ro-RO" sz="2000" b="1" dirty="0">
+                <a:effectLst/>
+                <a:ea typeface="Calibri" panose="020F0502020204030204" pitchFamily="34" charset="0"/>
+                <a:cs typeface="Times New Roman" panose="02020603050405020304" pitchFamily="18" charset="0"/>
+              </a:rPr>
+              <a:t>$...#</a:t>
+            </a:r>
+            <a:endParaRPr lang="ro-RO" sz="2000" b="1" dirty="0">
+              <a:ea typeface="Calibri" panose="020F0502020204030204" pitchFamily="34" charset="0"/>
+              <a:cs typeface="Times New Roman" panose="02020603050405020304" pitchFamily="18" charset="0"/>
+            </a:endParaRPr>
+          </a:p>
+          <a:p>
+            <a:r>
+              <a:rPr lang="ro-RO" sz="2000" b="1" dirty="0">
+                <a:effectLst/>
+                <a:ea typeface="Calibri" panose="020F0502020204030204" pitchFamily="34" charset="0"/>
+                <a:cs typeface="Times New Roman" panose="02020603050405020304" pitchFamily="18" charset="0"/>
+              </a:rPr>
+              <a:t>c!</a:t>
+            </a:r>
+            <a:r>
+              <a:rPr lang="ro-RO" sz="2000" b="1" dirty="0">
+                <a:solidFill>
+                  <a:srgbClr val="FF0000"/>
+                </a:solidFill>
+                <a:effectLst/>
+                <a:ea typeface="Calibri" panose="020F0502020204030204" pitchFamily="34" charset="0"/>
+                <a:cs typeface="Times New Roman" panose="02020603050405020304" pitchFamily="18" charset="0"/>
+              </a:rPr>
+              <a:t>like_set</a:t>
+            </a:r>
+            <a:r>
+              <a:rPr lang="ro-RO" sz="2000" b="1" dirty="0">
+                <a:effectLst/>
+                <a:ea typeface="Calibri" panose="020F0502020204030204" pitchFamily="34" charset="0"/>
+                <a:cs typeface="Times New Roman" panose="02020603050405020304" pitchFamily="18" charset="0"/>
+              </a:rPr>
+              <a:t>#</a:t>
+            </a:r>
+            <a:r>
+              <a:rPr lang="ro-RO" sz="2000" b="1" i="1" dirty="0">
+                <a:solidFill>
+                  <a:srgbClr val="00B0F0"/>
+                </a:solidFill>
+                <a:effectLst/>
+                <a:ea typeface="Calibri" panose="020F0502020204030204" pitchFamily="34" charset="0"/>
+                <a:cs typeface="Times New Roman" panose="02020603050405020304" pitchFamily="18" charset="0"/>
+              </a:rPr>
+              <a:t>mail1</a:t>
+            </a:r>
+            <a:r>
+              <a:rPr lang="ro-RO" sz="2000" b="1" dirty="0">
+                <a:effectLst/>
+                <a:ea typeface="Calibri" panose="020F0502020204030204" pitchFamily="34" charset="0"/>
+                <a:cs typeface="Times New Roman" panose="02020603050405020304" pitchFamily="18" charset="0"/>
+              </a:rPr>
+              <a:t>#</a:t>
+            </a:r>
+            <a:r>
+              <a:rPr lang="ro-RO" sz="2000" b="1" i="1" dirty="0">
+                <a:solidFill>
+                  <a:srgbClr val="00B0F0"/>
+                </a:solidFill>
+                <a:effectLst/>
+                <a:ea typeface="Calibri" panose="020F0502020204030204" pitchFamily="34" charset="0"/>
+                <a:cs typeface="Times New Roman" panose="02020603050405020304" pitchFamily="18" charset="0"/>
+              </a:rPr>
+              <a:t>mail2</a:t>
+            </a:r>
+            <a:r>
+              <a:rPr lang="ro-RO" sz="2000" b="1" dirty="0">
+                <a:effectLst/>
+                <a:ea typeface="Calibri" panose="020F0502020204030204" pitchFamily="34" charset="0"/>
+                <a:cs typeface="Times New Roman" panose="02020603050405020304" pitchFamily="18" charset="0"/>
+              </a:rPr>
+              <a:t>#</a:t>
+            </a:r>
+          </a:p>
+          <a:p>
+            <a:pPr lvl="1"/>
+            <a:r>
+              <a:rPr lang="ro-RO" sz="2000" b="1" dirty="0">
+                <a:cs typeface="Times New Roman" panose="02020603050405020304" pitchFamily="18" charset="0"/>
+              </a:rPr>
+              <a:t>-</a:t>
+            </a:r>
+            <a:endParaRPr lang="en-US" sz="2000" dirty="0"/>
+          </a:p>
+        </p:txBody>
+      </p:sp>
+    </p:spTree>
+    <p:extLst>
+      <p:ext uri="{BB962C8B-B14F-4D97-AF65-F5344CB8AC3E}">
+        <p14:creationId xmlns:p14="http://schemas.microsoft.com/office/powerpoint/2010/main" val="2343529685"/>
+      </p:ext>
+    </p:extLst>
+  </p:cSld>
+  <p:clrMapOvr>
+    <a:masterClrMapping/>
+  </p:clrMapOvr>
+</p:sld>
+</file>
+
+<file path=ppt/slides/slide18.xml><?xml version="1.0" encoding="utf-8"?>
+<p:sld xmlns:a="http://schemas.openxmlformats.org/drawingml/2006/main" xmlns:r="http://schemas.openxmlformats.org/officeDocument/2006/relationships" xmlns:p="http://schemas.openxmlformats.org/presentationml/2006/main">
+  <p:cSld>
+    <p:spTree>
+      <p:nvGrpSpPr>
+        <p:cNvPr id="1" name=""/>
+        <p:cNvGrpSpPr/>
+        <p:nvPr/>
+      </p:nvGrpSpPr>
+      <p:grpSpPr>
+        <a:xfrm>
+          <a:off x="0" y="0"/>
+          <a:ext cx="0" cy="0"/>
+          <a:chOff x="0" y="0"/>
+          <a:chExt cx="0" cy="0"/>
+        </a:xfrm>
+      </p:grpSpPr>
+      <p:sp>
+        <p:nvSpPr>
+          <p:cNvPr id="2" name="Title 1">
+            <a:extLst>
+              <a:ext uri="{FF2B5EF4-FFF2-40B4-BE49-F238E27FC236}">
+                <a16:creationId xmlns:a16="http://schemas.microsoft.com/office/drawing/2014/main" id="{C3F6FB4B-5748-4EF7-8A5A-1004A206BA0B}"/>
+              </a:ext>
+            </a:extLst>
+          </p:cNvPr>
+          <p:cNvSpPr>
+            <a:spLocks noGrp="1"/>
+          </p:cNvSpPr>
+          <p:nvPr>
+            <p:ph type="title"/>
+          </p:nvPr>
+        </p:nvSpPr>
+        <p:spPr/>
+        <p:txBody>
+          <a:bodyPr/>
+          <a:lstStyle/>
+          <a:p>
+            <a:r>
+              <a:rPr lang="ro-RO" dirty="0"/>
+              <a:t>Bibliografie</a:t>
+            </a:r>
+            <a:endParaRPr lang="en-US" dirty="0"/>
+          </a:p>
+        </p:txBody>
+      </p:sp>
+      <p:sp>
+        <p:nvSpPr>
+          <p:cNvPr id="3" name="Content Placeholder 2">
+            <a:extLst>
+              <a:ext uri="{FF2B5EF4-FFF2-40B4-BE49-F238E27FC236}">
+                <a16:creationId xmlns:a16="http://schemas.microsoft.com/office/drawing/2014/main" id="{8D1E5599-45E6-428B-BF10-F5CA7D522929}"/>
+              </a:ext>
+            </a:extLst>
+          </p:cNvPr>
+          <p:cNvSpPr>
+            <a:spLocks noGrp="1"/>
+          </p:cNvSpPr>
+          <p:nvPr>
+            <p:ph idx="1"/>
+          </p:nvPr>
+        </p:nvSpPr>
+        <p:spPr/>
+        <p:txBody>
+          <a:bodyPr>
+            <a:normAutofit/>
+          </a:bodyPr>
+          <a:lstStyle/>
+          <a:p>
+            <a:pPr marL="342900" marR="0" lvl="0" indent="-342900">
+              <a:lnSpc>
+                <a:spcPct val="107000"/>
+              </a:lnSpc>
+              <a:spcBef>
+                <a:spcPts val="0"/>
+              </a:spcBef>
+              <a:spcAft>
+                <a:spcPts val="0"/>
+              </a:spcAft>
+              <a:buFont typeface="Symbol" panose="05050102010706020507" pitchFamily="18" charset="2"/>
+              <a:buChar char=""/>
+            </a:pPr>
+            <a:r>
+              <a:rPr lang="en-US" sz="2000" u="sng" dirty="0">
+                <a:solidFill>
+                  <a:srgbClr val="0563C1"/>
+                </a:solidFill>
+                <a:effectLst/>
+                <a:ea typeface="Dotum" panose="020B0503020000020004" pitchFamily="34" charset="-127"/>
+                <a:cs typeface="Times New Roman" panose="02020603050405020304" pitchFamily="18" charset="0"/>
+                <a:hlinkClick r:id="rId2"/>
+              </a:rPr>
+              <a:t>Android Fundamentals: https://www.youtube.com/playlist?list=PLQkwcJG4YTCTq1raTb5iMuxnEB06J1VHX</a:t>
+            </a:r>
+            <a:endParaRPr lang="en-US" sz="2000" dirty="0">
+              <a:effectLst/>
+              <a:ea typeface="Dotum" panose="020B0503020000020004" pitchFamily="34" charset="-127"/>
+              <a:cs typeface="Times New Roman" panose="02020603050405020304" pitchFamily="18" charset="0"/>
+            </a:endParaRPr>
+          </a:p>
+          <a:p>
+            <a:pPr marL="342900" marR="0" lvl="0" indent="-342900">
+              <a:lnSpc>
+                <a:spcPct val="107000"/>
+              </a:lnSpc>
+              <a:spcBef>
+                <a:spcPts val="0"/>
+              </a:spcBef>
+              <a:spcAft>
+                <a:spcPts val="0"/>
+              </a:spcAft>
+              <a:buFont typeface="Symbol" panose="05050102010706020507" pitchFamily="18" charset="2"/>
+              <a:buChar char=""/>
+            </a:pPr>
+            <a:r>
+              <a:rPr lang="en-US" sz="2000" u="sng" dirty="0">
+                <a:solidFill>
+                  <a:srgbClr val="0563C1"/>
+                </a:solidFill>
+                <a:effectLst/>
+                <a:ea typeface="Dotum" panose="020B0503020000020004" pitchFamily="34" charset="-127"/>
+                <a:cs typeface="Times New Roman" panose="02020603050405020304" pitchFamily="18" charset="0"/>
+                <a:hlinkClick r:id="rId3"/>
+              </a:rPr>
+              <a:t>Swipe cards - tutorial: https://www.youtube.com/watch?v=SJW_4UMXbu8&amp;ab_channel=SimCoder</a:t>
+            </a:r>
+            <a:endParaRPr lang="en-US" sz="2000" dirty="0">
+              <a:effectLst/>
+              <a:ea typeface="Dotum" panose="020B0503020000020004" pitchFamily="34" charset="-127"/>
+              <a:cs typeface="Times New Roman" panose="02020603050405020304" pitchFamily="18" charset="0"/>
+            </a:endParaRPr>
+          </a:p>
+          <a:p>
+            <a:pPr marL="342900" marR="0" lvl="0" indent="-342900">
+              <a:lnSpc>
+                <a:spcPct val="107000"/>
+              </a:lnSpc>
+              <a:spcBef>
+                <a:spcPts val="0"/>
+              </a:spcBef>
+              <a:spcAft>
+                <a:spcPts val="0"/>
+              </a:spcAft>
+              <a:buFont typeface="Symbol" panose="05050102010706020507" pitchFamily="18" charset="2"/>
+              <a:buChar char=""/>
+            </a:pPr>
+            <a:r>
+              <a:rPr lang="en-US" sz="2000" u="sng" dirty="0">
+                <a:solidFill>
+                  <a:srgbClr val="0563C1"/>
+                </a:solidFill>
+                <a:effectLst/>
+                <a:ea typeface="Dotum" panose="020B0503020000020004" pitchFamily="34" charset="-127"/>
+                <a:cs typeface="Times New Roman" panose="02020603050405020304" pitchFamily="18" charset="0"/>
+                <a:hlinkClick r:id="rId4"/>
+              </a:rPr>
+              <a:t>Swipe cards - library: https://github.com/Diolor/Swipecards</a:t>
+            </a:r>
+            <a:endParaRPr lang="en-US" sz="2000" dirty="0">
+              <a:effectLst/>
+              <a:ea typeface="Dotum" panose="020B0503020000020004" pitchFamily="34" charset="-127"/>
+              <a:cs typeface="Times New Roman" panose="02020603050405020304" pitchFamily="18" charset="0"/>
+            </a:endParaRPr>
+          </a:p>
+          <a:p>
+            <a:pPr marL="342900" marR="0" lvl="0" indent="-342900">
+              <a:lnSpc>
+                <a:spcPct val="107000"/>
+              </a:lnSpc>
+              <a:spcBef>
+                <a:spcPts val="0"/>
+              </a:spcBef>
+              <a:spcAft>
+                <a:spcPts val="0"/>
+              </a:spcAft>
+              <a:buFont typeface="Symbol" panose="05050102010706020507" pitchFamily="18" charset="2"/>
+              <a:buChar char=""/>
+            </a:pPr>
+            <a:r>
+              <a:rPr lang="en-US" sz="2000" u="sng" dirty="0">
+                <a:solidFill>
+                  <a:srgbClr val="0563C1"/>
+                </a:solidFill>
+                <a:effectLst/>
+                <a:ea typeface="Dotum" panose="020B0503020000020004" pitchFamily="34" charset="-127"/>
+                <a:cs typeface="Times New Roman" panose="02020603050405020304" pitchFamily="18" charset="0"/>
+                <a:hlinkClick r:id="rId5"/>
+              </a:rPr>
+              <a:t>Bottom navigation: https://www.youtube.com/watch?v=AL_1UDa9l3U&amp;list=PLQkwcJG4YTCTq1raTb5iMuxnEB06J1VHX&amp;index=24&amp;ab_channel=PhilippLackner</a:t>
+            </a:r>
+            <a:endParaRPr lang="en-US" sz="2000" dirty="0">
+              <a:effectLst/>
+              <a:ea typeface="Dotum" panose="020B0503020000020004" pitchFamily="34" charset="-127"/>
+              <a:cs typeface="Times New Roman" panose="02020603050405020304" pitchFamily="18" charset="0"/>
+            </a:endParaRPr>
+          </a:p>
+          <a:p>
+            <a:pPr marL="342900" marR="0" lvl="0" indent="-342900">
+              <a:lnSpc>
+                <a:spcPct val="107000"/>
+              </a:lnSpc>
+              <a:spcBef>
+                <a:spcPts val="0"/>
+              </a:spcBef>
+              <a:spcAft>
+                <a:spcPts val="800"/>
+              </a:spcAft>
+              <a:buFont typeface="Symbol" panose="05050102010706020507" pitchFamily="18" charset="2"/>
+              <a:buChar char=""/>
+            </a:pPr>
+            <a:r>
+              <a:rPr lang="en-US" sz="2000" u="sng" dirty="0">
+                <a:solidFill>
+                  <a:srgbClr val="0563C1"/>
+                </a:solidFill>
+                <a:effectLst/>
+                <a:ea typeface="Dotum" panose="020B0503020000020004" pitchFamily="34" charset="-127"/>
+                <a:cs typeface="Times New Roman" panose="02020603050405020304" pitchFamily="18" charset="0"/>
+                <a:hlinkClick r:id="rId6"/>
+              </a:rPr>
+              <a:t>Android documentation: https://developer.android.com/docs</a:t>
+            </a:r>
+            <a:endParaRPr lang="en-US" sz="2000" dirty="0">
+              <a:effectLst/>
+              <a:ea typeface="Dotum" panose="020B0503020000020004" pitchFamily="34" charset="-127"/>
+              <a:cs typeface="Times New Roman" panose="02020603050405020304" pitchFamily="18" charset="0"/>
+            </a:endParaRPr>
+          </a:p>
+          <a:p>
+            <a:pPr marL="0" indent="0">
+              <a:buNone/>
+            </a:pPr>
+            <a:endParaRPr lang="en-US" sz="3200" dirty="0">
+              <a:ea typeface="Dotum" panose="020B0503020000020004" pitchFamily="34" charset="-127"/>
+            </a:endParaRPr>
+          </a:p>
+        </p:txBody>
+      </p:sp>
+    </p:spTree>
+    <p:extLst>
+      <p:ext uri="{BB962C8B-B14F-4D97-AF65-F5344CB8AC3E}">
+        <p14:creationId xmlns:p14="http://schemas.microsoft.com/office/powerpoint/2010/main" val="566895742"/>
       </p:ext>
     </p:extLst>
   </p:cSld>
@@ -12616,7 +17820,7 @@
           <a:lstStyle/>
           <a:p>
             <a:r>
-              <a:rPr lang="en-US" sz="3600"/>
+              <a:rPr lang="ro-RO" sz="3600" dirty="0"/>
               <a:t>Cuprins</a:t>
             </a:r>
           </a:p>
@@ -12683,7 +17887,7 @@
           <a:lstStyle/>
           <a:p>
             <a:pPr algn="ctr"/>
-            <a:endParaRPr lang="en-US"/>
+            <a:endParaRPr lang="en-US" dirty="0"/>
           </a:p>
         </p:txBody>
       </p:sp>
@@ -12750,7 +17954,7 @@
           <a:lstStyle/>
           <a:p>
             <a:pPr algn="ctr"/>
-            <a:endParaRPr lang="en-US"/>
+            <a:endParaRPr lang="en-US" dirty="0"/>
           </a:p>
         </p:txBody>
       </p:sp>
@@ -12817,7 +18021,7 @@
           <a:lstStyle/>
           <a:p>
             <a:pPr algn="ctr"/>
-            <a:endParaRPr lang="en-US"/>
+            <a:endParaRPr lang="en-US" dirty="0"/>
           </a:p>
         </p:txBody>
       </p:sp>
@@ -12882,7 +18086,7 @@
           <a:lstStyle/>
           <a:p>
             <a:pPr algn="ctr"/>
-            <a:endParaRPr lang="en-US"/>
+            <a:endParaRPr lang="en-US" dirty="0"/>
           </a:p>
         </p:txBody>
       </p:sp>
@@ -12902,7 +18106,7 @@
             <p:ph idx="1"/>
             <p:extLst>
               <p:ext uri="{D42A27DB-BD31-4B8C-83A1-F6EECF244321}">
-                <p14:modId xmlns:p14="http://schemas.microsoft.com/office/powerpoint/2010/main" val="3979751010"/>
+                <p14:modId xmlns:p14="http://schemas.microsoft.com/office/powerpoint/2010/main" val="1065919889"/>
               </p:ext>
             </p:extLst>
           </p:nvPr>
@@ -12984,22 +18188,30 @@
           <a:lstStyle/>
           <a:p>
             <a:r>
-              <a:rPr lang="en-US" sz="6000">
+              <a:rPr lang="ro-RO" sz="6000" dirty="0">
                 <a:solidFill>
                   <a:schemeClr val="accent5"/>
                 </a:solidFill>
               </a:rPr>
-              <a:t>Introducere </a:t>
+              <a:t>Introducere</a:t>
             </a:r>
             <a:r>
-              <a:rPr lang="ro-RO" sz="6000">
+              <a:rPr lang="en-US" sz="6000" dirty="0">
+                <a:solidFill>
+                  <a:schemeClr val="accent5"/>
+                </a:solidFill>
+              </a:rPr>
+              <a:t> </a:t>
+            </a:r>
+            <a:r>
+              <a:rPr lang="ro-RO" sz="6000" dirty="0">
                 <a:solidFill>
                   <a:schemeClr val="accent5"/>
                 </a:solidFill>
               </a:rPr>
               <a:t>și obiective</a:t>
             </a:r>
-            <a:endParaRPr lang="en-US" sz="6000">
+            <a:endParaRPr lang="en-US" sz="6000" dirty="0">
               <a:solidFill>
                 <a:schemeClr val="accent5"/>
               </a:solidFill>
@@ -13132,7 +18344,7 @@
           <a:lstStyle/>
           <a:p>
             <a:pPr algn="ctr"/>
-            <a:endParaRPr lang="en-US"/>
+            <a:endParaRPr lang="en-US" dirty="0"/>
           </a:p>
         </p:txBody>
       </p:sp>
@@ -13208,7 +18420,7 @@
           <a:lstStyle/>
           <a:p>
             <a:pPr algn="ctr"/>
-            <a:endParaRPr lang="en-US"/>
+            <a:endParaRPr lang="en-US" dirty="0"/>
           </a:p>
         </p:txBody>
       </p:sp>
@@ -20148,7 +25360,7 @@
           <a:p>
             <a:pPr algn="ctr"/>
             <a:r>
-              <a:rPr lang="en-US" sz="5200" kern="1200">
+              <a:rPr lang="ro-RO" sz="5200" kern="1200" dirty="0">
                 <a:solidFill>
                   <a:schemeClr val="tx2"/>
                 </a:solidFill>
@@ -20314,7 +25526,7 @@
               <a:tabLst/>
               <a:defRPr/>
             </a:pPr>
-            <a:endParaRPr kumimoji="0" lang="en-US" sz="1800" b="0" i="0" u="none" strike="noStrike" kern="1200" cap="none" spc="0" normalizeH="0" baseline="0" noProof="0">
+            <a:endParaRPr kumimoji="0" lang="en-US" sz="1800" b="0" i="0" u="none" strike="noStrike" kern="1200" cap="none" spc="0" normalizeH="0" baseline="0" noProof="0" dirty="0">
               <a:ln>
                 <a:noFill/>
               </a:ln>
@@ -20477,7 +25689,7 @@
               <a:tabLst/>
               <a:defRPr/>
             </a:pPr>
-            <a:endParaRPr kumimoji="0" lang="en-US" sz="1800" b="0" i="0" u="none" strike="noStrike" kern="1200" cap="none" spc="0" normalizeH="0" baseline="0" noProof="0">
+            <a:endParaRPr kumimoji="0" lang="en-US" sz="1800" b="0" i="0" u="none" strike="noStrike" kern="1200" cap="none" spc="0" normalizeH="0" baseline="0" noProof="0" dirty="0">
               <a:ln>
                 <a:noFill/>
               </a:ln>
@@ -20803,7 +26015,7 @@
           <a:lstStyle/>
           <a:p>
             <a:pPr algn="ctr"/>
-            <a:endParaRPr lang="en-US"/>
+            <a:endParaRPr lang="en-US" dirty="0"/>
           </a:p>
         </p:txBody>
       </p:sp>
@@ -20937,7 +26149,7 @@
           <a:lstStyle/>
           <a:p>
             <a:pPr algn="ctr"/>
-            <a:endParaRPr lang="en-US"/>
+            <a:endParaRPr lang="en-US" dirty="0"/>
           </a:p>
         </p:txBody>
       </p:sp>
@@ -20983,39 +26195,7 @@
                   <a:srgbClr val="FFFFFF"/>
                 </a:solidFill>
               </a:rPr>
-              <a:t> </a:t>
-            </a:r>
-            <a:r>
-              <a:rPr lang="en-US" sz="3200" b="1" dirty="0" err="1">
-                <a:solidFill>
-                  <a:srgbClr val="FFFFFF"/>
-                </a:solidFill>
-              </a:rPr>
-              <a:t>Diolor</a:t>
-            </a:r>
-            <a:r>
-              <a:rPr lang="en-US" sz="3200" b="1" dirty="0">
-                <a:solidFill>
-                  <a:srgbClr val="FFFFFF"/>
-                </a:solidFill>
-              </a:rPr>
-              <a:t>/</a:t>
-            </a:r>
-            <a:r>
-              <a:rPr lang="en-US" sz="3200" b="1" dirty="0" err="1">
-                <a:solidFill>
-                  <a:srgbClr val="FFFFFF"/>
-                </a:solidFill>
-              </a:rPr>
-              <a:t>Swipecards</a:t>
-            </a:r>
-            <a:r>
-              <a:rPr lang="en-US" sz="3200" b="1" dirty="0">
-                <a:solidFill>
-                  <a:srgbClr val="FFFFFF"/>
-                </a:solidFill>
-              </a:rPr>
-              <a:t> </a:t>
+              <a:t> Diolor/Swipecards </a:t>
             </a:r>
           </a:p>
         </p:txBody>
@@ -21141,60 +26321,40 @@
           <a:p>
             <a:pPr lvl="1"/>
             <a:r>
-              <a:rPr lang="en-US" dirty="0" err="1"/>
-              <a:t>removeFirstObjectInAdapter</a:t>
-            </a:r>
-            <a:r>
               <a:rPr lang="en-US" dirty="0"/>
-              <a:t>() </a:t>
+              <a:t>removeFirstObjectInAdapter() </a:t>
             </a:r>
             <a:endParaRPr lang="ro-RO" dirty="0"/>
           </a:p>
           <a:p>
             <a:pPr lvl="1"/>
             <a:r>
-              <a:rPr lang="en-US" dirty="0" err="1"/>
-              <a:t>onLeftCardExit</a:t>
-            </a:r>
-            <a:r>
               <a:rPr lang="en-US" dirty="0"/>
-              <a:t>() </a:t>
+              <a:t>onLeftCardExit() </a:t>
             </a:r>
             <a:endParaRPr lang="ro-RO" dirty="0"/>
           </a:p>
           <a:p>
             <a:pPr lvl="1"/>
             <a:r>
-              <a:rPr lang="en-US" dirty="0" err="1"/>
-              <a:t>onRightCardExit</a:t>
-            </a:r>
-            <a:r>
               <a:rPr lang="en-US" dirty="0"/>
-              <a:t>() </a:t>
+              <a:t>onRightCardExit() </a:t>
             </a:r>
             <a:endParaRPr lang="ro-RO" dirty="0"/>
           </a:p>
           <a:p>
             <a:pPr lvl="1"/>
             <a:r>
-              <a:rPr lang="en-US" dirty="0" err="1"/>
-              <a:t>onAdapterAboutToEmpty</a:t>
-            </a:r>
-            <a:r>
               <a:rPr lang="en-US" dirty="0"/>
-              <a:t>() </a:t>
+              <a:t>onAdapterAboutToEmpty() </a:t>
             </a:r>
             <a:endParaRPr lang="ro-RO" dirty="0"/>
           </a:p>
           <a:p>
             <a:pPr lvl="1"/>
             <a:r>
-              <a:rPr lang="en-US" dirty="0" err="1"/>
-              <a:t>onScroll</a:t>
-            </a:r>
-            <a:r>
               <a:rPr lang="en-US" dirty="0"/>
-              <a:t>() </a:t>
+              <a:t>onScroll() </a:t>
             </a:r>
           </a:p>
         </p:txBody>
@@ -21293,7 +26453,7 @@
           <a:lstStyle/>
           <a:p>
             <a:pPr algn="ctr"/>
-            <a:endParaRPr lang="en-US"/>
+            <a:endParaRPr lang="en-US" dirty="0"/>
           </a:p>
         </p:txBody>
       </p:sp>
@@ -21427,7 +26587,7 @@
           <a:lstStyle/>
           <a:p>
             <a:pPr algn="ctr"/>
-            <a:endParaRPr lang="en-US"/>
+            <a:endParaRPr lang="en-US" dirty="0"/>
           </a:p>
         </p:txBody>
       </p:sp>
@@ -21576,7 +26736,7 @@
               <a:t>: </a:t>
             </a:r>
             <a:r>
-              <a:rPr lang="fr-FR" sz="2400" dirty="0" err="1"/>
+              <a:rPr lang="en-GB" sz="2400" dirty="0"/>
               <a:t>implementation</a:t>
             </a:r>
             <a:r>
@@ -21731,7 +26891,7 @@
           <a:lstStyle/>
           <a:p>
             <a:pPr algn="ctr"/>
-            <a:endParaRPr lang="en-US"/>
+            <a:endParaRPr lang="en-US" dirty="0"/>
           </a:p>
         </p:txBody>
       </p:sp>
@@ -21865,7 +27025,7 @@
           <a:lstStyle/>
           <a:p>
             <a:pPr algn="ctr"/>
-            <a:endParaRPr lang="en-US"/>
+            <a:endParaRPr lang="en-US" dirty="0"/>
           </a:p>
         </p:txBody>
       </p:sp>
@@ -22163,7 +27323,7 @@
               <a:tabLst/>
               <a:defRPr/>
             </a:pPr>
-            <a:endParaRPr kumimoji="0" lang="en-US" sz="1800" b="0" i="0" u="none" strike="noStrike" kern="1200" cap="none" spc="0" normalizeH="0" baseline="0" noProof="0">
+            <a:endParaRPr kumimoji="0" lang="en-US" sz="1800" b="0" i="0" u="none" strike="noStrike" kern="1200" cap="none" spc="0" normalizeH="0" baseline="0" noProof="0" dirty="0">
               <a:ln>
                 <a:noFill/>
               </a:ln>
@@ -22268,7 +27428,7 @@
               <a:tabLst/>
               <a:defRPr/>
             </a:pPr>
-            <a:endParaRPr kumimoji="0" lang="en-US" sz="1800" b="0" i="0" u="none" strike="noStrike" kern="1200" cap="none" spc="0" normalizeH="0" baseline="0" noProof="0">
+            <a:endParaRPr kumimoji="0" lang="en-US" sz="1800" b="0" i="0" u="none" strike="noStrike" kern="1200" cap="none" spc="0" normalizeH="0" baseline="0" noProof="0" dirty="0">
               <a:ln>
                 <a:noFill/>
               </a:ln>
